--- a/time_series_final_project_group10.pptx
+++ b/time_series_final_project_group10.pptx
@@ -12,12 +12,12 @@
   </p:handoutMasterIdLst>
   <p:sldIdLst>
     <p:sldId id="256" r:id="rId5"/>
-    <p:sldId id="564" r:id="rId6"/>
-    <p:sldId id="582" r:id="rId7"/>
-    <p:sldId id="583" r:id="rId8"/>
-    <p:sldId id="586" r:id="rId9"/>
-    <p:sldId id="575" r:id="rId10"/>
-    <p:sldId id="577" r:id="rId11"/>
+    <p:sldId id="582" r:id="rId6"/>
+    <p:sldId id="583" r:id="rId7"/>
+    <p:sldId id="586" r:id="rId8"/>
+    <p:sldId id="575" r:id="rId9"/>
+    <p:sldId id="577" r:id="rId10"/>
+    <p:sldId id="587" r:id="rId11"/>
     <p:sldId id="578" r:id="rId12"/>
     <p:sldId id="579" r:id="rId13"/>
     <p:sldId id="581" r:id="rId14"/>
@@ -126,7 +126,6 @@
         <p14:section name="Introduction" id="{79A040AF-BD8D-45B7-AF01-87A66A2BB9ED}">
           <p14:sldIdLst>
             <p14:sldId id="256"/>
-            <p14:sldId id="564"/>
           </p14:sldIdLst>
         </p14:section>
         <p14:section name="Problem Statement" id="{440D0811-513A-4363-9AE3-4435C39F9EDB}">
@@ -151,6 +150,7 @@
           <p14:sldIdLst>
             <p14:sldId id="575"/>
             <p14:sldId id="577"/>
+            <p14:sldId id="587"/>
             <p14:sldId id="578"/>
           </p14:sldIdLst>
         </p14:section>
@@ -462,7 +462,7 @@
           <a:p>
             <a:fld id="{943D8DEE-7A99-D148-95CC-22B727447B66}" type="datetime1">
               <a:rPr lang="en-US" smtClean="0"/>
-              <a:t>6/1/21</a:t>
+              <a:t>6/4/2021</a:t>
             </a:fld>
             <a:endParaRPr lang="en-US"/>
           </a:p>
@@ -628,7 +628,7 @@
           <a:p>
             <a:fld id="{22F972B9-BA4E-1044-96CD-9A1485C263C9}" type="datetime1">
               <a:rPr lang="en-US" smtClean="0"/>
-              <a:t>6/1/21</a:t>
+              <a:t>6/4/2021</a:t>
             </a:fld>
             <a:endParaRPr lang="en-US"/>
           </a:p>
@@ -980,7 +980,7 @@
           <a:p>
             <a:fld id="{F6FF41E2-7C4C-6F44-BCBE-792648FAE7E7}" type="datetime1">
               <a:rPr lang="en-US" smtClean="0"/>
-              <a:t>6/1/21</a:t>
+              <a:t>6/4/2021</a:t>
             </a:fld>
             <a:endParaRPr lang="en-US"/>
           </a:p>
@@ -1433,7 +1433,7 @@
             <a:fld id="{7836101D-EE4F-E14F-B986-E9B4B91F2B37}" type="datetime1">
               <a:rPr lang="en-US" smtClean="0"/>
               <a:pPr/>
-              <a:t>6/1/21</a:t>
+              <a:t>6/4/2021</a:t>
             </a:fld>
             <a:endParaRPr lang="en-US"/>
           </a:p>
@@ -1642,7 +1642,7 @@
             <a:fld id="{7836101D-EE4F-E14F-B986-E9B4B91F2B37}" type="datetime1">
               <a:rPr lang="en-US" smtClean="0"/>
               <a:pPr/>
-              <a:t>6/1/21</a:t>
+              <a:t>6/4/2021</a:t>
             </a:fld>
             <a:endParaRPr lang="en-US"/>
           </a:p>
@@ -2175,7 +2175,7 @@
             <a:fld id="{7836101D-EE4F-E14F-B986-E9B4B91F2B37}" type="datetime1">
               <a:rPr lang="en-US" smtClean="0"/>
               <a:pPr/>
-              <a:t>6/1/21</a:t>
+              <a:t>6/4/2021</a:t>
             </a:fld>
             <a:endParaRPr lang="en-US"/>
           </a:p>
@@ -2564,7 +2564,7 @@
             <a:fld id="{7836101D-EE4F-E14F-B986-E9B4B91F2B37}" type="datetime1">
               <a:rPr lang="en-US" smtClean="0"/>
               <a:pPr/>
-              <a:t>6/1/21</a:t>
+              <a:t>6/4/2021</a:t>
             </a:fld>
             <a:endParaRPr lang="en-US"/>
           </a:p>
@@ -2808,7 +2808,7 @@
             <a:fld id="{7836101D-EE4F-E14F-B986-E9B4B91F2B37}" type="datetime1">
               <a:rPr lang="en-US" smtClean="0"/>
               <a:pPr/>
-              <a:t>6/1/21</a:t>
+              <a:t>6/4/2021</a:t>
             </a:fld>
             <a:endParaRPr lang="en-US"/>
           </a:p>
@@ -3859,30 +3859,30 @@
           <a:lstStyle/>
           <a:p>
             <a:r>
-              <a:rPr lang="en-US" dirty="0"/>
-              <a:t>Did any of our models perform “well”?</a:t>
-            </a:r>
-          </a:p>
-          <a:p>
-            <a:pPr lvl="1"/>
-            <a:r>
-              <a:rPr lang="en-US" dirty="0"/>
-              <a:t>Clear that Covid-19 has changed things</a:t>
-            </a:r>
-          </a:p>
-          <a:p>
-            <a:pPr lvl="1"/>
-            <a:r>
-              <a:rPr lang="en-US" dirty="0"/>
-              <a:t>Pure statistical models out (under) perform both curve fitting and deep learning models pre-pandemic.</a:t>
-            </a:r>
-          </a:p>
-          <a:p>
-            <a:pPr lvl="1"/>
-            <a:r>
-              <a:rPr lang="en-US" dirty="0"/>
-              <a:t>ADD / EDIT THIS</a:t>
-            </a:r>
+              <a:rPr lang="en-US" dirty="0" smtClean="0"/>
+              <a:t>Both the VAR and STL do a decent job of projecting jobs growth through 2019</a:t>
+            </a:r>
+          </a:p>
+          <a:p>
+            <a:r>
+              <a:rPr lang="en-US" dirty="0" smtClean="0"/>
+              <a:t>It is clear that Covid-19 has had a profound impact as our forecasts beyond 2019 do not perform as well</a:t>
+            </a:r>
+          </a:p>
+          <a:p>
+            <a:r>
+              <a:rPr lang="en-US" dirty="0" smtClean="0"/>
+              <a:t>Forecasts have improved for 2021 </a:t>
+            </a:r>
+            <a:r>
+              <a:rPr lang="en-US" dirty="0" err="1" smtClean="0"/>
+              <a:t>verus</a:t>
+            </a:r>
+            <a:r>
+              <a:rPr lang="en-US" dirty="0" smtClean="0"/>
+              <a:t> 2020</a:t>
+            </a:r>
+            <a:endParaRPr lang="en-US" dirty="0"/>
           </a:p>
         </p:txBody>
       </p:sp>
@@ -3904,7 +3904,7 @@
             <a:fld id="{7836101D-EE4F-E14F-B986-E9B4B91F2B37}" type="datetime1">
               <a:rPr lang="en-US" smtClean="0"/>
               <a:pPr/>
-              <a:t>6/1/21</a:t>
+              <a:t>6/4/2021</a:t>
             </a:fld>
             <a:endParaRPr lang="en-US"/>
           </a:p>
@@ -4096,15 +4096,31 @@
             <a:br>
               <a:rPr lang="en-US" dirty="0"/>
             </a:br>
+            <a:r>
+              <a:rPr lang="en-US" dirty="0"/>
+              <a:t/>
+            </a:r>
             <a:br>
               <a:rPr lang="en-US" dirty="0"/>
             </a:br>
+            <a:r>
+              <a:rPr lang="en-US" dirty="0"/>
+              <a:t/>
+            </a:r>
             <a:br>
               <a:rPr lang="en-US" dirty="0"/>
             </a:br>
+            <a:r>
+              <a:rPr lang="en-US" dirty="0"/>
+              <a:t/>
+            </a:r>
             <a:br>
               <a:rPr lang="en-US" dirty="0"/>
             </a:br>
+            <a:r>
+              <a:rPr lang="en-US" dirty="0"/>
+              <a:t/>
+            </a:r>
             <a:br>
               <a:rPr lang="en-US" dirty="0"/>
             </a:br>
@@ -4133,7 +4149,7 @@
             <a:fld id="{7836101D-EE4F-E14F-B986-E9B4B91F2B37}" type="datetime1">
               <a:rPr lang="en-US" smtClean="0"/>
               <a:pPr/>
-              <a:t>6/1/21</a:t>
+              <a:t>6/4/2021</a:t>
             </a:fld>
             <a:endParaRPr lang="en-US"/>
           </a:p>
@@ -4217,7 +4233,7 @@
       </p:grpSpPr>
       <p:sp>
         <p:nvSpPr>
-          <p:cNvPr id="2" name="Title 1"/>
+          <p:cNvPr id="3" name="Title 2"/>
           <p:cNvSpPr>
             <a:spLocks noGrp="1"/>
           </p:cNvSpPr>
@@ -4225,28 +4241,23 @@
             <p:ph type="title"/>
           </p:nvPr>
         </p:nvSpPr>
-        <p:spPr>
-          <a:xfrm>
-            <a:off x="762000" y="363537"/>
-            <a:ext cx="10668000" cy="376985"/>
-          </a:xfrm>
-        </p:spPr>
+        <p:spPr/>
         <p:txBody>
           <a:bodyPr>
-            <a:normAutofit fontScale="90000"/>
+            <a:normAutofit/>
           </a:bodyPr>
           <a:lstStyle/>
           <a:p>
             <a:r>
-              <a:rPr lang="en-US" sz="2400" dirty="0"/>
-              <a:t>Grading Rubric &amp; Project Description</a:t>
-            </a:r>
-          </a:p>
-        </p:txBody>
-      </p:sp>
-      <p:sp>
-        <p:nvSpPr>
-          <p:cNvPr id="3" name="Content Placeholder 2"/>
+              <a:rPr lang="en-US" sz="2800" dirty="0"/>
+              <a:t>Problem statement</a:t>
+            </a:r>
+          </a:p>
+        </p:txBody>
+      </p:sp>
+      <p:sp>
+        <p:nvSpPr>
+          <p:cNvPr id="4" name="Content Placeholder 3"/>
           <p:cNvSpPr>
             <a:spLocks noGrp="1"/>
           </p:cNvSpPr>
@@ -4256,8 +4267,8 @@
         </p:nvSpPr>
         <p:spPr>
           <a:xfrm>
-            <a:off x="941832" y="2203704"/>
-            <a:ext cx="4011168" cy="2820655"/>
+            <a:off x="762000" y="983456"/>
+            <a:ext cx="6800850" cy="2432796"/>
           </a:xfrm>
         </p:spPr>
         <p:txBody>
@@ -4268,63 +4279,58 @@
               <a:buNone/>
             </a:pPr>
             <a:r>
-              <a:rPr lang="en-US" sz="1200" b="1" dirty="0"/>
-              <a:t>The class project covers: </a:t>
-            </a:r>
-          </a:p>
-          <a:p>
-            <a:r>
-              <a:rPr lang="en-US" sz="1200" dirty="0"/>
-              <a:t>Choose a real-world time series data problem and a forecasting objective </a:t>
-            </a:r>
-          </a:p>
-          <a:p>
-            <a:r>
-              <a:rPr lang="en-US" sz="1200" dirty="0"/>
-              <a:t>Procure and analyze the time series data </a:t>
-            </a:r>
-          </a:p>
-          <a:p>
-            <a:r>
-              <a:rPr lang="en-US" sz="1200" dirty="0"/>
-              <a:t>Develop at a minimum 3 (if group = 3 students) or 4 (if group = 4 students) forecasting models </a:t>
-            </a:r>
-          </a:p>
-          <a:p>
-            <a:r>
-              <a:rPr lang="en-US" sz="1200" dirty="0"/>
-              <a:t>Select final model based on selection criteria </a:t>
-            </a:r>
-          </a:p>
-          <a:p>
-            <a:r>
-              <a:rPr lang="en-US" sz="1200" dirty="0"/>
-              <a:t>Evaluate forecasting metrics and accuracy </a:t>
-            </a:r>
-          </a:p>
-          <a:p>
-            <a:r>
-              <a:rPr lang="en-US" sz="1200" dirty="0"/>
-              <a:t>Determine how the model forecasting can be improved </a:t>
-            </a:r>
-          </a:p>
-          <a:p>
-            <a:r>
-              <a:rPr lang="en-US" sz="1200" dirty="0"/>
-              <a:t>Effectively communicate analytical work </a:t>
+              <a:rPr lang="en-US" sz="1600" dirty="0"/>
+              <a:t>On the first Friday of each month, the Bureau of Labor Statistics (BLS) releases employment, or jobs numbers, for the previous month</a:t>
             </a:r>
           </a:p>
           <a:p>
             <a:pPr marL="0" indent="0">
               <a:buNone/>
             </a:pPr>
-            <a:endParaRPr lang="en-US" sz="1200" dirty="0"/>
-          </a:p>
-        </p:txBody>
-      </p:sp>
-      <p:sp>
-        <p:nvSpPr>
-          <p:cNvPr id="4" name="Date Placeholder 3"/>
+            <a:r>
+              <a:rPr lang="en-US" sz="1600" dirty="0"/>
+              <a:t>These numbers are critical in assessing the state of the economy and researchers often try to forecast what the job numbers will be </a:t>
+            </a:r>
+            <a:r>
+              <a:rPr lang="en-US" sz="1600" i="1" dirty="0"/>
+              <a:t>in the future</a:t>
+            </a:r>
+            <a:r>
+              <a:rPr lang="en-US" sz="1600" dirty="0"/>
+              <a:t>. </a:t>
+            </a:r>
+          </a:p>
+          <a:p>
+            <a:pPr marL="0" indent="0">
+              <a:buNone/>
+            </a:pPr>
+            <a:r>
+              <a:rPr lang="en-US" sz="1600" dirty="0"/>
+              <a:t>Such information is used by policy makers in assessing where the economy </a:t>
+            </a:r>
+            <a:r>
+              <a:rPr lang="en-US" sz="1600" i="1" dirty="0"/>
+              <a:t>will</a:t>
+            </a:r>
+            <a:r>
+              <a:rPr lang="en-US" sz="1600" dirty="0"/>
+              <a:t> be, and by other entities such as hedge funds and other financial institutions in trading.</a:t>
+            </a:r>
+          </a:p>
+          <a:p>
+            <a:pPr marL="0" indent="0">
+              <a:buNone/>
+            </a:pPr>
+            <a:r>
+              <a:rPr lang="en-US" sz="1600" dirty="0"/>
+              <a:t>This problem has been further complicated by the pandemic – the lowest jobs growth since the great depression</a:t>
+            </a:r>
+          </a:p>
+        </p:txBody>
+      </p:sp>
+      <p:sp>
+        <p:nvSpPr>
+          <p:cNvPr id="5" name="Date Placeholder 4"/>
           <p:cNvSpPr>
             <a:spLocks noGrp="1"/>
           </p:cNvSpPr>
@@ -4340,7 +4346,7 @@
             <a:fld id="{7836101D-EE4F-E14F-B986-E9B4B91F2B37}" type="datetime1">
               <a:rPr lang="en-US" smtClean="0"/>
               <a:pPr/>
-              <a:t>6/1/21</a:t>
+              <a:t>6/4/2021</a:t>
             </a:fld>
             <a:endParaRPr lang="en-US"/>
           </a:p>
@@ -4348,7 +4354,7 @@
       </p:sp>
       <p:sp>
         <p:nvSpPr>
-          <p:cNvPr id="5" name="Slide Number Placeholder 4"/>
+          <p:cNvPr id="6" name="Slide Number Placeholder 5"/>
           <p:cNvSpPr>
             <a:spLocks noGrp="1"/>
           </p:cNvSpPr>
@@ -4372,7 +4378,7 @@
       </p:sp>
       <p:sp>
         <p:nvSpPr>
-          <p:cNvPr id="6" name="Footer Placeholder 5"/>
+          <p:cNvPr id="7" name="Footer Placeholder 6"/>
           <p:cNvSpPr>
             <a:spLocks noGrp="1"/>
           </p:cNvSpPr>
@@ -4389,308 +4395,6 @@
               <a:rPr lang="en-US"/>
               <a:t>[Click “View &gt; Header and Footer” to Edit]</a:t>
             </a:r>
-          </a:p>
-        </p:txBody>
-      </p:sp>
-      <p:sp>
-        <p:nvSpPr>
-          <p:cNvPr id="7" name="Content Placeholder 2"/>
-          <p:cNvSpPr txBox="1">
-            <a:spLocks/>
-          </p:cNvSpPr>
-          <p:nvPr/>
-        </p:nvSpPr>
-        <p:spPr>
-          <a:xfrm>
-            <a:off x="5897880" y="1090366"/>
-            <a:ext cx="4011168" cy="4140002"/>
-          </a:xfrm>
-          <a:prstGeom prst="rect">
-            <a:avLst/>
-          </a:prstGeom>
-        </p:spPr>
-        <p:txBody>
-          <a:bodyPr/>
-          <a:lstStyle>
-            <a:lvl1pPr marL="228600" indent="-228600" algn="l" defTabSz="914400" rtl="0" eaLnBrk="1" latinLnBrk="0" hangingPunct="1">
-              <a:lnSpc>
-                <a:spcPct val="90000"/>
-              </a:lnSpc>
-              <a:spcBef>
-                <a:spcPts val="1000"/>
-              </a:spcBef>
-              <a:buFont typeface="Arial"/>
-              <a:buChar char="•"/>
-              <a:defRPr sz="2800" b="0" i="0" kern="1200" baseline="0">
-                <a:solidFill>
-                  <a:schemeClr val="tx1"/>
-                </a:solidFill>
-                <a:latin typeface="Arial" charset="0"/>
-                <a:ea typeface="Arial" charset="0"/>
-                <a:cs typeface="Arial" charset="0"/>
-              </a:defRPr>
-            </a:lvl1pPr>
-            <a:lvl2pPr marL="685800" indent="-228600" algn="l" defTabSz="914400" rtl="0" eaLnBrk="1" latinLnBrk="0" hangingPunct="1">
-              <a:lnSpc>
-                <a:spcPct val="90000"/>
-              </a:lnSpc>
-              <a:spcBef>
-                <a:spcPts val="500"/>
-              </a:spcBef>
-              <a:buFont typeface="Arial"/>
-              <a:buChar char="•"/>
-              <a:defRPr sz="2400" b="0" i="0" kern="1200">
-                <a:solidFill>
-                  <a:schemeClr val="tx1"/>
-                </a:solidFill>
-                <a:latin typeface="Arial" charset="0"/>
-                <a:ea typeface="Arial" charset="0"/>
-                <a:cs typeface="Arial" charset="0"/>
-              </a:defRPr>
-            </a:lvl2pPr>
-            <a:lvl3pPr marL="1143000" indent="-228600" algn="l" defTabSz="914400" rtl="0" eaLnBrk="1" latinLnBrk="0" hangingPunct="1">
-              <a:lnSpc>
-                <a:spcPct val="90000"/>
-              </a:lnSpc>
-              <a:spcBef>
-                <a:spcPts val="500"/>
-              </a:spcBef>
-              <a:buFont typeface="Arial"/>
-              <a:buChar char="•"/>
-              <a:defRPr sz="2000" b="0" i="0" kern="1200">
-                <a:solidFill>
-                  <a:schemeClr val="tx1"/>
-                </a:solidFill>
-                <a:latin typeface="Arial" charset="0"/>
-                <a:ea typeface="Arial" charset="0"/>
-                <a:cs typeface="Arial" charset="0"/>
-              </a:defRPr>
-            </a:lvl3pPr>
-            <a:lvl4pPr marL="1600200" indent="-228600" algn="l" defTabSz="914400" rtl="0" eaLnBrk="1" latinLnBrk="0" hangingPunct="1">
-              <a:lnSpc>
-                <a:spcPct val="90000"/>
-              </a:lnSpc>
-              <a:spcBef>
-                <a:spcPts val="500"/>
-              </a:spcBef>
-              <a:buFont typeface="Arial"/>
-              <a:buChar char="•"/>
-              <a:defRPr sz="1800" b="0" i="0" kern="1200">
-                <a:solidFill>
-                  <a:schemeClr val="tx1"/>
-                </a:solidFill>
-                <a:latin typeface="Arial" charset="0"/>
-                <a:ea typeface="Arial" charset="0"/>
-                <a:cs typeface="Arial" charset="0"/>
-              </a:defRPr>
-            </a:lvl4pPr>
-            <a:lvl5pPr marL="2057400" indent="-228600" algn="l" defTabSz="914400" rtl="0" eaLnBrk="1" latinLnBrk="0" hangingPunct="1">
-              <a:lnSpc>
-                <a:spcPct val="90000"/>
-              </a:lnSpc>
-              <a:spcBef>
-                <a:spcPts val="500"/>
-              </a:spcBef>
-              <a:buFont typeface="Arial"/>
-              <a:buChar char="•"/>
-              <a:defRPr sz="1800" b="0" i="0" kern="1200">
-                <a:solidFill>
-                  <a:schemeClr val="tx1"/>
-                </a:solidFill>
-                <a:latin typeface="Arial" charset="0"/>
-                <a:ea typeface="Arial" charset="0"/>
-                <a:cs typeface="Arial" charset="0"/>
-              </a:defRPr>
-            </a:lvl5pPr>
-            <a:lvl6pPr marL="2514600" indent="-228600" algn="l" defTabSz="914400" rtl="0" eaLnBrk="1" latinLnBrk="0" hangingPunct="1">
-              <a:lnSpc>
-                <a:spcPct val="90000"/>
-              </a:lnSpc>
-              <a:spcBef>
-                <a:spcPts val="500"/>
-              </a:spcBef>
-              <a:buFont typeface="Arial"/>
-              <a:buChar char="•"/>
-              <a:defRPr sz="1800" kern="1200">
-                <a:solidFill>
-                  <a:schemeClr val="tx1"/>
-                </a:solidFill>
-                <a:latin typeface="+mn-lt"/>
-                <a:ea typeface="+mn-ea"/>
-                <a:cs typeface="+mn-cs"/>
-              </a:defRPr>
-            </a:lvl6pPr>
-            <a:lvl7pPr marL="2971800" indent="-228600" algn="l" defTabSz="914400" rtl="0" eaLnBrk="1" latinLnBrk="0" hangingPunct="1">
-              <a:lnSpc>
-                <a:spcPct val="90000"/>
-              </a:lnSpc>
-              <a:spcBef>
-                <a:spcPts val="500"/>
-              </a:spcBef>
-              <a:buFont typeface="Arial"/>
-              <a:buChar char="•"/>
-              <a:defRPr sz="1800" kern="1200">
-                <a:solidFill>
-                  <a:schemeClr val="tx1"/>
-                </a:solidFill>
-                <a:latin typeface="+mn-lt"/>
-                <a:ea typeface="+mn-ea"/>
-                <a:cs typeface="+mn-cs"/>
-              </a:defRPr>
-            </a:lvl7pPr>
-            <a:lvl8pPr marL="3429000" indent="-228600" algn="l" defTabSz="914400" rtl="0" eaLnBrk="1" latinLnBrk="0" hangingPunct="1">
-              <a:lnSpc>
-                <a:spcPct val="90000"/>
-              </a:lnSpc>
-              <a:spcBef>
-                <a:spcPts val="500"/>
-              </a:spcBef>
-              <a:buFont typeface="Arial"/>
-              <a:buChar char="•"/>
-              <a:defRPr sz="1800" kern="1200">
-                <a:solidFill>
-                  <a:schemeClr val="tx1"/>
-                </a:solidFill>
-                <a:latin typeface="+mn-lt"/>
-                <a:ea typeface="+mn-ea"/>
-                <a:cs typeface="+mn-cs"/>
-              </a:defRPr>
-            </a:lvl8pPr>
-            <a:lvl9pPr marL="3886200" indent="-228600" algn="l" defTabSz="914400" rtl="0" eaLnBrk="1" latinLnBrk="0" hangingPunct="1">
-              <a:lnSpc>
-                <a:spcPct val="90000"/>
-              </a:lnSpc>
-              <a:spcBef>
-                <a:spcPts val="500"/>
-              </a:spcBef>
-              <a:buFont typeface="Arial"/>
-              <a:buChar char="•"/>
-              <a:defRPr sz="1800" kern="1200">
-                <a:solidFill>
-                  <a:schemeClr val="tx1"/>
-                </a:solidFill>
-                <a:latin typeface="+mn-lt"/>
-                <a:ea typeface="+mn-ea"/>
-                <a:cs typeface="+mn-cs"/>
-              </a:defRPr>
-            </a:lvl9pPr>
-          </a:lstStyle>
-          <a:p>
-            <a:pPr marL="0" indent="0">
-              <a:buNone/>
-            </a:pPr>
-            <a:r>
-              <a:rPr lang="en-US" sz="1200" dirty="0"/>
-              <a:t>For the class project, students are graded on 8 criteria outlined below. Each criterion is 5 points for a total of 40 points. </a:t>
-            </a:r>
-          </a:p>
-          <a:p>
-            <a:pPr marL="0" indent="0">
-              <a:buNone/>
-            </a:pPr>
-            <a:endParaRPr lang="en-US" sz="1200" b="1" dirty="0"/>
-          </a:p>
-          <a:p>
-            <a:pPr marL="0" indent="0">
-              <a:buNone/>
-            </a:pPr>
-            <a:r>
-              <a:rPr lang="en-US" sz="1200" b="1" dirty="0"/>
-              <a:t>The criteria are: </a:t>
-            </a:r>
-          </a:p>
-          <a:p>
-            <a:pPr>
-              <a:buFont typeface="+mj-lt"/>
-              <a:buAutoNum type="arabicPeriod"/>
-            </a:pPr>
-            <a:r>
-              <a:rPr lang="en-US" sz="1200" dirty="0"/>
-              <a:t>Presentation </a:t>
-            </a:r>
-          </a:p>
-          <a:p>
-            <a:pPr>
-              <a:buFont typeface="+mj-lt"/>
-              <a:buAutoNum type="arabicPeriod"/>
-            </a:pPr>
-            <a:r>
-              <a:rPr lang="en-US" sz="1200" dirty="0"/>
-              <a:t>Problem statement </a:t>
-            </a:r>
-          </a:p>
-          <a:p>
-            <a:pPr>
-              <a:buFont typeface="+mj-lt"/>
-              <a:buAutoNum type="arabicPeriod"/>
-            </a:pPr>
-            <a:r>
-              <a:rPr lang="en-US" sz="1200" dirty="0"/>
-              <a:t>Assumptions/Hypotheses about data and/or modeling </a:t>
-            </a:r>
-          </a:p>
-          <a:p>
-            <a:pPr>
-              <a:buFont typeface="+mj-lt"/>
-              <a:buAutoNum type="arabicPeriod"/>
-            </a:pPr>
-            <a:r>
-              <a:rPr lang="en-US" sz="1200" dirty="0"/>
-              <a:t>Data properties (stationarity, correlations, data distribution) and Exploratory data analysis </a:t>
-            </a:r>
-          </a:p>
-          <a:p>
-            <a:pPr>
-              <a:buFont typeface="+mj-lt"/>
-              <a:buAutoNum type="arabicPeriod"/>
-            </a:pPr>
-            <a:r>
-              <a:rPr lang="en-US" sz="1200" dirty="0"/>
-              <a:t>Data processing (anomaly detection, cleansing and imputations) and transformations </a:t>
-            </a:r>
-          </a:p>
-          <a:p>
-            <a:pPr>
-              <a:buFont typeface="+mj-lt"/>
-              <a:buAutoNum type="arabicPeriod"/>
-            </a:pPr>
-            <a:r>
-              <a:rPr lang="en-US" sz="1200" dirty="0"/>
-              <a:t>Feature engineering </a:t>
-            </a:r>
-          </a:p>
-          <a:p>
-            <a:pPr>
-              <a:buFont typeface="+mj-lt"/>
-              <a:buAutoNum type="arabicPeriod"/>
-            </a:pPr>
-            <a:r>
-              <a:rPr lang="en-US" sz="1200" dirty="0"/>
-              <a:t>Proposed approaches (models) with selected model – justification and trade-offs, if any </a:t>
-            </a:r>
-          </a:p>
-          <a:p>
-            <a:pPr>
-              <a:buFont typeface="+mj-lt"/>
-              <a:buAutoNum type="arabicPeriod"/>
-            </a:pPr>
-            <a:r>
-              <a:rPr lang="en-US" sz="1200" dirty="0"/>
-              <a:t>Results (accuracy) and future work</a:t>
-            </a:r>
-          </a:p>
-          <a:p>
-            <a:pPr>
-              <a:buFont typeface="+mj-lt"/>
-              <a:buAutoNum type="arabicPeriod"/>
-            </a:pPr>
-            <a:endParaRPr lang="en-US" sz="1200" dirty="0"/>
-          </a:p>
-          <a:p>
-            <a:pPr marL="0" indent="0">
-              <a:buNone/>
-            </a:pPr>
-            <a:endParaRPr lang="en-US" sz="1200" dirty="0"/>
           </a:p>
         </p:txBody>
       </p:sp>
@@ -4702,8 +4406,8 @@
         </p:nvSpPr>
         <p:spPr>
           <a:xfrm>
-            <a:off x="941832" y="1122210"/>
-            <a:ext cx="4011168" cy="830997"/>
+            <a:off x="8458200" y="363537"/>
+            <a:ext cx="3362325" cy="2462213"/>
           </a:xfrm>
           <a:prstGeom prst="rect">
             <a:avLst/>
@@ -4717,16 +4421,82 @@
           <a:lstStyle/>
           <a:p>
             <a:r>
-              <a:rPr lang="en-US" sz="1200" dirty="0"/>
-              <a:t>The purpose of the project is to test the students’ ability to apply the time series methodologies and tools presented in the class to diverse practical problems and interpret the results. </a:t>
-            </a:r>
-          </a:p>
-        </p:txBody>
-      </p:sp>
+              <a:rPr lang="en-US" sz="1400" dirty="0"/>
+              <a:t>We test three separate models and assess how each performs historically (i.e., pre-pandemic) and currently</a:t>
+            </a:r>
+          </a:p>
+          <a:p>
+            <a:endParaRPr lang="en-US" sz="1400" dirty="0"/>
+          </a:p>
+          <a:p>
+            <a:pPr marL="342900" indent="-342900">
+              <a:buAutoNum type="arabicPeriod"/>
+            </a:pPr>
+            <a:r>
+              <a:rPr lang="en-US" sz="1400" dirty="0"/>
+              <a:t>Statistical model:</a:t>
+            </a:r>
+          </a:p>
+          <a:p>
+            <a:pPr marL="342900" indent="-342900">
+              <a:buAutoNum type="arabicPeriod"/>
+            </a:pPr>
+            <a:r>
+              <a:rPr lang="en-US" sz="1400" dirty="0"/>
+              <a:t>Curve-fitting model:</a:t>
+            </a:r>
+          </a:p>
+          <a:p>
+            <a:pPr marL="342900" indent="-342900">
+              <a:buAutoNum type="arabicPeriod"/>
+            </a:pPr>
+            <a:r>
+              <a:rPr lang="en-US" sz="1400" dirty="0"/>
+              <a:t>Deep learning model:</a:t>
+            </a:r>
+          </a:p>
+          <a:p>
+            <a:endParaRPr lang="en-US" sz="1400" dirty="0"/>
+          </a:p>
+          <a:p>
+            <a:endParaRPr lang="en-US" sz="1400" dirty="0"/>
+          </a:p>
+          <a:p>
+            <a:endParaRPr lang="en-US" sz="1400" dirty="0"/>
+          </a:p>
+          <a:p>
+            <a:endParaRPr lang="en-US" sz="1400" dirty="0"/>
+          </a:p>
+        </p:txBody>
+      </p:sp>
+      <p:pic>
+        <p:nvPicPr>
+          <p:cNvPr id="9" name="Picture 8"/>
+          <p:cNvPicPr>
+            <a:picLocks noChangeAspect="1"/>
+          </p:cNvPicPr>
+          <p:nvPr/>
+        </p:nvPicPr>
+        <p:blipFill>
+          <a:blip r:embed="rId2"/>
+          <a:stretch>
+            <a:fillRect/>
+          </a:stretch>
+        </p:blipFill>
+        <p:spPr>
+          <a:xfrm>
+            <a:off x="2091018" y="3717131"/>
+            <a:ext cx="5205132" cy="2140386"/>
+          </a:xfrm>
+          <a:prstGeom prst="rect">
+            <a:avLst/>
+          </a:prstGeom>
+        </p:spPr>
+      </p:pic>
     </p:spTree>
     <p:extLst>
       <p:ext uri="{BB962C8B-B14F-4D97-AF65-F5344CB8AC3E}">
-        <p14:creationId xmlns:p14="http://schemas.microsoft.com/office/powerpoint/2010/main" val="2689148767"/>
+        <p14:creationId xmlns:p14="http://schemas.microsoft.com/office/powerpoint/2010/main" val="902642052"/>
       </p:ext>
     </p:extLst>
   </p:cSld>
@@ -4763,7 +4533,12 @@
             <p:ph type="title"/>
           </p:nvPr>
         </p:nvSpPr>
-        <p:spPr/>
+        <p:spPr>
+          <a:xfrm>
+            <a:off x="761999" y="363537"/>
+            <a:ext cx="7353301" cy="619919"/>
+          </a:xfrm>
+        </p:spPr>
         <p:txBody>
           <a:bodyPr>
             <a:normAutofit/>
@@ -4772,7 +4547,7 @@
           <a:p>
             <a:r>
               <a:rPr lang="en-US" sz="2800" dirty="0"/>
-              <a:t>Problem statement</a:t>
+              <a:t>Assumptions &amp; Hypotheses about Data</a:t>
             </a:r>
           </a:p>
         </p:txBody>
@@ -4790,62 +4565,35 @@
         <p:spPr>
           <a:xfrm>
             <a:off x="762000" y="983456"/>
-            <a:ext cx="6800850" cy="2432796"/>
+            <a:ext cx="6800850" cy="4674394"/>
           </a:xfrm>
         </p:spPr>
         <p:txBody>
           <a:bodyPr/>
           <a:lstStyle/>
           <a:p>
-            <a:pPr marL="0" indent="0">
-              <a:buNone/>
-            </a:pPr>
-            <a:r>
-              <a:rPr lang="en-US" sz="1600" dirty="0"/>
-              <a:t>On the first Friday of each month, the Bureau of Labor Statistics (BLS) releases employment, or jobs numbers, for the previous month</a:t>
-            </a:r>
-          </a:p>
-          <a:p>
-            <a:pPr marL="0" indent="0">
-              <a:buNone/>
-            </a:pPr>
-            <a:r>
-              <a:rPr lang="en-US" sz="1600" dirty="0"/>
-              <a:t>These numbers are critical in assessing the state of the economy and researchers often try to forecast what the job numbers will be </a:t>
-            </a:r>
-            <a:r>
-              <a:rPr lang="en-US" sz="1600" i="1" dirty="0"/>
-              <a:t>in the future</a:t>
-            </a:r>
-            <a:r>
-              <a:rPr lang="en-US" sz="1600" dirty="0"/>
-              <a:t>. </a:t>
-            </a:r>
-          </a:p>
-          <a:p>
-            <a:pPr marL="0" indent="0">
-              <a:buNone/>
-            </a:pPr>
-            <a:r>
-              <a:rPr lang="en-US" sz="1600" dirty="0"/>
-              <a:t>Such information is used by policy makers in assessing where the economy </a:t>
-            </a:r>
-            <a:r>
-              <a:rPr lang="en-US" sz="1600" i="1" dirty="0"/>
-              <a:t>will</a:t>
-            </a:r>
-            <a:r>
-              <a:rPr lang="en-US" sz="1600" dirty="0"/>
-              <a:t> be, and by other entities such as hedge funds and other financial institutions in trading.</a:t>
-            </a:r>
-          </a:p>
-          <a:p>
-            <a:pPr marL="0" indent="0">
-              <a:buNone/>
-            </a:pPr>
-            <a:r>
-              <a:rPr lang="en-US" sz="1600" dirty="0"/>
-              <a:t>This problem has been further complicated by the pandemic – the lowest jobs growth since the great depression</a:t>
+            <a:r>
+              <a:rPr lang="en-US" sz="2400" dirty="0"/>
+              <a:t>Many factors determine employment in a given month</a:t>
+            </a:r>
+          </a:p>
+          <a:p>
+            <a:r>
+              <a:rPr lang="en-US" sz="2400" dirty="0"/>
+              <a:t>One of the most important is where we are in the business cycle (i.e., are we in a recession?) </a:t>
+            </a:r>
+          </a:p>
+          <a:p>
+            <a:pPr lvl="1"/>
+            <a:r>
+              <a:rPr lang="en-US" sz="1800" dirty="0"/>
+              <a:t>Recessions are cyclical, but don’t have a specific periodicity</a:t>
+            </a:r>
+          </a:p>
+          <a:p>
+            <a:r>
+              <a:rPr lang="en-US" sz="2400" dirty="0"/>
+              <a:t>Thus, a curve fitting model might be most suitable – STL – where every cycle may not have the same period.</a:t>
             </a:r>
           </a:p>
         </p:txBody>
@@ -4868,7 +4616,7 @@
             <a:fld id="{7836101D-EE4F-E14F-B986-E9B4B91F2B37}" type="datetime1">
               <a:rPr lang="en-US" smtClean="0"/>
               <a:pPr/>
-              <a:t>6/1/21</a:t>
+              <a:t>6/4/2021</a:t>
             </a:fld>
             <a:endParaRPr lang="en-US"/>
           </a:p>
@@ -4920,80 +4668,9 @@
           </a:p>
         </p:txBody>
       </p:sp>
-      <p:sp>
-        <p:nvSpPr>
-          <p:cNvPr id="8" name="TextBox 7"/>
-          <p:cNvSpPr txBox="1"/>
-          <p:nvPr/>
-        </p:nvSpPr>
-        <p:spPr>
-          <a:xfrm>
-            <a:off x="8458200" y="363537"/>
-            <a:ext cx="3362325" cy="2462213"/>
-          </a:xfrm>
-          <a:prstGeom prst="rect">
-            <a:avLst/>
-          </a:prstGeom>
-          <a:noFill/>
-        </p:spPr>
-        <p:txBody>
-          <a:bodyPr wrap="square" rtlCol="0">
-            <a:spAutoFit/>
-          </a:bodyPr>
-          <a:lstStyle/>
-          <a:p>
-            <a:r>
-              <a:rPr lang="en-US" sz="1400" dirty="0"/>
-              <a:t>We test three separate models and assess how each performs historically (i.e., pre-pandemic) and currently</a:t>
-            </a:r>
-          </a:p>
-          <a:p>
-            <a:endParaRPr lang="en-US" sz="1400" dirty="0"/>
-          </a:p>
-          <a:p>
-            <a:pPr marL="342900" indent="-342900">
-              <a:buAutoNum type="arabicPeriod"/>
-            </a:pPr>
-            <a:r>
-              <a:rPr lang="en-US" sz="1400" dirty="0"/>
-              <a:t>Statistical model:</a:t>
-            </a:r>
-          </a:p>
-          <a:p>
-            <a:pPr marL="342900" indent="-342900">
-              <a:buAutoNum type="arabicPeriod"/>
-            </a:pPr>
-            <a:r>
-              <a:rPr lang="en-US" sz="1400" dirty="0"/>
-              <a:t>Curve-fitting model:</a:t>
-            </a:r>
-          </a:p>
-          <a:p>
-            <a:pPr marL="342900" indent="-342900">
-              <a:buAutoNum type="arabicPeriod"/>
-            </a:pPr>
-            <a:r>
-              <a:rPr lang="en-US" sz="1400" dirty="0"/>
-              <a:t>Deep learning model:</a:t>
-            </a:r>
-          </a:p>
-          <a:p>
-            <a:endParaRPr lang="en-US" sz="1400" dirty="0"/>
-          </a:p>
-          <a:p>
-            <a:endParaRPr lang="en-US" sz="1400" dirty="0"/>
-          </a:p>
-          <a:p>
-            <a:endParaRPr lang="en-US" sz="1400" dirty="0"/>
-          </a:p>
-          <a:p>
-            <a:endParaRPr lang="en-US" sz="1400" dirty="0"/>
-          </a:p>
-        </p:txBody>
-      </p:sp>
       <p:pic>
         <p:nvPicPr>
-          <p:cNvPr id="9" name="Picture 8"/>
+          <p:cNvPr id="2" name="Picture 1"/>
           <p:cNvPicPr>
             <a:picLocks noChangeAspect="1"/>
           </p:cNvPicPr>
@@ -5007,8 +4684,32 @@
         </p:blipFill>
         <p:spPr>
           <a:xfrm>
-            <a:off x="2091018" y="3717131"/>
-            <a:ext cx="5205132" cy="2140386"/>
+            <a:off x="8491537" y="295274"/>
+            <a:ext cx="3193234" cy="2638425"/>
+          </a:xfrm>
+          <a:prstGeom prst="rect">
+            <a:avLst/>
+          </a:prstGeom>
+        </p:spPr>
+      </p:pic>
+      <p:pic>
+        <p:nvPicPr>
+          <p:cNvPr id="10" name="Picture 9"/>
+          <p:cNvPicPr>
+            <a:picLocks noChangeAspect="1"/>
+          </p:cNvPicPr>
+          <p:nvPr/>
+        </p:nvPicPr>
+        <p:blipFill>
+          <a:blip r:embed="rId3"/>
+          <a:stretch>
+            <a:fillRect/>
+          </a:stretch>
+        </p:blipFill>
+        <p:spPr>
+          <a:xfrm>
+            <a:off x="8208146" y="3743325"/>
+            <a:ext cx="3476625" cy="2019300"/>
           </a:xfrm>
           <a:prstGeom prst="rect">
             <a:avLst/>
@@ -5018,7 +4719,7 @@
     </p:spTree>
     <p:extLst>
       <p:ext uri="{BB962C8B-B14F-4D97-AF65-F5344CB8AC3E}">
-        <p14:creationId xmlns:p14="http://schemas.microsoft.com/office/powerpoint/2010/main" val="902642052"/>
+        <p14:creationId xmlns:p14="http://schemas.microsoft.com/office/powerpoint/2010/main" val="230664648"/>
       </p:ext>
     </p:extLst>
   </p:cSld>
@@ -5057,19 +4758,19 @@
         </p:nvSpPr>
         <p:spPr>
           <a:xfrm>
-            <a:off x="761999" y="363537"/>
-            <a:ext cx="7353301" cy="619919"/>
+            <a:off x="85724" y="289803"/>
+            <a:ext cx="8524876" cy="619919"/>
           </a:xfrm>
         </p:spPr>
         <p:txBody>
           <a:bodyPr>
-            <a:normAutofit/>
+            <a:normAutofit fontScale="90000"/>
           </a:bodyPr>
           <a:lstStyle/>
           <a:p>
             <a:r>
               <a:rPr lang="en-US" sz="2800" dirty="0"/>
-              <a:t>Assumptions &amp; Hypotheses about Data</a:t>
+              <a:t>Data properties, processing &amp; Feature engineering</a:t>
             </a:r>
           </a:p>
         </p:txBody>
@@ -5096,27 +4797,71 @@
           <a:p>
             <a:r>
               <a:rPr lang="en-US" sz="2400" dirty="0"/>
-              <a:t>Many factors determine employment in a given month</a:t>
+              <a:t>We pull all of the necessary data from FRED</a:t>
+            </a:r>
+          </a:p>
+          <a:p>
+            <a:pPr lvl="1"/>
+            <a:r>
+              <a:rPr lang="en-US" sz="2000" dirty="0"/>
+              <a:t>The Federal Reserve Bank of St. Louis’ widely used data base and </a:t>
+            </a:r>
+            <a:r>
+              <a:rPr lang="en-US" sz="2000" dirty="0" smtClean="0"/>
+              <a:t>API</a:t>
+            </a:r>
+          </a:p>
+          <a:p>
+            <a:pPr lvl="1"/>
+            <a:r>
+              <a:rPr lang="en-US" sz="2000" dirty="0" smtClean="0"/>
+              <a:t>Series history going back to 1940</a:t>
+            </a:r>
+            <a:endParaRPr lang="en-US" sz="2000" dirty="0"/>
+          </a:p>
+          <a:p>
+            <a:r>
+              <a:rPr lang="en-US" dirty="0"/>
+              <a:t>The </a:t>
+            </a:r>
+            <a:r>
+              <a:rPr lang="en-US" i="1" dirty="0"/>
+              <a:t>level </a:t>
+            </a:r>
+            <a:r>
+              <a:rPr lang="en-US" dirty="0"/>
+              <a:t>of employment is clearly non-stationary</a:t>
+            </a:r>
+          </a:p>
+          <a:p>
+            <a:pPr lvl="1"/>
+            <a:r>
+              <a:rPr lang="en-US" dirty="0"/>
+              <a:t>Strong upward drift</a:t>
+            </a:r>
+          </a:p>
+          <a:p>
+            <a:pPr lvl="1"/>
+            <a:r>
+              <a:rPr lang="en-US" dirty="0"/>
+              <a:t>Seasonal component</a:t>
+            </a:r>
+          </a:p>
+          <a:p>
+            <a:pPr lvl="1"/>
+            <a:r>
+              <a:rPr lang="en-US" dirty="0"/>
+              <a:t>Cyclical component – where cycles are of undefined periodicity</a:t>
             </a:r>
           </a:p>
           <a:p>
             <a:r>
               <a:rPr lang="en-US" sz="2400" dirty="0"/>
-              <a:t>One of the most important is where we are in the business cycle (i.e., are we in a recession?) </a:t>
-            </a:r>
-          </a:p>
-          <a:p>
-            <a:pPr lvl="1"/>
-            <a:r>
-              <a:rPr lang="en-US" sz="1800" dirty="0"/>
-              <a:t>Recessions are cyclical, but don’t have a specific periodicity</a:t>
-            </a:r>
-          </a:p>
-          <a:p>
-            <a:r>
-              <a:rPr lang="en-US" sz="2400" dirty="0"/>
-              <a:t>Thus, a curve fitting model might be most suitable – STL – where every cycle may not have the same period.</a:t>
-            </a:r>
+              <a:t>But the first difference &amp; log first difference are stationary</a:t>
+            </a:r>
+          </a:p>
+          <a:p>
+            <a:endParaRPr lang="en-US" sz="2400" dirty="0"/>
           </a:p>
         </p:txBody>
       </p:sp>
@@ -5138,7 +4883,7 @@
             <a:fld id="{7836101D-EE4F-E14F-B986-E9B4B91F2B37}" type="datetime1">
               <a:rPr lang="en-US" smtClean="0"/>
               <a:pPr/>
-              <a:t>6/1/21</a:t>
+              <a:t>6/4/2021</a:t>
             </a:fld>
             <a:endParaRPr lang="en-US"/>
           </a:p>
@@ -5187,6 +4932,35 @@
               <a:rPr lang="en-US"/>
               <a:t>[Click “View &gt; Header and Footer” to Edit]</a:t>
             </a:r>
+          </a:p>
+        </p:txBody>
+      </p:sp>
+      <p:sp>
+        <p:nvSpPr>
+          <p:cNvPr id="8" name="TextBox 7"/>
+          <p:cNvSpPr txBox="1"/>
+          <p:nvPr/>
+        </p:nvSpPr>
+        <p:spPr>
+          <a:xfrm>
+            <a:off x="8458200" y="363537"/>
+            <a:ext cx="3362325" cy="523220"/>
+          </a:xfrm>
+          <a:prstGeom prst="rect">
+            <a:avLst/>
+          </a:prstGeom>
+          <a:noFill/>
+        </p:spPr>
+        <p:txBody>
+          <a:bodyPr wrap="square" rtlCol="0">
+            <a:spAutoFit/>
+          </a:bodyPr>
+          <a:lstStyle/>
+          <a:p>
+            <a:endParaRPr lang="en-US" sz="1400" dirty="0"/>
+          </a:p>
+          <a:p>
+            <a:endParaRPr lang="en-US" sz="1400" dirty="0"/>
           </a:p>
         </p:txBody>
       </p:sp>
@@ -5206,8 +4980,8 @@
         </p:blipFill>
         <p:spPr>
           <a:xfrm>
-            <a:off x="8491537" y="295274"/>
-            <a:ext cx="3193234" cy="2638425"/>
+            <a:off x="8610600" y="269845"/>
+            <a:ext cx="2628900" cy="1123950"/>
           </a:xfrm>
           <a:prstGeom prst="rect">
             <a:avLst/>
@@ -5216,7 +4990,7 @@
       </p:pic>
       <p:pic>
         <p:nvPicPr>
-          <p:cNvPr id="10" name="Picture 9"/>
+          <p:cNvPr id="9" name="Picture 8"/>
           <p:cNvPicPr>
             <a:picLocks noChangeAspect="1"/>
           </p:cNvPicPr>
@@ -5230,8 +5004,32 @@
         </p:blipFill>
         <p:spPr>
           <a:xfrm>
-            <a:off x="8208146" y="3743325"/>
-            <a:ext cx="3476625" cy="2019300"/>
+            <a:off x="8125439" y="3320653"/>
+            <a:ext cx="3789721" cy="2762387"/>
+          </a:xfrm>
+          <a:prstGeom prst="rect">
+            <a:avLst/>
+          </a:prstGeom>
+        </p:spPr>
+      </p:pic>
+      <p:pic>
+        <p:nvPicPr>
+          <p:cNvPr id="10" name="Picture 9"/>
+          <p:cNvPicPr>
+            <a:picLocks noChangeAspect="1"/>
+          </p:cNvPicPr>
+          <p:nvPr/>
+        </p:nvPicPr>
+        <p:blipFill>
+          <a:blip r:embed="rId4"/>
+          <a:stretch>
+            <a:fillRect/>
+          </a:stretch>
+        </p:blipFill>
+        <p:spPr>
+          <a:xfrm>
+            <a:off x="8139113" y="1552605"/>
+            <a:ext cx="3681412" cy="2438338"/>
           </a:xfrm>
           <a:prstGeom prst="rect">
             <a:avLst/>
@@ -5241,7 +5039,7 @@
     </p:spTree>
     <p:extLst>
       <p:ext uri="{BB962C8B-B14F-4D97-AF65-F5344CB8AC3E}">
-        <p14:creationId xmlns:p14="http://schemas.microsoft.com/office/powerpoint/2010/main" val="230664648"/>
+        <p14:creationId xmlns:p14="http://schemas.microsoft.com/office/powerpoint/2010/main" val="353151851"/>
       </p:ext>
     </p:extLst>
   </p:cSld>
@@ -5278,100 +5076,63 @@
             <p:ph type="title"/>
           </p:nvPr>
         </p:nvSpPr>
-        <p:spPr>
-          <a:xfrm>
-            <a:off x="85724" y="289803"/>
-            <a:ext cx="8524876" cy="619919"/>
-          </a:xfrm>
-        </p:spPr>
-        <p:txBody>
-          <a:bodyPr>
-            <a:normAutofit fontScale="90000"/>
-          </a:bodyPr>
-          <a:lstStyle/>
-          <a:p>
-            <a:r>
-              <a:rPr lang="en-US" sz="2800" dirty="0"/>
-              <a:t>Data properties, processing &amp; Feature engineering</a:t>
-            </a:r>
-          </a:p>
-        </p:txBody>
-      </p:sp>
-      <p:sp>
-        <p:nvSpPr>
-          <p:cNvPr id="4" name="Content Placeholder 3"/>
-          <p:cNvSpPr>
-            <a:spLocks noGrp="1"/>
-          </p:cNvSpPr>
-          <p:nvPr>
-            <p:ph idx="1"/>
-          </p:nvPr>
-        </p:nvSpPr>
-        <p:spPr>
-          <a:xfrm>
-            <a:off x="762000" y="983456"/>
-            <a:ext cx="6800850" cy="4674394"/>
-          </a:xfrm>
-        </p:spPr>
+        <p:spPr/>
         <p:txBody>
           <a:bodyPr/>
           <a:lstStyle/>
           <a:p>
             <a:r>
-              <a:rPr lang="en-US" sz="2400" dirty="0"/>
-              <a:t>We pull all of the necessary data from FRED</a:t>
-            </a:r>
-          </a:p>
-          <a:p>
-            <a:pPr lvl="1"/>
+              <a:rPr lang="en-US" dirty="0"/>
+              <a:t>Statistical model </a:t>
+            </a:r>
+          </a:p>
+        </p:txBody>
+      </p:sp>
+      <p:sp>
+        <p:nvSpPr>
+          <p:cNvPr id="4" name="Content Placeholder 3"/>
+          <p:cNvSpPr>
+            <a:spLocks noGrp="1"/>
+          </p:cNvSpPr>
+          <p:nvPr>
+            <p:ph idx="1"/>
+          </p:nvPr>
+        </p:nvSpPr>
+        <p:spPr>
+          <a:xfrm>
+            <a:off x="762000" y="1194499"/>
+            <a:ext cx="6629400" cy="3392551"/>
+          </a:xfrm>
+        </p:spPr>
+        <p:txBody>
+          <a:bodyPr/>
+          <a:lstStyle/>
+          <a:p>
             <a:r>
               <a:rPr lang="en-US" sz="2000" dirty="0"/>
-              <a:t>The Federal Reserve Bank of St. Louis’ widely used data base and API</a:t>
-            </a:r>
-          </a:p>
-          <a:p>
-            <a:r>
-              <a:rPr lang="en-US" dirty="0"/>
-              <a:t>The </a:t>
-            </a:r>
-            <a:r>
-              <a:rPr lang="en-US" i="1" dirty="0"/>
-              <a:t>level </a:t>
-            </a:r>
-            <a:r>
-              <a:rPr lang="en-US" dirty="0"/>
-              <a:t>of employment is clearly non-stationary</a:t>
-            </a:r>
-          </a:p>
-          <a:p>
-            <a:pPr lvl="1"/>
-            <a:r>
-              <a:rPr lang="en-US" dirty="0"/>
-              <a:t>Strong upward drift</a:t>
-            </a:r>
-          </a:p>
-          <a:p>
-            <a:pPr lvl="1"/>
-            <a:r>
-              <a:rPr lang="en-US" dirty="0"/>
-              <a:t>Seasonal component</a:t>
-            </a:r>
-          </a:p>
-          <a:p>
-            <a:pPr lvl="1"/>
-            <a:r>
-              <a:rPr lang="en-US" dirty="0"/>
-              <a:t>Cyclical component – where cycles are of undefined periodicity</a:t>
-            </a:r>
-          </a:p>
-          <a:p>
-            <a:r>
-              <a:rPr lang="en-US" sz="2400" dirty="0"/>
-              <a:t>But the first difference &amp; log first difference are stationary</a:t>
-            </a:r>
-          </a:p>
-          <a:p>
-            <a:endParaRPr lang="en-US" sz="2400" dirty="0"/>
+              <a:t>We use a VAR(2) of employment, the Chicago Fed Financial Conditions Index, Industrial Production, Population, the ten-year Treasury yield, the 2-10 yield spread, the price level, and a binary recession indicator. </a:t>
+            </a:r>
+          </a:p>
+          <a:p>
+            <a:r>
+              <a:rPr lang="en-US" sz="2000" dirty="0"/>
+              <a:t>Back-testing this method, we find it is relatively accurate. It projected 2.2 million jobs added in 2019, compared to the actual 1.8. </a:t>
+            </a:r>
+          </a:p>
+          <a:p>
+            <a:r>
+              <a:rPr lang="en-US" sz="2000" dirty="0"/>
+              <a:t>However, the forward-looking forecasts projects the economy to lose 1.6 million jobs over the next year, which is extremely unlikely. </a:t>
+            </a:r>
+          </a:p>
+          <a:p>
+            <a:r>
+              <a:rPr lang="en-US" sz="2000" dirty="0"/>
+              <a:t>Here we see the shock of COVID making this a poor model. </a:t>
+            </a:r>
+          </a:p>
+          <a:p>
+            <a:endParaRPr lang="en-US" dirty="0"/>
           </a:p>
         </p:txBody>
       </p:sp>
@@ -5393,7 +5154,7 @@
             <a:fld id="{7836101D-EE4F-E14F-B986-E9B4B91F2B37}" type="datetime1">
               <a:rPr lang="en-US" smtClean="0"/>
               <a:pPr/>
-              <a:t>6/1/21</a:t>
+              <a:t>6/4/2021</a:t>
             </a:fld>
             <a:endParaRPr lang="en-US"/>
           </a:p>
@@ -5445,38 +5206,15 @@
           </a:p>
         </p:txBody>
       </p:sp>
-      <p:sp>
-        <p:nvSpPr>
-          <p:cNvPr id="8" name="TextBox 7"/>
-          <p:cNvSpPr txBox="1"/>
-          <p:nvPr/>
-        </p:nvSpPr>
-        <p:spPr>
-          <a:xfrm>
-            <a:off x="8458200" y="363537"/>
-            <a:ext cx="3362325" cy="523220"/>
-          </a:xfrm>
-          <a:prstGeom prst="rect">
-            <a:avLst/>
-          </a:prstGeom>
-          <a:noFill/>
-        </p:spPr>
-        <p:txBody>
-          <a:bodyPr wrap="square" rtlCol="0">
-            <a:spAutoFit/>
-          </a:bodyPr>
-          <a:lstStyle/>
-          <a:p>
-            <a:endParaRPr lang="en-US" sz="1400" dirty="0"/>
-          </a:p>
-          <a:p>
-            <a:endParaRPr lang="en-US" sz="1400" dirty="0"/>
-          </a:p>
-        </p:txBody>
-      </p:sp>
       <p:pic>
         <p:nvPicPr>
-          <p:cNvPr id="2" name="Picture 1"/>
+          <p:cNvPr id="19" name="Picture 18" descr="Chart&#10;&#10;Description automatically generated">
+            <a:extLst>
+              <a:ext uri="{FF2B5EF4-FFF2-40B4-BE49-F238E27FC236}">
+                <a16:creationId xmlns:a16="http://schemas.microsoft.com/office/drawing/2014/main" id="{652347DC-2251-524B-B156-5AA0BAD77B48}"/>
+              </a:ext>
+            </a:extLst>
+          </p:cNvPr>
           <p:cNvPicPr>
             <a:picLocks noChangeAspect="1"/>
           </p:cNvPicPr>
@@ -5490,56 +5228,72 @@
         </p:blipFill>
         <p:spPr>
           <a:xfrm>
-            <a:off x="8610600" y="269845"/>
-            <a:ext cx="2628900" cy="1123950"/>
+            <a:off x="7201806" y="638629"/>
+            <a:ext cx="4955673" cy="2654577"/>
           </a:xfrm>
           <a:prstGeom prst="rect">
             <a:avLst/>
           </a:prstGeom>
         </p:spPr>
       </p:pic>
+      <p:sp>
+        <p:nvSpPr>
+          <p:cNvPr id="20" name="TextBox 19">
+            <a:extLst>
+              <a:ext uri="{FF2B5EF4-FFF2-40B4-BE49-F238E27FC236}">
+                <a16:creationId xmlns:a16="http://schemas.microsoft.com/office/drawing/2014/main" id="{633D4770-8B1F-244A-AE95-7E9E227FCE44}"/>
+              </a:ext>
+            </a:extLst>
+          </p:cNvPr>
+          <p:cNvSpPr txBox="1"/>
+          <p:nvPr/>
+        </p:nvSpPr>
+        <p:spPr>
+          <a:xfrm>
+            <a:off x="8824632" y="3329735"/>
+            <a:ext cx="1710020" cy="369332"/>
+          </a:xfrm>
+          <a:prstGeom prst="rect">
+            <a:avLst/>
+          </a:prstGeom>
+          <a:noFill/>
+        </p:spPr>
+        <p:txBody>
+          <a:bodyPr wrap="none" rtlCol="0">
+            <a:spAutoFit/>
+          </a:bodyPr>
+          <a:lstStyle/>
+          <a:p>
+            <a:r>
+              <a:rPr lang="en-US" dirty="0"/>
+              <a:t>Vs. Back-tested: </a:t>
+            </a:r>
+          </a:p>
+        </p:txBody>
+      </p:sp>
       <p:pic>
         <p:nvPicPr>
-          <p:cNvPr id="9" name="Picture 8"/>
+          <p:cNvPr id="22" name="Picture 21" descr="Chart, line chart&#10;&#10;Description automatically generated">
+            <a:extLst>
+              <a:ext uri="{FF2B5EF4-FFF2-40B4-BE49-F238E27FC236}">
+                <a16:creationId xmlns:a16="http://schemas.microsoft.com/office/drawing/2014/main" id="{C3A1F621-28F6-FE40-A2D9-D7E8E776F273}"/>
+              </a:ext>
+            </a:extLst>
+          </p:cNvPr>
           <p:cNvPicPr>
             <a:picLocks noChangeAspect="1"/>
           </p:cNvPicPr>
           <p:nvPr/>
         </p:nvPicPr>
-        <p:blipFill>
+        <p:blipFill rotWithShape="1">
           <a:blip r:embed="rId3"/>
-          <a:stretch>
-            <a:fillRect/>
-          </a:stretch>
+          <a:srcRect b="6927"/>
+          <a:stretch/>
         </p:blipFill>
         <p:spPr>
           <a:xfrm>
-            <a:off x="8125439" y="3320653"/>
-            <a:ext cx="3789721" cy="2762387"/>
-          </a:xfrm>
-          <a:prstGeom prst="rect">
-            <a:avLst/>
-          </a:prstGeom>
-        </p:spPr>
-      </p:pic>
-      <p:pic>
-        <p:nvPicPr>
-          <p:cNvPr id="10" name="Picture 9"/>
-          <p:cNvPicPr>
-            <a:picLocks noChangeAspect="1"/>
-          </p:cNvPicPr>
-          <p:nvPr/>
-        </p:nvPicPr>
-        <p:blipFill>
-          <a:blip r:embed="rId4"/>
-          <a:stretch>
-            <a:fillRect/>
-          </a:stretch>
-        </p:blipFill>
-        <p:spPr>
-          <a:xfrm>
-            <a:off x="8139113" y="1552605"/>
-            <a:ext cx="3681412" cy="2438338"/>
+            <a:off x="7201805" y="3735596"/>
+            <a:ext cx="5022225" cy="2620754"/>
           </a:xfrm>
           <a:prstGeom prst="rect">
             <a:avLst/>
@@ -5549,7 +5303,7 @@
     </p:spTree>
     <p:extLst>
       <p:ext uri="{BB962C8B-B14F-4D97-AF65-F5344CB8AC3E}">
-        <p14:creationId xmlns:p14="http://schemas.microsoft.com/office/powerpoint/2010/main" val="353151851"/>
+        <p14:creationId xmlns:p14="http://schemas.microsoft.com/office/powerpoint/2010/main" val="1053635246"/>
       </p:ext>
     </p:extLst>
   </p:cSld>
@@ -5593,7 +5347,7 @@
           <a:p>
             <a:r>
               <a:rPr lang="en-US" dirty="0"/>
-              <a:t>Statistical model </a:t>
+              <a:t>Curve fitting model</a:t>
             </a:r>
           </a:p>
         </p:txBody>
@@ -5610,8 +5364,8 @@
         </p:nvSpPr>
         <p:spPr>
           <a:xfrm>
-            <a:off x="762000" y="1194499"/>
-            <a:ext cx="6629400" cy="3392551"/>
+            <a:off x="533400" y="1295273"/>
+            <a:ext cx="6629400" cy="3445622"/>
           </a:xfrm>
         </p:spPr>
         <p:txBody>
@@ -5620,29 +5374,75 @@
           <a:p>
             <a:r>
               <a:rPr lang="en-US" sz="2000" dirty="0"/>
-              <a:t>We use a VAR(2) of employment, the Chicago Fed Financial Conditions Index, Industrial Production, Population, the ten-year Treasury yield, the 2-10 yield spread, the price level, and a binary recession indicator. </a:t>
-            </a:r>
-          </a:p>
-          <a:p>
-            <a:r>
-              <a:rPr lang="en-US" sz="2000" dirty="0"/>
-              <a:t>Back-testing this method, we find it is relatively accurate. It projected 2.2 million jobs added in 2019, compared to the actual 1.8. </a:t>
-            </a:r>
-          </a:p>
-          <a:p>
-            <a:r>
-              <a:rPr lang="en-US" sz="2000" dirty="0"/>
-              <a:t>However, the forward-looking forecasts projects the economy to lose 1.6 million jobs over the next year, which is extremely unlikely. </a:t>
-            </a:r>
-          </a:p>
-          <a:p>
-            <a:r>
-              <a:rPr lang="en-US" sz="2000" dirty="0"/>
-              <a:t>Here we see the shock of COVID making this a poor model. </a:t>
-            </a:r>
-          </a:p>
-          <a:p>
-            <a:endParaRPr lang="en-US" dirty="0"/>
+              <a:t>Seasonal Trend decomposition using Loess (STL)</a:t>
+            </a:r>
+          </a:p>
+          <a:p>
+            <a:pPr lvl="1"/>
+            <a:r>
+              <a:rPr lang="en-US" sz="1800" dirty="0"/>
+              <a:t>Employment depends on many factors, one being business cycles/recessions</a:t>
+            </a:r>
+          </a:p>
+          <a:p>
+            <a:pPr lvl="1"/>
+            <a:r>
+              <a:rPr lang="en-US" sz="1800" dirty="0"/>
+              <a:t>Not all have the same period/seasonal component fluctuates over time</a:t>
+            </a:r>
+          </a:p>
+          <a:p>
+            <a:pPr lvl="1"/>
+            <a:r>
+              <a:rPr lang="en-US" sz="1800" dirty="0"/>
+              <a:t>Makes this a good candidate </a:t>
+            </a:r>
+            <a:endParaRPr lang="en-US" sz="1800" dirty="0" smtClean="0"/>
+          </a:p>
+          <a:p>
+            <a:r>
+              <a:rPr lang="en-US" sz="2000" dirty="0" smtClean="0"/>
+              <a:t>This model projected 2.2 million jobs added for 2019</a:t>
+            </a:r>
+          </a:p>
+          <a:p>
+            <a:pPr lvl="1"/>
+            <a:r>
+              <a:rPr lang="en-US" sz="1600" dirty="0" smtClean="0"/>
+              <a:t>Versus actual change of 1.8 million</a:t>
+            </a:r>
+          </a:p>
+          <a:p>
+            <a:r>
+              <a:rPr lang="en-US" sz="2000" dirty="0" smtClean="0"/>
+              <a:t>Projected 2.2 million for 2020</a:t>
+            </a:r>
+          </a:p>
+          <a:p>
+            <a:pPr lvl="1"/>
+            <a:r>
+              <a:rPr lang="en-US" sz="1600" dirty="0" smtClean="0"/>
+              <a:t>Versus actual change of -9.7 million</a:t>
+            </a:r>
+          </a:p>
+          <a:p>
+            <a:r>
+              <a:rPr lang="en-US" sz="2000" dirty="0" smtClean="0"/>
+              <a:t>Projected 0.9 million for 2021</a:t>
+            </a:r>
+          </a:p>
+          <a:p>
+            <a:pPr lvl="1"/>
+            <a:r>
+              <a:rPr lang="en-US" sz="1600" dirty="0" smtClean="0"/>
+              <a:t>Versus actual change of 2.2 million</a:t>
+            </a:r>
+          </a:p>
+          <a:p>
+            <a:pPr marL="457200" lvl="1" indent="0">
+              <a:buNone/>
+            </a:pPr>
+            <a:endParaRPr lang="en-US" sz="1600" dirty="0"/>
           </a:p>
         </p:txBody>
       </p:sp>
@@ -5664,7 +5464,7 @@
             <a:fld id="{7836101D-EE4F-E14F-B986-E9B4B91F2B37}" type="datetime1">
               <a:rPr lang="en-US" smtClean="0"/>
               <a:pPr/>
-              <a:t>6/1/21</a:t>
+              <a:t>6/4/2021</a:t>
             </a:fld>
             <a:endParaRPr lang="en-US"/>
           </a:p>
@@ -5718,13 +5518,7 @@
       </p:sp>
       <p:pic>
         <p:nvPicPr>
-          <p:cNvPr id="19" name="Picture 18" descr="Chart&#10;&#10;Description automatically generated">
-            <a:extLst>
-              <a:ext uri="{FF2B5EF4-FFF2-40B4-BE49-F238E27FC236}">
-                <a16:creationId xmlns:a16="http://schemas.microsoft.com/office/drawing/2014/main" id="{652347DC-2251-524B-B156-5AA0BAD77B48}"/>
-              </a:ext>
-            </a:extLst>
-          </p:cNvPr>
+          <p:cNvPr id="10" name="Picture 9"/>
           <p:cNvPicPr>
             <a:picLocks noChangeAspect="1"/>
           </p:cNvPicPr>
@@ -5738,72 +5532,32 @@
         </p:blipFill>
         <p:spPr>
           <a:xfrm>
-            <a:off x="7201806" y="638629"/>
-            <a:ext cx="4955673" cy="2654577"/>
+            <a:off x="7200900" y="300544"/>
+            <a:ext cx="5162550" cy="3255461"/>
           </a:xfrm>
           <a:prstGeom prst="rect">
             <a:avLst/>
           </a:prstGeom>
         </p:spPr>
       </p:pic>
-      <p:sp>
-        <p:nvSpPr>
-          <p:cNvPr id="20" name="TextBox 19">
-            <a:extLst>
-              <a:ext uri="{FF2B5EF4-FFF2-40B4-BE49-F238E27FC236}">
-                <a16:creationId xmlns:a16="http://schemas.microsoft.com/office/drawing/2014/main" id="{633D4770-8B1F-244A-AE95-7E9E227FCE44}"/>
-              </a:ext>
-            </a:extLst>
-          </p:cNvPr>
-          <p:cNvSpPr txBox="1"/>
-          <p:nvPr/>
-        </p:nvSpPr>
-        <p:spPr>
-          <a:xfrm>
-            <a:off x="8824632" y="3329735"/>
-            <a:ext cx="1710020" cy="369332"/>
-          </a:xfrm>
-          <a:prstGeom prst="rect">
-            <a:avLst/>
-          </a:prstGeom>
-          <a:noFill/>
-        </p:spPr>
-        <p:txBody>
-          <a:bodyPr wrap="none" rtlCol="0">
-            <a:spAutoFit/>
-          </a:bodyPr>
-          <a:lstStyle/>
-          <a:p>
-            <a:r>
-              <a:rPr lang="en-US" dirty="0"/>
-              <a:t>Vs. Back-tested: </a:t>
-            </a:r>
-          </a:p>
-        </p:txBody>
-      </p:sp>
       <p:pic>
         <p:nvPicPr>
-          <p:cNvPr id="22" name="Picture 21" descr="Chart, line chart&#10;&#10;Description automatically generated">
-            <a:extLst>
-              <a:ext uri="{FF2B5EF4-FFF2-40B4-BE49-F238E27FC236}">
-                <a16:creationId xmlns:a16="http://schemas.microsoft.com/office/drawing/2014/main" id="{C3A1F621-28F6-FE40-A2D9-D7E8E776F273}"/>
-              </a:ext>
-            </a:extLst>
-          </p:cNvPr>
+          <p:cNvPr id="11" name="Picture 10"/>
           <p:cNvPicPr>
             <a:picLocks noChangeAspect="1"/>
           </p:cNvPicPr>
           <p:nvPr/>
         </p:nvPicPr>
-        <p:blipFill rotWithShape="1">
+        <p:blipFill>
           <a:blip r:embed="rId3"/>
-          <a:srcRect b="6927"/>
-          <a:stretch/>
+          <a:stretch>
+            <a:fillRect/>
+          </a:stretch>
         </p:blipFill>
         <p:spPr>
           <a:xfrm>
-            <a:off x="7201805" y="3735596"/>
-            <a:ext cx="5022225" cy="2620754"/>
+            <a:off x="7200901" y="3653131"/>
+            <a:ext cx="4152900" cy="2898629"/>
           </a:xfrm>
           <a:prstGeom prst="rect">
             <a:avLst/>
@@ -5813,7 +5567,7 @@
     </p:spTree>
     <p:extLst>
       <p:ext uri="{BB962C8B-B14F-4D97-AF65-F5344CB8AC3E}">
-        <p14:creationId xmlns:p14="http://schemas.microsoft.com/office/powerpoint/2010/main" val="1053635246"/>
+        <p14:creationId xmlns:p14="http://schemas.microsoft.com/office/powerpoint/2010/main" val="3134321163"/>
       </p:ext>
     </p:extLst>
   </p:cSld>
@@ -5842,23 +5596,6 @@
       </p:grpSpPr>
       <p:sp>
         <p:nvSpPr>
-          <p:cNvPr id="2" name="Picture Placeholder 1"/>
-          <p:cNvSpPr>
-            <a:spLocks noGrp="1"/>
-          </p:cNvSpPr>
-          <p:nvPr>
-            <p:ph type="pic" sz="quarter" idx="13"/>
-          </p:nvPr>
-        </p:nvSpPr>
-        <p:spPr>
-          <a:xfrm>
-            <a:off x="8115300" y="0"/>
-            <a:ext cx="4076700" cy="6210300"/>
-          </a:xfrm>
-        </p:spPr>
-      </p:sp>
-      <p:sp>
-        <p:nvSpPr>
           <p:cNvPr id="3" name="Title 2"/>
           <p:cNvSpPr>
             <a:spLocks noGrp="1"/>
@@ -5873,63 +5610,39 @@
           <a:lstStyle/>
           <a:p>
             <a:r>
-              <a:rPr lang="en-US" dirty="0"/>
-              <a:t>Curve fitting model</a:t>
-            </a:r>
-          </a:p>
-        </p:txBody>
-      </p:sp>
-      <p:sp>
-        <p:nvSpPr>
-          <p:cNvPr id="4" name="Content Placeholder 3"/>
-          <p:cNvSpPr>
-            <a:spLocks noGrp="1"/>
-          </p:cNvSpPr>
+              <a:rPr lang="en-US" dirty="0" smtClean="0"/>
+              <a:t>STL decomposition</a:t>
+            </a:r>
+            <a:endParaRPr lang="en-US" dirty="0"/>
+          </a:p>
+        </p:txBody>
+      </p:sp>
+      <p:pic>
+        <p:nvPicPr>
+          <p:cNvPr id="8" name="Content Placeholder 7"/>
+          <p:cNvPicPr>
+            <a:picLocks noGrp="1" noChangeAspect="1"/>
+          </p:cNvPicPr>
           <p:nvPr>
             <p:ph idx="1"/>
           </p:nvPr>
-        </p:nvSpPr>
-        <p:spPr/>
-        <p:txBody>
-          <a:bodyPr/>
-          <a:lstStyle/>
-          <a:p>
-            <a:r>
-              <a:rPr lang="en-US" dirty="0"/>
-              <a:t>Seasonal Trend decomposition using Loess (STL)</a:t>
-            </a:r>
-          </a:p>
-          <a:p>
-            <a:pPr lvl="1"/>
-            <a:r>
-              <a:rPr lang="en-US" dirty="0"/>
-              <a:t>Employment depends on many factors, one being business cycles/recessions</a:t>
-            </a:r>
-          </a:p>
-          <a:p>
-            <a:pPr lvl="1"/>
-            <a:r>
-              <a:rPr lang="en-US" dirty="0"/>
-              <a:t>Not all have the same period/seasonal component fluctuates over time</a:t>
-            </a:r>
-          </a:p>
-          <a:p>
-            <a:pPr lvl="1"/>
-            <a:r>
-              <a:rPr lang="en-US" dirty="0"/>
-              <a:t>Makes this a good candidate </a:t>
-            </a:r>
-          </a:p>
-          <a:p>
-            <a:pPr lvl="1"/>
-            <a:r>
-              <a:rPr lang="en-US"/>
-              <a:t>ADD INFO ON CURVE FITTING MODEL</a:t>
-            </a:r>
-            <a:endParaRPr lang="en-US" dirty="0"/>
-          </a:p>
-        </p:txBody>
-      </p:sp>
+        </p:nvPicPr>
+        <p:blipFill>
+          <a:blip r:embed="rId2"/>
+          <a:stretch>
+            <a:fillRect/>
+          </a:stretch>
+        </p:blipFill>
+        <p:spPr>
+          <a:xfrm>
+            <a:off x="171449" y="1689100"/>
+            <a:ext cx="5672545" cy="3561641"/>
+          </a:xfrm>
+          <a:prstGeom prst="rect">
+            <a:avLst/>
+          </a:prstGeom>
+        </p:spPr>
+      </p:pic>
       <p:sp>
         <p:nvSpPr>
           <p:cNvPr id="5" name="Date Placeholder 4"/>
@@ -5948,7 +5661,7 @@
             <a:fld id="{7836101D-EE4F-E14F-B986-E9B4B91F2B37}" type="datetime1">
               <a:rPr lang="en-US" smtClean="0"/>
               <a:pPr/>
-              <a:t>6/1/21</a:t>
+              <a:t>6/4/2021</a:t>
             </a:fld>
             <a:endParaRPr lang="en-US"/>
           </a:p>
@@ -5994,16 +5707,183 @@
           <a:lstStyle/>
           <a:p>
             <a:r>
-              <a:rPr lang="en-US"/>
+              <a:rPr lang="en-US" smtClean="0"/>
               <a:t>[Click “View &gt; Header and Footer” to Edit]</a:t>
             </a:r>
-          </a:p>
-        </p:txBody>
-      </p:sp>
+            <a:endParaRPr lang="en-US"/>
+          </a:p>
+        </p:txBody>
+      </p:sp>
+      <p:pic>
+        <p:nvPicPr>
+          <p:cNvPr id="9" name="Picture 8"/>
+          <p:cNvPicPr>
+            <a:picLocks noChangeAspect="1"/>
+          </p:cNvPicPr>
+          <p:nvPr/>
+        </p:nvPicPr>
+        <p:blipFill>
+          <a:blip r:embed="rId3"/>
+          <a:stretch>
+            <a:fillRect/>
+          </a:stretch>
+        </p:blipFill>
+        <p:spPr>
+          <a:xfrm>
+            <a:off x="5932049" y="1689100"/>
+            <a:ext cx="5720196" cy="3592512"/>
+          </a:xfrm>
+          <a:prstGeom prst="rect">
+            <a:avLst/>
+          </a:prstGeom>
+        </p:spPr>
+      </p:pic>
+      <p:sp>
+        <p:nvSpPr>
+          <p:cNvPr id="10" name="TextBox 9"/>
+          <p:cNvSpPr txBox="1"/>
+          <p:nvPr/>
+        </p:nvSpPr>
+        <p:spPr>
+          <a:xfrm>
+            <a:off x="381294" y="1319768"/>
+            <a:ext cx="3071799" cy="369332"/>
+          </a:xfrm>
+          <a:prstGeom prst="rect">
+            <a:avLst/>
+          </a:prstGeom>
+          <a:noFill/>
+        </p:spPr>
+        <p:txBody>
+          <a:bodyPr wrap="square" rtlCol="0">
+            <a:spAutoFit/>
+          </a:bodyPr>
+          <a:lstStyle/>
+          <a:p>
+            <a:r>
+              <a:rPr lang="en-US" dirty="0" smtClean="0">
+                <a:solidFill>
+                  <a:schemeClr val="bg1"/>
+                </a:solidFill>
+              </a:rPr>
+              <a:t>Data through 2018</a:t>
+            </a:r>
+            <a:endParaRPr lang="en-US" dirty="0">
+              <a:solidFill>
+                <a:schemeClr val="bg1"/>
+              </a:solidFill>
+            </a:endParaRPr>
+          </a:p>
+        </p:txBody>
+      </p:sp>
+      <p:sp>
+        <p:nvSpPr>
+          <p:cNvPr id="11" name="TextBox 10"/>
+          <p:cNvSpPr txBox="1"/>
+          <p:nvPr/>
+        </p:nvSpPr>
+        <p:spPr>
+          <a:xfrm>
+            <a:off x="5843994" y="1338302"/>
+            <a:ext cx="3071799" cy="369332"/>
+          </a:xfrm>
+          <a:prstGeom prst="rect">
+            <a:avLst/>
+          </a:prstGeom>
+          <a:noFill/>
+        </p:spPr>
+        <p:txBody>
+          <a:bodyPr wrap="square" rtlCol="0">
+            <a:spAutoFit/>
+          </a:bodyPr>
+          <a:lstStyle/>
+          <a:p>
+            <a:r>
+              <a:rPr lang="en-US" dirty="0" smtClean="0">
+                <a:solidFill>
+                  <a:schemeClr val="bg1"/>
+                </a:solidFill>
+              </a:rPr>
+              <a:t>Data through 2021</a:t>
+            </a:r>
+            <a:endParaRPr lang="en-US" dirty="0">
+              <a:solidFill>
+                <a:schemeClr val="bg1"/>
+              </a:solidFill>
+            </a:endParaRPr>
+          </a:p>
+        </p:txBody>
+      </p:sp>
+      <p:sp>
+        <p:nvSpPr>
+          <p:cNvPr id="12" name="TextBox 11"/>
+          <p:cNvSpPr txBox="1"/>
+          <p:nvPr/>
+        </p:nvSpPr>
+        <p:spPr>
+          <a:xfrm>
+            <a:off x="8484400" y="5615582"/>
+            <a:ext cx="3071799" cy="923330"/>
+          </a:xfrm>
+          <a:prstGeom prst="rect">
+            <a:avLst/>
+          </a:prstGeom>
+          <a:noFill/>
+        </p:spPr>
+        <p:txBody>
+          <a:bodyPr wrap="square" rtlCol="0">
+            <a:spAutoFit/>
+          </a:bodyPr>
+          <a:lstStyle/>
+          <a:p>
+            <a:r>
+              <a:rPr lang="en-US" dirty="0" smtClean="0"/>
+              <a:t>Notice how spikes in the irregular component line up closely with recessions</a:t>
+            </a:r>
+            <a:endParaRPr lang="en-US" dirty="0"/>
+          </a:p>
+        </p:txBody>
+      </p:sp>
+      <p:cxnSp>
+        <p:nvCxnSpPr>
+          <p:cNvPr id="14" name="Straight Arrow Connector 13"/>
+          <p:cNvCxnSpPr/>
+          <p:nvPr/>
+        </p:nvCxnSpPr>
+        <p:spPr>
+          <a:xfrm flipV="1">
+            <a:off x="10267950" y="4533900"/>
+            <a:ext cx="657225" cy="1040691"/>
+          </a:xfrm>
+          <a:prstGeom prst="straightConnector1">
+            <a:avLst/>
+          </a:prstGeom>
+          <a:ln>
+            <a:solidFill>
+              <a:srgbClr val="FF0000"/>
+            </a:solidFill>
+            <a:tailEnd type="triangle"/>
+          </a:ln>
+        </p:spPr>
+        <p:style>
+          <a:lnRef idx="1">
+            <a:schemeClr val="accent1"/>
+          </a:lnRef>
+          <a:fillRef idx="0">
+            <a:schemeClr val="accent1"/>
+          </a:fillRef>
+          <a:effectRef idx="0">
+            <a:schemeClr val="accent1"/>
+          </a:effectRef>
+          <a:fontRef idx="minor">
+            <a:schemeClr val="tx1"/>
+          </a:fontRef>
+        </p:style>
+      </p:cxnSp>
     </p:spTree>
     <p:extLst>
       <p:ext uri="{BB962C8B-B14F-4D97-AF65-F5344CB8AC3E}">
-        <p14:creationId xmlns:p14="http://schemas.microsoft.com/office/powerpoint/2010/main" val="3134321163"/>
+        <p14:creationId xmlns:p14="http://schemas.microsoft.com/office/powerpoint/2010/main" val="1832403901"/>
       </p:ext>
     </p:extLst>
   </p:cSld>
@@ -6109,7 +5989,7 @@
             <a:fld id="{7836101D-EE4F-E14F-B986-E9B4B91F2B37}" type="datetime1">
               <a:rPr lang="en-US" smtClean="0"/>
               <a:pPr/>
-              <a:t>6/1/21</a:t>
+              <a:t>6/4/2021</a:t>
             </a:fld>
             <a:endParaRPr lang="en-US"/>
           </a:p>
@@ -6193,23 +6073,6 @@
       </p:grpSpPr>
       <p:sp>
         <p:nvSpPr>
-          <p:cNvPr id="2" name="Picture Placeholder 1"/>
-          <p:cNvSpPr>
-            <a:spLocks noGrp="1"/>
-          </p:cNvSpPr>
-          <p:nvPr>
-            <p:ph type="pic" sz="quarter" idx="13"/>
-          </p:nvPr>
-        </p:nvSpPr>
-        <p:spPr>
-          <a:xfrm>
-            <a:off x="8115300" y="0"/>
-            <a:ext cx="4076700" cy="6210300"/>
-          </a:xfrm>
-        </p:spPr>
-      </p:sp>
-      <p:sp>
-        <p:nvSpPr>
           <p:cNvPr id="3" name="Title 2"/>
           <p:cNvSpPr>
             <a:spLocks noGrp="1"/>
@@ -6242,7 +6105,7 @@
         </p:nvSpPr>
         <p:spPr>
           <a:xfrm>
-            <a:off x="762000" y="1854200"/>
+            <a:off x="552450" y="1282700"/>
             <a:ext cx="6629400" cy="3445622"/>
           </a:xfrm>
         </p:spPr>
@@ -6251,15 +6114,20 @@
           <a:lstStyle/>
           <a:p>
             <a:r>
-              <a:rPr lang="en-US" dirty="0"/>
-              <a:t>Of the models we tested, the… performed best</a:t>
-            </a:r>
-          </a:p>
-          <a:p>
-            <a:r>
-              <a:rPr lang="en-US" dirty="0"/>
-              <a:t>ADD SOMEWHAT MORE DETAILED NOTES ON BEST PERFORMING MODEL</a:t>
-            </a:r>
+              <a:rPr lang="en-US" sz="2000" dirty="0" smtClean="0"/>
+              <a:t>Through 2019, forecasts from the VAR and STL are the same – projections of 2.2 million jobs versus 1.8 million actual jobs added</a:t>
+            </a:r>
+          </a:p>
+          <a:p>
+            <a:r>
+              <a:rPr lang="en-US" sz="2000" dirty="0" err="1" smtClean="0"/>
+              <a:t>Zakir</a:t>
+            </a:r>
+            <a:r>
+              <a:rPr lang="en-US" sz="2000" dirty="0" smtClean="0"/>
+              <a:t>: You will need to adjust this</a:t>
+            </a:r>
+            <a:endParaRPr lang="en-US" sz="2000" dirty="0"/>
           </a:p>
         </p:txBody>
       </p:sp>
@@ -6281,7 +6149,7 @@
             <a:fld id="{7836101D-EE4F-E14F-B986-E9B4B91F2B37}" type="datetime1">
               <a:rPr lang="en-US" smtClean="0"/>
               <a:pPr/>
-              <a:t>6/1/21</a:t>
+              <a:t>6/4/2021</a:t>
             </a:fld>
             <a:endParaRPr lang="en-US"/>
           </a:p>
@@ -6333,6 +6201,182 @@
           </a:p>
         </p:txBody>
       </p:sp>
+      <p:graphicFrame>
+        <p:nvGraphicFramePr>
+          <p:cNvPr id="10" name="Table 9"/>
+          <p:cNvGraphicFramePr>
+            <a:graphicFrameLocks noGrp="1"/>
+          </p:cNvGraphicFramePr>
+          <p:nvPr>
+            <p:extLst>
+              <p:ext uri="{D42A27DB-BD31-4B8C-83A1-F6EECF244321}">
+                <p14:modId xmlns:p14="http://schemas.microsoft.com/office/powerpoint/2010/main" val="2741330898"/>
+              </p:ext>
+            </p:extLst>
+          </p:nvPr>
+        </p:nvGraphicFramePr>
+        <p:xfrm>
+          <a:off x="7391400" y="2655094"/>
+          <a:ext cx="4711704" cy="1817688"/>
+        </p:xfrm>
+        <a:graphic>
+          <a:graphicData uri="http://schemas.openxmlformats.org/drawingml/2006/table">
+            <a:tbl>
+              <a:tblPr firstRow="1" bandRow="1">
+                <a:tableStyleId>{073A0DAA-6AF3-43AB-8588-CEC1D06C72B9}</a:tableStyleId>
+              </a:tblPr>
+              <a:tblGrid>
+                <a:gridCol w="1177926">
+                  <a:extLst>
+                    <a:ext uri="{9D8B030D-6E8A-4147-A177-3AD203B41FA5}">
+                      <a16:colId xmlns:a16="http://schemas.microsoft.com/office/drawing/2014/main" val="1673321710"/>
+                    </a:ext>
+                  </a:extLst>
+                </a:gridCol>
+                <a:gridCol w="1177926">
+                  <a:extLst>
+                    <a:ext uri="{9D8B030D-6E8A-4147-A177-3AD203B41FA5}">
+                      <a16:colId xmlns:a16="http://schemas.microsoft.com/office/drawing/2014/main" val="2158848835"/>
+                    </a:ext>
+                  </a:extLst>
+                </a:gridCol>
+                <a:gridCol w="1177926">
+                  <a:extLst>
+                    <a:ext uri="{9D8B030D-6E8A-4147-A177-3AD203B41FA5}">
+                      <a16:colId xmlns:a16="http://schemas.microsoft.com/office/drawing/2014/main" val="3684999392"/>
+                    </a:ext>
+                  </a:extLst>
+                </a:gridCol>
+                <a:gridCol w="1177926">
+                  <a:extLst>
+                    <a:ext uri="{9D8B030D-6E8A-4147-A177-3AD203B41FA5}">
+                      <a16:colId xmlns:a16="http://schemas.microsoft.com/office/drawing/2014/main" val="1804646177"/>
+                    </a:ext>
+                  </a:extLst>
+                </a:gridCol>
+              </a:tblGrid>
+              <a:tr h="908844">
+                <a:tc>
+                  <a:txBody>
+                    <a:bodyPr/>
+                    <a:lstStyle/>
+                    <a:p>
+                      <a:endParaRPr lang="en-US" dirty="0"/>
+                    </a:p>
+                  </a:txBody>
+                  <a:tcPr/>
+                </a:tc>
+                <a:tc>
+                  <a:txBody>
+                    <a:bodyPr/>
+                    <a:lstStyle/>
+                    <a:p>
+                      <a:r>
+                        <a:rPr lang="en-US" dirty="0" smtClean="0"/>
+                        <a:t>VAR</a:t>
+                      </a:r>
+                      <a:endParaRPr lang="en-US" dirty="0"/>
+                    </a:p>
+                  </a:txBody>
+                  <a:tcPr/>
+                </a:tc>
+                <a:tc>
+                  <a:txBody>
+                    <a:bodyPr/>
+                    <a:lstStyle/>
+                    <a:p>
+                      <a:r>
+                        <a:rPr lang="en-US" dirty="0" smtClean="0"/>
+                        <a:t>STL</a:t>
+                      </a:r>
+                      <a:endParaRPr lang="en-US" dirty="0"/>
+                    </a:p>
+                  </a:txBody>
+                  <a:tcPr/>
+                </a:tc>
+                <a:tc>
+                  <a:txBody>
+                    <a:bodyPr/>
+                    <a:lstStyle/>
+                    <a:p>
+                      <a:r>
+                        <a:rPr lang="en-US" dirty="0" smtClean="0"/>
+                        <a:t>Deep Learning</a:t>
+                      </a:r>
+                      <a:endParaRPr lang="en-US" dirty="0"/>
+                    </a:p>
+                  </a:txBody>
+                  <a:tcPr/>
+                </a:tc>
+                <a:extLst>
+                  <a:ext uri="{0D108BD9-81ED-4DB2-BD59-A6C34878D82A}">
+                    <a16:rowId xmlns:a16="http://schemas.microsoft.com/office/drawing/2014/main" val="3384836410"/>
+                  </a:ext>
+                </a:extLst>
+              </a:tr>
+              <a:tr h="908844">
+                <a:tc>
+                  <a:txBody>
+                    <a:bodyPr/>
+                    <a:lstStyle/>
+                    <a:p>
+                      <a:r>
+                        <a:rPr lang="en-US" dirty="0" smtClean="0"/>
+                        <a:t>MAPE for 2019</a:t>
+                      </a:r>
+                      <a:endParaRPr lang="en-US" dirty="0"/>
+                    </a:p>
+                  </a:txBody>
+                  <a:tcPr/>
+                </a:tc>
+                <a:tc>
+                  <a:txBody>
+                    <a:bodyPr/>
+                    <a:lstStyle/>
+                    <a:p>
+                      <a:r>
+                        <a:rPr lang="en-US" dirty="0" smtClean="0"/>
+                        <a:t>22.22%</a:t>
+                      </a:r>
+                      <a:endParaRPr lang="en-US" dirty="0"/>
+                    </a:p>
+                  </a:txBody>
+                  <a:tcPr/>
+                </a:tc>
+                <a:tc>
+                  <a:txBody>
+                    <a:bodyPr/>
+                    <a:lstStyle/>
+                    <a:p>
+                      <a:r>
+                        <a:rPr lang="en-US" dirty="0" smtClean="0"/>
+                        <a:t>22.22%</a:t>
+                      </a:r>
+                      <a:endParaRPr lang="en-US" dirty="0"/>
+                    </a:p>
+                  </a:txBody>
+                  <a:tcPr/>
+                </a:tc>
+                <a:tc>
+                  <a:txBody>
+                    <a:bodyPr/>
+                    <a:lstStyle/>
+                    <a:p>
+                      <a:endParaRPr lang="en-US" dirty="0"/>
+                    </a:p>
+                  </a:txBody>
+                  <a:tcPr/>
+                </a:tc>
+                <a:extLst>
+                  <a:ext uri="{0D108BD9-81ED-4DB2-BD59-A6C34878D82A}">
+                    <a16:rowId xmlns:a16="http://schemas.microsoft.com/office/drawing/2014/main" val="22611180"/>
+                  </a:ext>
+                </a:extLst>
+              </a:tr>
+            </a:tbl>
+          </a:graphicData>
+        </a:graphic>
+      </p:graphicFrame>
     </p:spTree>
     <p:extLst>
       <p:ext uri="{BB962C8B-B14F-4D97-AF65-F5344CB8AC3E}">
@@ -7130,12 +7174,9 @@
 </file>
 
 <file path=customXml/item1.xml><?xml version="1.0" encoding="utf-8"?>
-<?mso-contentType ?>
-<FormTemplates xmlns="http://schemas.microsoft.com/sharepoint/v3/contenttype/forms">
-  <Display>DocumentLibraryForm</Display>
-  <Edit>DocumentLibraryForm</Edit>
-  <New>DocumentLibraryForm</New>
-</FormTemplates>
+<p:properties xmlns:p="http://schemas.microsoft.com/office/2006/metadata/properties" xmlns:xsi="http://www.w3.org/2001/XMLSchema-instance" xmlns:pc="http://schemas.microsoft.com/office/infopath/2007/PartnerControls">
+  <documentManagement/>
+</p:properties>
 </file>
 
 <file path=customXml/item2.xml><?xml version="1.0" encoding="utf-8"?>
@@ -7285,15 +7326,19 @@
 </file>
 
 <file path=customXml/item3.xml><?xml version="1.0" encoding="utf-8"?>
-<p:properties xmlns:p="http://schemas.microsoft.com/office/2006/metadata/properties" xmlns:xsi="http://www.w3.org/2001/XMLSchema-instance" xmlns:pc="http://schemas.microsoft.com/office/infopath/2007/PartnerControls">
-  <documentManagement/>
-</p:properties>
+<?mso-contentType ?>
+<FormTemplates xmlns="http://schemas.microsoft.com/sharepoint/v3/contenttype/forms">
+  <Display>DocumentLibraryForm</Display>
+  <Edit>DocumentLibraryForm</Edit>
+  <New>DocumentLibraryForm</New>
+</FormTemplates>
 </file>
 
 <file path=customXml/itemProps1.xml><?xml version="1.0" encoding="utf-8"?>
-<ds:datastoreItem xmlns:ds="http://schemas.openxmlformats.org/officeDocument/2006/customXml" ds:itemID="{E42083E8-1515-4842-ADC3-57EEB8B8282F}">
+<ds:datastoreItem xmlns:ds="http://schemas.openxmlformats.org/officeDocument/2006/customXml" ds:itemID="{241841E5-2874-4A44-BAA6-A7911A1F892F}">
   <ds:schemaRefs>
-    <ds:schemaRef ds:uri="http://schemas.microsoft.com/sharepoint/v3/contenttype/forms"/>
+    <ds:schemaRef ds:uri="http://schemas.microsoft.com/office/2006/metadata/properties"/>
+    <ds:schemaRef ds:uri="http://schemas.microsoft.com/office/infopath/2007/PartnerControls"/>
   </ds:schemaRefs>
 </ds:datastoreItem>
 </file>
@@ -7317,10 +7362,9 @@
 </file>
 
 <file path=customXml/itemProps3.xml><?xml version="1.0" encoding="utf-8"?>
-<ds:datastoreItem xmlns:ds="http://schemas.openxmlformats.org/officeDocument/2006/customXml" ds:itemID="{241841E5-2874-4A44-BAA6-A7911A1F892F}">
+<ds:datastoreItem xmlns:ds="http://schemas.openxmlformats.org/officeDocument/2006/customXml" ds:itemID="{E42083E8-1515-4842-ADC3-57EEB8B8282F}">
   <ds:schemaRefs>
-    <ds:schemaRef ds:uri="http://schemas.microsoft.com/office/2006/metadata/properties"/>
-    <ds:schemaRef ds:uri="http://schemas.microsoft.com/office/infopath/2007/PartnerControls"/>
+    <ds:schemaRef ds:uri="http://schemas.microsoft.com/sharepoint/v3/contenttype/forms"/>
   </ds:schemaRefs>
 </ds:datastoreItem>
 </file>
--- a/time_series_final_project_group10.pptx
+++ b/time_series_final_project_group10.pptx
@@ -5,10 +5,10 @@
     <p:sldMasterId id="2147483648" r:id="rId4"/>
   </p:sldMasterIdLst>
   <p:notesMasterIdLst>
-    <p:notesMasterId r:id="rId16"/>
+    <p:notesMasterId r:id="rId17"/>
   </p:notesMasterIdLst>
   <p:handoutMasterIdLst>
-    <p:handoutMasterId r:id="rId17"/>
+    <p:handoutMasterId r:id="rId18"/>
   </p:handoutMasterIdLst>
   <p:sldIdLst>
     <p:sldId id="256" r:id="rId5"/>
@@ -19,9 +19,10 @@
     <p:sldId id="577" r:id="rId10"/>
     <p:sldId id="587" r:id="rId11"/>
     <p:sldId id="578" r:id="rId12"/>
-    <p:sldId id="579" r:id="rId13"/>
-    <p:sldId id="581" r:id="rId14"/>
-    <p:sldId id="572" r:id="rId15"/>
+    <p:sldId id="588" r:id="rId13"/>
+    <p:sldId id="579" r:id="rId14"/>
+    <p:sldId id="581" r:id="rId15"/>
+    <p:sldId id="572" r:id="rId16"/>
   </p:sldIdLst>
   <p:sldSz cx="12192000" cy="6858000"/>
   <p:notesSz cx="6858000" cy="9144000"/>
@@ -152,6 +153,7 @@
             <p14:sldId id="577"/>
             <p14:sldId id="587"/>
             <p14:sldId id="578"/>
+            <p14:sldId id="588"/>
           </p14:sldIdLst>
         </p14:section>
         <p14:section name="Selected Model" id="{D9577454-C796-4961-8321-E7F4E56967AA}">
@@ -462,7 +464,7 @@
           <a:p>
             <a:fld id="{943D8DEE-7A99-D148-95CC-22B727447B66}" type="datetime1">
               <a:rPr lang="en-US" smtClean="0"/>
-              <a:t>6/4/2021</a:t>
+              <a:t>6/4/21</a:t>
             </a:fld>
             <a:endParaRPr lang="en-US"/>
           </a:p>
@@ -628,7 +630,7 @@
           <a:p>
             <a:fld id="{22F972B9-BA4E-1044-96CD-9A1485C263C9}" type="datetime1">
               <a:rPr lang="en-US" smtClean="0"/>
-              <a:t>6/4/2021</a:t>
+              <a:t>6/4/21</a:t>
             </a:fld>
             <a:endParaRPr lang="en-US"/>
           </a:p>
@@ -980,7 +982,7 @@
           <a:p>
             <a:fld id="{F6FF41E2-7C4C-6F44-BCBE-792648FAE7E7}" type="datetime1">
               <a:rPr lang="en-US" smtClean="0"/>
-              <a:t>6/4/2021</a:t>
+              <a:t>6/4/21</a:t>
             </a:fld>
             <a:endParaRPr lang="en-US"/>
           </a:p>
@@ -1433,7 +1435,7 @@
             <a:fld id="{7836101D-EE4F-E14F-B986-E9B4B91F2B37}" type="datetime1">
               <a:rPr lang="en-US" smtClean="0"/>
               <a:pPr/>
-              <a:t>6/4/2021</a:t>
+              <a:t>6/4/21</a:t>
             </a:fld>
             <a:endParaRPr lang="en-US"/>
           </a:p>
@@ -1642,7 +1644,7 @@
             <a:fld id="{7836101D-EE4F-E14F-B986-E9B4B91F2B37}" type="datetime1">
               <a:rPr lang="en-US" smtClean="0"/>
               <a:pPr/>
-              <a:t>6/4/2021</a:t>
+              <a:t>6/4/21</a:t>
             </a:fld>
             <a:endParaRPr lang="en-US"/>
           </a:p>
@@ -2175,7 +2177,7 @@
             <a:fld id="{7836101D-EE4F-E14F-B986-E9B4B91F2B37}" type="datetime1">
               <a:rPr lang="en-US" smtClean="0"/>
               <a:pPr/>
-              <a:t>6/4/2021</a:t>
+              <a:t>6/4/21</a:t>
             </a:fld>
             <a:endParaRPr lang="en-US"/>
           </a:p>
@@ -2564,7 +2566,7 @@
             <a:fld id="{7836101D-EE4F-E14F-B986-E9B4B91F2B37}" type="datetime1">
               <a:rPr lang="en-US" smtClean="0"/>
               <a:pPr/>
-              <a:t>6/4/2021</a:t>
+              <a:t>6/4/21</a:t>
             </a:fld>
             <a:endParaRPr lang="en-US"/>
           </a:p>
@@ -2808,7 +2810,7 @@
             <a:fld id="{7836101D-EE4F-E14F-B986-E9B4B91F2B37}" type="datetime1">
               <a:rPr lang="en-US" smtClean="0"/>
               <a:pPr/>
-              <a:t>6/4/2021</a:t>
+              <a:t>6/4/21</a:t>
             </a:fld>
             <a:endParaRPr lang="en-US"/>
           </a:p>
@@ -3838,7 +3840,7 @@
           <a:p>
             <a:r>
               <a:rPr lang="en-US" dirty="0"/>
-              <a:t>Results and future work</a:t>
+              <a:t>Selected model </a:t>
             </a:r>
           </a:p>
         </p:txBody>
@@ -3853,36 +3855,23 @@
             <p:ph idx="1"/>
           </p:nvPr>
         </p:nvSpPr>
-        <p:spPr/>
+        <p:spPr>
+          <a:xfrm>
+            <a:off x="552450" y="1282700"/>
+            <a:ext cx="6629400" cy="3445622"/>
+          </a:xfrm>
+        </p:spPr>
         <p:txBody>
           <a:bodyPr/>
           <a:lstStyle/>
           <a:p>
             <a:r>
-              <a:rPr lang="en-US" dirty="0" smtClean="0"/>
-              <a:t>Both the VAR and STL do a decent job of projecting jobs growth through 2019</a:t>
-            </a:r>
-          </a:p>
-          <a:p>
-            <a:r>
-              <a:rPr lang="en-US" dirty="0" smtClean="0"/>
-              <a:t>It is clear that Covid-19 has had a profound impact as our forecasts beyond 2019 do not perform as well</a:t>
-            </a:r>
-          </a:p>
-          <a:p>
-            <a:r>
-              <a:rPr lang="en-US" dirty="0" smtClean="0"/>
-              <a:t>Forecasts have improved for 2021 </a:t>
-            </a:r>
-            <a:r>
-              <a:rPr lang="en-US" dirty="0" err="1" smtClean="0"/>
-              <a:t>verus</a:t>
-            </a:r>
-            <a:r>
-              <a:rPr lang="en-US" dirty="0" smtClean="0"/>
-              <a:t> 2020</a:t>
-            </a:r>
-            <a:endParaRPr lang="en-US" dirty="0"/>
+              <a:rPr lang="en-US" sz="2000" dirty="0"/>
+              <a:t>Through 2019, forecasts from the VAR and STL are the same – projections of 2.2 million jobs versus 1.8 million actual jobs added</a:t>
+            </a:r>
+          </a:p>
+          <a:p>
+            <a:endParaRPr lang="en-US" sz="2000" dirty="0"/>
           </a:p>
         </p:txBody>
       </p:sp>
@@ -3904,7 +3893,7 @@
             <a:fld id="{7836101D-EE4F-E14F-B986-E9B4B91F2B37}" type="datetime1">
               <a:rPr lang="en-US" smtClean="0"/>
               <a:pPr/>
-              <a:t>6/4/2021</a:t>
+              <a:t>6/4/21</a:t>
             </a:fld>
             <a:endParaRPr lang="en-US"/>
           </a:p>
@@ -3956,2251 +3945,6 @@
           </a:p>
         </p:txBody>
       </p:sp>
-      <p:sp>
-        <p:nvSpPr>
-          <p:cNvPr id="8" name="TextBox 7"/>
-          <p:cNvSpPr txBox="1"/>
-          <p:nvPr/>
-        </p:nvSpPr>
-        <p:spPr>
-          <a:xfrm>
-            <a:off x="8458200" y="363537"/>
-            <a:ext cx="3362325" cy="5355312"/>
-          </a:xfrm>
-          <a:prstGeom prst="rect">
-            <a:avLst/>
-          </a:prstGeom>
-          <a:noFill/>
-        </p:spPr>
-        <p:txBody>
-          <a:bodyPr wrap="square" rtlCol="0">
-            <a:spAutoFit/>
-          </a:bodyPr>
-          <a:lstStyle/>
-          <a:p>
-            <a:pPr marL="285750" indent="-285750">
-              <a:buFont typeface="Arial" panose="020B0604020202020204" pitchFamily="34" charset="0"/>
-              <a:buChar char="•"/>
-            </a:pPr>
-            <a:r>
-              <a:rPr lang="en-US" dirty="0"/>
-              <a:t>For this exercise, we decided </a:t>
-            </a:r>
-            <a:r>
-              <a:rPr lang="en-US" i="1" dirty="0"/>
-              <a:t>not </a:t>
-            </a:r>
-            <a:r>
-              <a:rPr lang="en-US" dirty="0"/>
-              <a:t>to use additional covariates for simplicity.</a:t>
-            </a:r>
-          </a:p>
-          <a:p>
-            <a:pPr marL="285750" indent="-285750">
-              <a:buFont typeface="Arial" panose="020B0604020202020204" pitchFamily="34" charset="0"/>
-              <a:buChar char="•"/>
-            </a:pPr>
-            <a:r>
-              <a:rPr lang="en-US" dirty="0"/>
-              <a:t>Clearly, incorporating such information would prove useful in our projections</a:t>
-            </a:r>
-          </a:p>
-          <a:p>
-            <a:pPr marL="285750" indent="-285750">
-              <a:buFont typeface="Arial" panose="020B0604020202020204" pitchFamily="34" charset="0"/>
-              <a:buChar char="•"/>
-            </a:pPr>
-            <a:r>
-              <a:rPr lang="en-US" dirty="0"/>
-              <a:t>An ensemble model might be useful in stabilizing the model since the pandemic</a:t>
-            </a:r>
-          </a:p>
-          <a:p>
-            <a:pPr marL="285750" indent="-285750">
-              <a:buFont typeface="Arial" panose="020B0604020202020204" pitchFamily="34" charset="0"/>
-              <a:buChar char="•"/>
-            </a:pPr>
-            <a:r>
-              <a:rPr lang="en-US" dirty="0"/>
-              <a:t>Alternatively, we could apply some sort of pulse function – to capture the temporary, albeit enormous, impact of Covid-19, which has been breaking a lot of models that are used to describe employment and the broader </a:t>
-            </a:r>
-            <a:r>
-              <a:rPr lang="en-US" dirty="0" err="1"/>
-              <a:t>macroeconomy</a:t>
-            </a:r>
-            <a:r>
-              <a:rPr lang="en-US" dirty="0"/>
-              <a:t>.</a:t>
-            </a:r>
-          </a:p>
-          <a:p>
-            <a:pPr marL="285750" indent="-285750">
-              <a:buFont typeface="Arial" panose="020B0604020202020204" pitchFamily="34" charset="0"/>
-              <a:buChar char="•"/>
-            </a:pPr>
-            <a:endParaRPr lang="en-US" dirty="0"/>
-          </a:p>
-        </p:txBody>
-      </p:sp>
-    </p:spTree>
-    <p:extLst>
-      <p:ext uri="{BB962C8B-B14F-4D97-AF65-F5344CB8AC3E}">
-        <p14:creationId xmlns:p14="http://schemas.microsoft.com/office/powerpoint/2010/main" val="2572582839"/>
-      </p:ext>
-    </p:extLst>
-  </p:cSld>
-  <p:clrMapOvr>
-    <a:masterClrMapping/>
-  </p:clrMapOvr>
-</p:sld>
-</file>
-
-<file path=ppt/slides/slide11.xml><?xml version="1.0" encoding="utf-8"?>
-<p:sld xmlns:a="http://schemas.openxmlformats.org/drawingml/2006/main" xmlns:r="http://schemas.openxmlformats.org/officeDocument/2006/relationships" xmlns:p="http://schemas.openxmlformats.org/presentationml/2006/main">
-  <p:cSld>
-    <p:spTree>
-      <p:nvGrpSpPr>
-        <p:cNvPr id="1" name=""/>
-        <p:cNvGrpSpPr/>
-        <p:nvPr/>
-      </p:nvGrpSpPr>
-      <p:grpSpPr>
-        <a:xfrm>
-          <a:off x="0" y="0"/>
-          <a:ext cx="0" cy="0"/>
-          <a:chOff x="0" y="0"/>
-          <a:chExt cx="0" cy="0"/>
-        </a:xfrm>
-      </p:grpSpPr>
-      <p:sp>
-        <p:nvSpPr>
-          <p:cNvPr id="2" name="Title 1"/>
-          <p:cNvSpPr>
-            <a:spLocks noGrp="1"/>
-          </p:cNvSpPr>
-          <p:nvPr>
-            <p:ph type="title"/>
-          </p:nvPr>
-        </p:nvSpPr>
-        <p:spPr/>
-        <p:txBody>
-          <a:bodyPr>
-            <a:normAutofit fontScale="90000"/>
-          </a:bodyPr>
-          <a:lstStyle/>
-          <a:p>
-            <a:r>
-              <a:rPr lang="en-US" dirty="0"/>
-              <a:t>Thank you!</a:t>
-            </a:r>
-            <a:br>
-              <a:rPr lang="en-US" dirty="0"/>
-            </a:br>
-            <a:r>
-              <a:rPr lang="en-US" dirty="0"/>
-              <a:t/>
-            </a:r>
-            <a:br>
-              <a:rPr lang="en-US" dirty="0"/>
-            </a:br>
-            <a:r>
-              <a:rPr lang="en-US" dirty="0"/>
-              <a:t/>
-            </a:r>
-            <a:br>
-              <a:rPr lang="en-US" dirty="0"/>
-            </a:br>
-            <a:r>
-              <a:rPr lang="en-US" dirty="0"/>
-              <a:t/>
-            </a:r>
-            <a:br>
-              <a:rPr lang="en-US" dirty="0"/>
-            </a:br>
-            <a:r>
-              <a:rPr lang="en-US" dirty="0"/>
-              <a:t/>
-            </a:r>
-            <a:br>
-              <a:rPr lang="en-US" dirty="0"/>
-            </a:br>
-            <a:r>
-              <a:rPr lang="en-US" dirty="0"/>
-              <a:t>Questions?</a:t>
-            </a:r>
-          </a:p>
-        </p:txBody>
-      </p:sp>
-      <p:sp>
-        <p:nvSpPr>
-          <p:cNvPr id="4" name="Date Placeholder 3"/>
-          <p:cNvSpPr>
-            <a:spLocks noGrp="1"/>
-          </p:cNvSpPr>
-          <p:nvPr>
-            <p:ph type="dt" sz="half" idx="10"/>
-          </p:nvPr>
-        </p:nvSpPr>
-        <p:spPr/>
-        <p:txBody>
-          <a:bodyPr/>
-          <a:lstStyle/>
-          <a:p>
-            <a:fld id="{7836101D-EE4F-E14F-B986-E9B4B91F2B37}" type="datetime1">
-              <a:rPr lang="en-US" smtClean="0"/>
-              <a:pPr/>
-              <a:t>6/4/2021</a:t>
-            </a:fld>
-            <a:endParaRPr lang="en-US"/>
-          </a:p>
-        </p:txBody>
-      </p:sp>
-      <p:sp>
-        <p:nvSpPr>
-          <p:cNvPr id="5" name="Slide Number Placeholder 4"/>
-          <p:cNvSpPr>
-            <a:spLocks noGrp="1"/>
-          </p:cNvSpPr>
-          <p:nvPr>
-            <p:ph type="sldNum" sz="quarter" idx="12"/>
-          </p:nvPr>
-        </p:nvSpPr>
-        <p:spPr/>
-        <p:txBody>
-          <a:bodyPr/>
-          <a:lstStyle/>
-          <a:p>
-            <a:fld id="{ACECC8D6-1311-6F42-B063-A331488CED07}" type="slidenum">
-              <a:rPr lang="en-US" smtClean="0"/>
-              <a:pPr/>
-              <a:t>10</a:t>
-            </a:fld>
-            <a:endParaRPr lang="en-US"/>
-          </a:p>
-        </p:txBody>
-      </p:sp>
-      <p:sp>
-        <p:nvSpPr>
-          <p:cNvPr id="6" name="Footer Placeholder 5"/>
-          <p:cNvSpPr>
-            <a:spLocks noGrp="1"/>
-          </p:cNvSpPr>
-          <p:nvPr>
-            <p:ph type="ftr" sz="quarter" idx="11"/>
-          </p:nvPr>
-        </p:nvSpPr>
-        <p:spPr/>
-        <p:txBody>
-          <a:bodyPr/>
-          <a:lstStyle/>
-          <a:p>
-            <a:r>
-              <a:rPr lang="en-US"/>
-              <a:t>[Click “View &gt; Header and Footer” to Edit]</a:t>
-            </a:r>
-          </a:p>
-        </p:txBody>
-      </p:sp>
-    </p:spTree>
-    <p:extLst>
-      <p:ext uri="{BB962C8B-B14F-4D97-AF65-F5344CB8AC3E}">
-        <p14:creationId xmlns:p14="http://schemas.microsoft.com/office/powerpoint/2010/main" val="1911402690"/>
-      </p:ext>
-    </p:extLst>
-  </p:cSld>
-  <p:clrMapOvr>
-    <a:masterClrMapping/>
-  </p:clrMapOvr>
-</p:sld>
-</file>
-
-<file path=ppt/slides/slide2.xml><?xml version="1.0" encoding="utf-8"?>
-<p:sld xmlns:a="http://schemas.openxmlformats.org/drawingml/2006/main" xmlns:r="http://schemas.openxmlformats.org/officeDocument/2006/relationships" xmlns:p="http://schemas.openxmlformats.org/presentationml/2006/main">
-  <p:cSld>
-    <p:spTree>
-      <p:nvGrpSpPr>
-        <p:cNvPr id="1" name=""/>
-        <p:cNvGrpSpPr/>
-        <p:nvPr/>
-      </p:nvGrpSpPr>
-      <p:grpSpPr>
-        <a:xfrm>
-          <a:off x="0" y="0"/>
-          <a:ext cx="0" cy="0"/>
-          <a:chOff x="0" y="0"/>
-          <a:chExt cx="0" cy="0"/>
-        </a:xfrm>
-      </p:grpSpPr>
-      <p:sp>
-        <p:nvSpPr>
-          <p:cNvPr id="3" name="Title 2"/>
-          <p:cNvSpPr>
-            <a:spLocks noGrp="1"/>
-          </p:cNvSpPr>
-          <p:nvPr>
-            <p:ph type="title"/>
-          </p:nvPr>
-        </p:nvSpPr>
-        <p:spPr/>
-        <p:txBody>
-          <a:bodyPr>
-            <a:normAutofit/>
-          </a:bodyPr>
-          <a:lstStyle/>
-          <a:p>
-            <a:r>
-              <a:rPr lang="en-US" sz="2800" dirty="0"/>
-              <a:t>Problem statement</a:t>
-            </a:r>
-          </a:p>
-        </p:txBody>
-      </p:sp>
-      <p:sp>
-        <p:nvSpPr>
-          <p:cNvPr id="4" name="Content Placeholder 3"/>
-          <p:cNvSpPr>
-            <a:spLocks noGrp="1"/>
-          </p:cNvSpPr>
-          <p:nvPr>
-            <p:ph idx="1"/>
-          </p:nvPr>
-        </p:nvSpPr>
-        <p:spPr>
-          <a:xfrm>
-            <a:off x="762000" y="983456"/>
-            <a:ext cx="6800850" cy="2432796"/>
-          </a:xfrm>
-        </p:spPr>
-        <p:txBody>
-          <a:bodyPr/>
-          <a:lstStyle/>
-          <a:p>
-            <a:pPr marL="0" indent="0">
-              <a:buNone/>
-            </a:pPr>
-            <a:r>
-              <a:rPr lang="en-US" sz="1600" dirty="0"/>
-              <a:t>On the first Friday of each month, the Bureau of Labor Statistics (BLS) releases employment, or jobs numbers, for the previous month</a:t>
-            </a:r>
-          </a:p>
-          <a:p>
-            <a:pPr marL="0" indent="0">
-              <a:buNone/>
-            </a:pPr>
-            <a:r>
-              <a:rPr lang="en-US" sz="1600" dirty="0"/>
-              <a:t>These numbers are critical in assessing the state of the economy and researchers often try to forecast what the job numbers will be </a:t>
-            </a:r>
-            <a:r>
-              <a:rPr lang="en-US" sz="1600" i="1" dirty="0"/>
-              <a:t>in the future</a:t>
-            </a:r>
-            <a:r>
-              <a:rPr lang="en-US" sz="1600" dirty="0"/>
-              <a:t>. </a:t>
-            </a:r>
-          </a:p>
-          <a:p>
-            <a:pPr marL="0" indent="0">
-              <a:buNone/>
-            </a:pPr>
-            <a:r>
-              <a:rPr lang="en-US" sz="1600" dirty="0"/>
-              <a:t>Such information is used by policy makers in assessing where the economy </a:t>
-            </a:r>
-            <a:r>
-              <a:rPr lang="en-US" sz="1600" i="1" dirty="0"/>
-              <a:t>will</a:t>
-            </a:r>
-            <a:r>
-              <a:rPr lang="en-US" sz="1600" dirty="0"/>
-              <a:t> be, and by other entities such as hedge funds and other financial institutions in trading.</a:t>
-            </a:r>
-          </a:p>
-          <a:p>
-            <a:pPr marL="0" indent="0">
-              <a:buNone/>
-            </a:pPr>
-            <a:r>
-              <a:rPr lang="en-US" sz="1600" dirty="0"/>
-              <a:t>This problem has been further complicated by the pandemic – the lowest jobs growth since the great depression</a:t>
-            </a:r>
-          </a:p>
-        </p:txBody>
-      </p:sp>
-      <p:sp>
-        <p:nvSpPr>
-          <p:cNvPr id="5" name="Date Placeholder 4"/>
-          <p:cNvSpPr>
-            <a:spLocks noGrp="1"/>
-          </p:cNvSpPr>
-          <p:nvPr>
-            <p:ph type="dt" sz="half" idx="10"/>
-          </p:nvPr>
-        </p:nvSpPr>
-        <p:spPr/>
-        <p:txBody>
-          <a:bodyPr/>
-          <a:lstStyle/>
-          <a:p>
-            <a:fld id="{7836101D-EE4F-E14F-B986-E9B4B91F2B37}" type="datetime1">
-              <a:rPr lang="en-US" smtClean="0"/>
-              <a:pPr/>
-              <a:t>6/4/2021</a:t>
-            </a:fld>
-            <a:endParaRPr lang="en-US"/>
-          </a:p>
-        </p:txBody>
-      </p:sp>
-      <p:sp>
-        <p:nvSpPr>
-          <p:cNvPr id="6" name="Slide Number Placeholder 5"/>
-          <p:cNvSpPr>
-            <a:spLocks noGrp="1"/>
-          </p:cNvSpPr>
-          <p:nvPr>
-            <p:ph type="sldNum" sz="quarter" idx="12"/>
-          </p:nvPr>
-        </p:nvSpPr>
-        <p:spPr/>
-        <p:txBody>
-          <a:bodyPr/>
-          <a:lstStyle/>
-          <a:p>
-            <a:fld id="{ACECC8D6-1311-6F42-B063-A331488CED07}" type="slidenum">
-              <a:rPr lang="en-US" smtClean="0"/>
-              <a:pPr/>
-              <a:t>1</a:t>
-            </a:fld>
-            <a:endParaRPr lang="en-US"/>
-          </a:p>
-        </p:txBody>
-      </p:sp>
-      <p:sp>
-        <p:nvSpPr>
-          <p:cNvPr id="7" name="Footer Placeholder 6"/>
-          <p:cNvSpPr>
-            <a:spLocks noGrp="1"/>
-          </p:cNvSpPr>
-          <p:nvPr>
-            <p:ph type="ftr" sz="quarter" idx="11"/>
-          </p:nvPr>
-        </p:nvSpPr>
-        <p:spPr/>
-        <p:txBody>
-          <a:bodyPr/>
-          <a:lstStyle/>
-          <a:p>
-            <a:r>
-              <a:rPr lang="en-US"/>
-              <a:t>[Click “View &gt; Header and Footer” to Edit]</a:t>
-            </a:r>
-          </a:p>
-        </p:txBody>
-      </p:sp>
-      <p:sp>
-        <p:nvSpPr>
-          <p:cNvPr id="8" name="TextBox 7"/>
-          <p:cNvSpPr txBox="1"/>
-          <p:nvPr/>
-        </p:nvSpPr>
-        <p:spPr>
-          <a:xfrm>
-            <a:off x="8458200" y="363537"/>
-            <a:ext cx="3362325" cy="2462213"/>
-          </a:xfrm>
-          <a:prstGeom prst="rect">
-            <a:avLst/>
-          </a:prstGeom>
-          <a:noFill/>
-        </p:spPr>
-        <p:txBody>
-          <a:bodyPr wrap="square" rtlCol="0">
-            <a:spAutoFit/>
-          </a:bodyPr>
-          <a:lstStyle/>
-          <a:p>
-            <a:r>
-              <a:rPr lang="en-US" sz="1400" dirty="0"/>
-              <a:t>We test three separate models and assess how each performs historically (i.e., pre-pandemic) and currently</a:t>
-            </a:r>
-          </a:p>
-          <a:p>
-            <a:endParaRPr lang="en-US" sz="1400" dirty="0"/>
-          </a:p>
-          <a:p>
-            <a:pPr marL="342900" indent="-342900">
-              <a:buAutoNum type="arabicPeriod"/>
-            </a:pPr>
-            <a:r>
-              <a:rPr lang="en-US" sz="1400" dirty="0"/>
-              <a:t>Statistical model:</a:t>
-            </a:r>
-          </a:p>
-          <a:p>
-            <a:pPr marL="342900" indent="-342900">
-              <a:buAutoNum type="arabicPeriod"/>
-            </a:pPr>
-            <a:r>
-              <a:rPr lang="en-US" sz="1400" dirty="0"/>
-              <a:t>Curve-fitting model:</a:t>
-            </a:r>
-          </a:p>
-          <a:p>
-            <a:pPr marL="342900" indent="-342900">
-              <a:buAutoNum type="arabicPeriod"/>
-            </a:pPr>
-            <a:r>
-              <a:rPr lang="en-US" sz="1400" dirty="0"/>
-              <a:t>Deep learning model:</a:t>
-            </a:r>
-          </a:p>
-          <a:p>
-            <a:endParaRPr lang="en-US" sz="1400" dirty="0"/>
-          </a:p>
-          <a:p>
-            <a:endParaRPr lang="en-US" sz="1400" dirty="0"/>
-          </a:p>
-          <a:p>
-            <a:endParaRPr lang="en-US" sz="1400" dirty="0"/>
-          </a:p>
-          <a:p>
-            <a:endParaRPr lang="en-US" sz="1400" dirty="0"/>
-          </a:p>
-        </p:txBody>
-      </p:sp>
-      <p:pic>
-        <p:nvPicPr>
-          <p:cNvPr id="9" name="Picture 8"/>
-          <p:cNvPicPr>
-            <a:picLocks noChangeAspect="1"/>
-          </p:cNvPicPr>
-          <p:nvPr/>
-        </p:nvPicPr>
-        <p:blipFill>
-          <a:blip r:embed="rId2"/>
-          <a:stretch>
-            <a:fillRect/>
-          </a:stretch>
-        </p:blipFill>
-        <p:spPr>
-          <a:xfrm>
-            <a:off x="2091018" y="3717131"/>
-            <a:ext cx="5205132" cy="2140386"/>
-          </a:xfrm>
-          <a:prstGeom prst="rect">
-            <a:avLst/>
-          </a:prstGeom>
-        </p:spPr>
-      </p:pic>
-    </p:spTree>
-    <p:extLst>
-      <p:ext uri="{BB962C8B-B14F-4D97-AF65-F5344CB8AC3E}">
-        <p14:creationId xmlns:p14="http://schemas.microsoft.com/office/powerpoint/2010/main" val="902642052"/>
-      </p:ext>
-    </p:extLst>
-  </p:cSld>
-  <p:clrMapOvr>
-    <a:masterClrMapping/>
-  </p:clrMapOvr>
-</p:sld>
-</file>
-
-<file path=ppt/slides/slide3.xml><?xml version="1.0" encoding="utf-8"?>
-<p:sld xmlns:a="http://schemas.openxmlformats.org/drawingml/2006/main" xmlns:r="http://schemas.openxmlformats.org/officeDocument/2006/relationships" xmlns:p="http://schemas.openxmlformats.org/presentationml/2006/main">
-  <p:cSld>
-    <p:spTree>
-      <p:nvGrpSpPr>
-        <p:cNvPr id="1" name=""/>
-        <p:cNvGrpSpPr/>
-        <p:nvPr/>
-      </p:nvGrpSpPr>
-      <p:grpSpPr>
-        <a:xfrm>
-          <a:off x="0" y="0"/>
-          <a:ext cx="0" cy="0"/>
-          <a:chOff x="0" y="0"/>
-          <a:chExt cx="0" cy="0"/>
-        </a:xfrm>
-      </p:grpSpPr>
-      <p:sp>
-        <p:nvSpPr>
-          <p:cNvPr id="3" name="Title 2"/>
-          <p:cNvSpPr>
-            <a:spLocks noGrp="1"/>
-          </p:cNvSpPr>
-          <p:nvPr>
-            <p:ph type="title"/>
-          </p:nvPr>
-        </p:nvSpPr>
-        <p:spPr>
-          <a:xfrm>
-            <a:off x="761999" y="363537"/>
-            <a:ext cx="7353301" cy="619919"/>
-          </a:xfrm>
-        </p:spPr>
-        <p:txBody>
-          <a:bodyPr>
-            <a:normAutofit/>
-          </a:bodyPr>
-          <a:lstStyle/>
-          <a:p>
-            <a:r>
-              <a:rPr lang="en-US" sz="2800" dirty="0"/>
-              <a:t>Assumptions &amp; Hypotheses about Data</a:t>
-            </a:r>
-          </a:p>
-        </p:txBody>
-      </p:sp>
-      <p:sp>
-        <p:nvSpPr>
-          <p:cNvPr id="4" name="Content Placeholder 3"/>
-          <p:cNvSpPr>
-            <a:spLocks noGrp="1"/>
-          </p:cNvSpPr>
-          <p:nvPr>
-            <p:ph idx="1"/>
-          </p:nvPr>
-        </p:nvSpPr>
-        <p:spPr>
-          <a:xfrm>
-            <a:off x="762000" y="983456"/>
-            <a:ext cx="6800850" cy="4674394"/>
-          </a:xfrm>
-        </p:spPr>
-        <p:txBody>
-          <a:bodyPr/>
-          <a:lstStyle/>
-          <a:p>
-            <a:r>
-              <a:rPr lang="en-US" sz="2400" dirty="0"/>
-              <a:t>Many factors determine employment in a given month</a:t>
-            </a:r>
-          </a:p>
-          <a:p>
-            <a:r>
-              <a:rPr lang="en-US" sz="2400" dirty="0"/>
-              <a:t>One of the most important is where we are in the business cycle (i.e., are we in a recession?) </a:t>
-            </a:r>
-          </a:p>
-          <a:p>
-            <a:pPr lvl="1"/>
-            <a:r>
-              <a:rPr lang="en-US" sz="1800" dirty="0"/>
-              <a:t>Recessions are cyclical, but don’t have a specific periodicity</a:t>
-            </a:r>
-          </a:p>
-          <a:p>
-            <a:r>
-              <a:rPr lang="en-US" sz="2400" dirty="0"/>
-              <a:t>Thus, a curve fitting model might be most suitable – STL – where every cycle may not have the same period.</a:t>
-            </a:r>
-          </a:p>
-        </p:txBody>
-      </p:sp>
-      <p:sp>
-        <p:nvSpPr>
-          <p:cNvPr id="5" name="Date Placeholder 4"/>
-          <p:cNvSpPr>
-            <a:spLocks noGrp="1"/>
-          </p:cNvSpPr>
-          <p:nvPr>
-            <p:ph type="dt" sz="half" idx="10"/>
-          </p:nvPr>
-        </p:nvSpPr>
-        <p:spPr/>
-        <p:txBody>
-          <a:bodyPr/>
-          <a:lstStyle/>
-          <a:p>
-            <a:fld id="{7836101D-EE4F-E14F-B986-E9B4B91F2B37}" type="datetime1">
-              <a:rPr lang="en-US" smtClean="0"/>
-              <a:pPr/>
-              <a:t>6/4/2021</a:t>
-            </a:fld>
-            <a:endParaRPr lang="en-US"/>
-          </a:p>
-        </p:txBody>
-      </p:sp>
-      <p:sp>
-        <p:nvSpPr>
-          <p:cNvPr id="6" name="Slide Number Placeholder 5"/>
-          <p:cNvSpPr>
-            <a:spLocks noGrp="1"/>
-          </p:cNvSpPr>
-          <p:nvPr>
-            <p:ph type="sldNum" sz="quarter" idx="12"/>
-          </p:nvPr>
-        </p:nvSpPr>
-        <p:spPr/>
-        <p:txBody>
-          <a:bodyPr/>
-          <a:lstStyle/>
-          <a:p>
-            <a:fld id="{ACECC8D6-1311-6F42-B063-A331488CED07}" type="slidenum">
-              <a:rPr lang="en-US" smtClean="0"/>
-              <a:pPr/>
-              <a:t>2</a:t>
-            </a:fld>
-            <a:endParaRPr lang="en-US"/>
-          </a:p>
-        </p:txBody>
-      </p:sp>
-      <p:sp>
-        <p:nvSpPr>
-          <p:cNvPr id="7" name="Footer Placeholder 6"/>
-          <p:cNvSpPr>
-            <a:spLocks noGrp="1"/>
-          </p:cNvSpPr>
-          <p:nvPr>
-            <p:ph type="ftr" sz="quarter" idx="11"/>
-          </p:nvPr>
-        </p:nvSpPr>
-        <p:spPr/>
-        <p:txBody>
-          <a:bodyPr/>
-          <a:lstStyle/>
-          <a:p>
-            <a:r>
-              <a:rPr lang="en-US"/>
-              <a:t>[Click “View &gt; Header and Footer” to Edit]</a:t>
-            </a:r>
-          </a:p>
-        </p:txBody>
-      </p:sp>
-      <p:pic>
-        <p:nvPicPr>
-          <p:cNvPr id="2" name="Picture 1"/>
-          <p:cNvPicPr>
-            <a:picLocks noChangeAspect="1"/>
-          </p:cNvPicPr>
-          <p:nvPr/>
-        </p:nvPicPr>
-        <p:blipFill>
-          <a:blip r:embed="rId2"/>
-          <a:stretch>
-            <a:fillRect/>
-          </a:stretch>
-        </p:blipFill>
-        <p:spPr>
-          <a:xfrm>
-            <a:off x="8491537" y="295274"/>
-            <a:ext cx="3193234" cy="2638425"/>
-          </a:xfrm>
-          <a:prstGeom prst="rect">
-            <a:avLst/>
-          </a:prstGeom>
-        </p:spPr>
-      </p:pic>
-      <p:pic>
-        <p:nvPicPr>
-          <p:cNvPr id="10" name="Picture 9"/>
-          <p:cNvPicPr>
-            <a:picLocks noChangeAspect="1"/>
-          </p:cNvPicPr>
-          <p:nvPr/>
-        </p:nvPicPr>
-        <p:blipFill>
-          <a:blip r:embed="rId3"/>
-          <a:stretch>
-            <a:fillRect/>
-          </a:stretch>
-        </p:blipFill>
-        <p:spPr>
-          <a:xfrm>
-            <a:off x="8208146" y="3743325"/>
-            <a:ext cx="3476625" cy="2019300"/>
-          </a:xfrm>
-          <a:prstGeom prst="rect">
-            <a:avLst/>
-          </a:prstGeom>
-        </p:spPr>
-      </p:pic>
-    </p:spTree>
-    <p:extLst>
-      <p:ext uri="{BB962C8B-B14F-4D97-AF65-F5344CB8AC3E}">
-        <p14:creationId xmlns:p14="http://schemas.microsoft.com/office/powerpoint/2010/main" val="230664648"/>
-      </p:ext>
-    </p:extLst>
-  </p:cSld>
-  <p:clrMapOvr>
-    <a:masterClrMapping/>
-  </p:clrMapOvr>
-</p:sld>
-</file>
-
-<file path=ppt/slides/slide4.xml><?xml version="1.0" encoding="utf-8"?>
-<p:sld xmlns:a="http://schemas.openxmlformats.org/drawingml/2006/main" xmlns:r="http://schemas.openxmlformats.org/officeDocument/2006/relationships" xmlns:p="http://schemas.openxmlformats.org/presentationml/2006/main">
-  <p:cSld>
-    <p:spTree>
-      <p:nvGrpSpPr>
-        <p:cNvPr id="1" name=""/>
-        <p:cNvGrpSpPr/>
-        <p:nvPr/>
-      </p:nvGrpSpPr>
-      <p:grpSpPr>
-        <a:xfrm>
-          <a:off x="0" y="0"/>
-          <a:ext cx="0" cy="0"/>
-          <a:chOff x="0" y="0"/>
-          <a:chExt cx="0" cy="0"/>
-        </a:xfrm>
-      </p:grpSpPr>
-      <p:sp>
-        <p:nvSpPr>
-          <p:cNvPr id="3" name="Title 2"/>
-          <p:cNvSpPr>
-            <a:spLocks noGrp="1"/>
-          </p:cNvSpPr>
-          <p:nvPr>
-            <p:ph type="title"/>
-          </p:nvPr>
-        </p:nvSpPr>
-        <p:spPr>
-          <a:xfrm>
-            <a:off x="85724" y="289803"/>
-            <a:ext cx="8524876" cy="619919"/>
-          </a:xfrm>
-        </p:spPr>
-        <p:txBody>
-          <a:bodyPr>
-            <a:normAutofit fontScale="90000"/>
-          </a:bodyPr>
-          <a:lstStyle/>
-          <a:p>
-            <a:r>
-              <a:rPr lang="en-US" sz="2800" dirty="0"/>
-              <a:t>Data properties, processing &amp; Feature engineering</a:t>
-            </a:r>
-          </a:p>
-        </p:txBody>
-      </p:sp>
-      <p:sp>
-        <p:nvSpPr>
-          <p:cNvPr id="4" name="Content Placeholder 3"/>
-          <p:cNvSpPr>
-            <a:spLocks noGrp="1"/>
-          </p:cNvSpPr>
-          <p:nvPr>
-            <p:ph idx="1"/>
-          </p:nvPr>
-        </p:nvSpPr>
-        <p:spPr>
-          <a:xfrm>
-            <a:off x="762000" y="983456"/>
-            <a:ext cx="6800850" cy="4674394"/>
-          </a:xfrm>
-        </p:spPr>
-        <p:txBody>
-          <a:bodyPr/>
-          <a:lstStyle/>
-          <a:p>
-            <a:r>
-              <a:rPr lang="en-US" sz="2400" dirty="0"/>
-              <a:t>We pull all of the necessary data from FRED</a:t>
-            </a:r>
-          </a:p>
-          <a:p>
-            <a:pPr lvl="1"/>
-            <a:r>
-              <a:rPr lang="en-US" sz="2000" dirty="0"/>
-              <a:t>The Federal Reserve Bank of St. Louis’ widely used data base and </a:t>
-            </a:r>
-            <a:r>
-              <a:rPr lang="en-US" sz="2000" dirty="0" smtClean="0"/>
-              <a:t>API</a:t>
-            </a:r>
-          </a:p>
-          <a:p>
-            <a:pPr lvl="1"/>
-            <a:r>
-              <a:rPr lang="en-US" sz="2000" dirty="0" smtClean="0"/>
-              <a:t>Series history going back to 1940</a:t>
-            </a:r>
-            <a:endParaRPr lang="en-US" sz="2000" dirty="0"/>
-          </a:p>
-          <a:p>
-            <a:r>
-              <a:rPr lang="en-US" dirty="0"/>
-              <a:t>The </a:t>
-            </a:r>
-            <a:r>
-              <a:rPr lang="en-US" i="1" dirty="0"/>
-              <a:t>level </a:t>
-            </a:r>
-            <a:r>
-              <a:rPr lang="en-US" dirty="0"/>
-              <a:t>of employment is clearly non-stationary</a:t>
-            </a:r>
-          </a:p>
-          <a:p>
-            <a:pPr lvl="1"/>
-            <a:r>
-              <a:rPr lang="en-US" dirty="0"/>
-              <a:t>Strong upward drift</a:t>
-            </a:r>
-          </a:p>
-          <a:p>
-            <a:pPr lvl="1"/>
-            <a:r>
-              <a:rPr lang="en-US" dirty="0"/>
-              <a:t>Seasonal component</a:t>
-            </a:r>
-          </a:p>
-          <a:p>
-            <a:pPr lvl="1"/>
-            <a:r>
-              <a:rPr lang="en-US" dirty="0"/>
-              <a:t>Cyclical component – where cycles are of undefined periodicity</a:t>
-            </a:r>
-          </a:p>
-          <a:p>
-            <a:r>
-              <a:rPr lang="en-US" sz="2400" dirty="0"/>
-              <a:t>But the first difference &amp; log first difference are stationary</a:t>
-            </a:r>
-          </a:p>
-          <a:p>
-            <a:endParaRPr lang="en-US" sz="2400" dirty="0"/>
-          </a:p>
-        </p:txBody>
-      </p:sp>
-      <p:sp>
-        <p:nvSpPr>
-          <p:cNvPr id="5" name="Date Placeholder 4"/>
-          <p:cNvSpPr>
-            <a:spLocks noGrp="1"/>
-          </p:cNvSpPr>
-          <p:nvPr>
-            <p:ph type="dt" sz="half" idx="10"/>
-          </p:nvPr>
-        </p:nvSpPr>
-        <p:spPr/>
-        <p:txBody>
-          <a:bodyPr/>
-          <a:lstStyle/>
-          <a:p>
-            <a:fld id="{7836101D-EE4F-E14F-B986-E9B4B91F2B37}" type="datetime1">
-              <a:rPr lang="en-US" smtClean="0"/>
-              <a:pPr/>
-              <a:t>6/4/2021</a:t>
-            </a:fld>
-            <a:endParaRPr lang="en-US"/>
-          </a:p>
-        </p:txBody>
-      </p:sp>
-      <p:sp>
-        <p:nvSpPr>
-          <p:cNvPr id="6" name="Slide Number Placeholder 5"/>
-          <p:cNvSpPr>
-            <a:spLocks noGrp="1"/>
-          </p:cNvSpPr>
-          <p:nvPr>
-            <p:ph type="sldNum" sz="quarter" idx="12"/>
-          </p:nvPr>
-        </p:nvSpPr>
-        <p:spPr/>
-        <p:txBody>
-          <a:bodyPr/>
-          <a:lstStyle/>
-          <a:p>
-            <a:fld id="{ACECC8D6-1311-6F42-B063-A331488CED07}" type="slidenum">
-              <a:rPr lang="en-US" smtClean="0"/>
-              <a:pPr/>
-              <a:t>3</a:t>
-            </a:fld>
-            <a:endParaRPr lang="en-US"/>
-          </a:p>
-        </p:txBody>
-      </p:sp>
-      <p:sp>
-        <p:nvSpPr>
-          <p:cNvPr id="7" name="Footer Placeholder 6"/>
-          <p:cNvSpPr>
-            <a:spLocks noGrp="1"/>
-          </p:cNvSpPr>
-          <p:nvPr>
-            <p:ph type="ftr" sz="quarter" idx="11"/>
-          </p:nvPr>
-        </p:nvSpPr>
-        <p:spPr/>
-        <p:txBody>
-          <a:bodyPr/>
-          <a:lstStyle/>
-          <a:p>
-            <a:r>
-              <a:rPr lang="en-US"/>
-              <a:t>[Click “View &gt; Header and Footer” to Edit]</a:t>
-            </a:r>
-          </a:p>
-        </p:txBody>
-      </p:sp>
-      <p:sp>
-        <p:nvSpPr>
-          <p:cNvPr id="8" name="TextBox 7"/>
-          <p:cNvSpPr txBox="1"/>
-          <p:nvPr/>
-        </p:nvSpPr>
-        <p:spPr>
-          <a:xfrm>
-            <a:off x="8458200" y="363537"/>
-            <a:ext cx="3362325" cy="523220"/>
-          </a:xfrm>
-          <a:prstGeom prst="rect">
-            <a:avLst/>
-          </a:prstGeom>
-          <a:noFill/>
-        </p:spPr>
-        <p:txBody>
-          <a:bodyPr wrap="square" rtlCol="0">
-            <a:spAutoFit/>
-          </a:bodyPr>
-          <a:lstStyle/>
-          <a:p>
-            <a:endParaRPr lang="en-US" sz="1400" dirty="0"/>
-          </a:p>
-          <a:p>
-            <a:endParaRPr lang="en-US" sz="1400" dirty="0"/>
-          </a:p>
-        </p:txBody>
-      </p:sp>
-      <p:pic>
-        <p:nvPicPr>
-          <p:cNvPr id="2" name="Picture 1"/>
-          <p:cNvPicPr>
-            <a:picLocks noChangeAspect="1"/>
-          </p:cNvPicPr>
-          <p:nvPr/>
-        </p:nvPicPr>
-        <p:blipFill>
-          <a:blip r:embed="rId2"/>
-          <a:stretch>
-            <a:fillRect/>
-          </a:stretch>
-        </p:blipFill>
-        <p:spPr>
-          <a:xfrm>
-            <a:off x="8610600" y="269845"/>
-            <a:ext cx="2628900" cy="1123950"/>
-          </a:xfrm>
-          <a:prstGeom prst="rect">
-            <a:avLst/>
-          </a:prstGeom>
-        </p:spPr>
-      </p:pic>
-      <p:pic>
-        <p:nvPicPr>
-          <p:cNvPr id="9" name="Picture 8"/>
-          <p:cNvPicPr>
-            <a:picLocks noChangeAspect="1"/>
-          </p:cNvPicPr>
-          <p:nvPr/>
-        </p:nvPicPr>
-        <p:blipFill>
-          <a:blip r:embed="rId3"/>
-          <a:stretch>
-            <a:fillRect/>
-          </a:stretch>
-        </p:blipFill>
-        <p:spPr>
-          <a:xfrm>
-            <a:off x="8125439" y="3320653"/>
-            <a:ext cx="3789721" cy="2762387"/>
-          </a:xfrm>
-          <a:prstGeom prst="rect">
-            <a:avLst/>
-          </a:prstGeom>
-        </p:spPr>
-      </p:pic>
-      <p:pic>
-        <p:nvPicPr>
-          <p:cNvPr id="10" name="Picture 9"/>
-          <p:cNvPicPr>
-            <a:picLocks noChangeAspect="1"/>
-          </p:cNvPicPr>
-          <p:nvPr/>
-        </p:nvPicPr>
-        <p:blipFill>
-          <a:blip r:embed="rId4"/>
-          <a:stretch>
-            <a:fillRect/>
-          </a:stretch>
-        </p:blipFill>
-        <p:spPr>
-          <a:xfrm>
-            <a:off x="8139113" y="1552605"/>
-            <a:ext cx="3681412" cy="2438338"/>
-          </a:xfrm>
-          <a:prstGeom prst="rect">
-            <a:avLst/>
-          </a:prstGeom>
-        </p:spPr>
-      </p:pic>
-    </p:spTree>
-    <p:extLst>
-      <p:ext uri="{BB962C8B-B14F-4D97-AF65-F5344CB8AC3E}">
-        <p14:creationId xmlns:p14="http://schemas.microsoft.com/office/powerpoint/2010/main" val="353151851"/>
-      </p:ext>
-    </p:extLst>
-  </p:cSld>
-  <p:clrMapOvr>
-    <a:masterClrMapping/>
-  </p:clrMapOvr>
-</p:sld>
-</file>
-
-<file path=ppt/slides/slide5.xml><?xml version="1.0" encoding="utf-8"?>
-<p:sld xmlns:a="http://schemas.openxmlformats.org/drawingml/2006/main" xmlns:r="http://schemas.openxmlformats.org/officeDocument/2006/relationships" xmlns:p="http://schemas.openxmlformats.org/presentationml/2006/main">
-  <p:cSld>
-    <p:spTree>
-      <p:nvGrpSpPr>
-        <p:cNvPr id="1" name=""/>
-        <p:cNvGrpSpPr/>
-        <p:nvPr/>
-      </p:nvGrpSpPr>
-      <p:grpSpPr>
-        <a:xfrm>
-          <a:off x="0" y="0"/>
-          <a:ext cx="0" cy="0"/>
-          <a:chOff x="0" y="0"/>
-          <a:chExt cx="0" cy="0"/>
-        </a:xfrm>
-      </p:grpSpPr>
-      <p:sp>
-        <p:nvSpPr>
-          <p:cNvPr id="3" name="Title 2"/>
-          <p:cNvSpPr>
-            <a:spLocks noGrp="1"/>
-          </p:cNvSpPr>
-          <p:nvPr>
-            <p:ph type="title"/>
-          </p:nvPr>
-        </p:nvSpPr>
-        <p:spPr/>
-        <p:txBody>
-          <a:bodyPr/>
-          <a:lstStyle/>
-          <a:p>
-            <a:r>
-              <a:rPr lang="en-US" dirty="0"/>
-              <a:t>Statistical model </a:t>
-            </a:r>
-          </a:p>
-        </p:txBody>
-      </p:sp>
-      <p:sp>
-        <p:nvSpPr>
-          <p:cNvPr id="4" name="Content Placeholder 3"/>
-          <p:cNvSpPr>
-            <a:spLocks noGrp="1"/>
-          </p:cNvSpPr>
-          <p:nvPr>
-            <p:ph idx="1"/>
-          </p:nvPr>
-        </p:nvSpPr>
-        <p:spPr>
-          <a:xfrm>
-            <a:off x="762000" y="1194499"/>
-            <a:ext cx="6629400" cy="3392551"/>
-          </a:xfrm>
-        </p:spPr>
-        <p:txBody>
-          <a:bodyPr/>
-          <a:lstStyle/>
-          <a:p>
-            <a:r>
-              <a:rPr lang="en-US" sz="2000" dirty="0"/>
-              <a:t>We use a VAR(2) of employment, the Chicago Fed Financial Conditions Index, Industrial Production, Population, the ten-year Treasury yield, the 2-10 yield spread, the price level, and a binary recession indicator. </a:t>
-            </a:r>
-          </a:p>
-          <a:p>
-            <a:r>
-              <a:rPr lang="en-US" sz="2000" dirty="0"/>
-              <a:t>Back-testing this method, we find it is relatively accurate. It projected 2.2 million jobs added in 2019, compared to the actual 1.8. </a:t>
-            </a:r>
-          </a:p>
-          <a:p>
-            <a:r>
-              <a:rPr lang="en-US" sz="2000" dirty="0"/>
-              <a:t>However, the forward-looking forecasts projects the economy to lose 1.6 million jobs over the next year, which is extremely unlikely. </a:t>
-            </a:r>
-          </a:p>
-          <a:p>
-            <a:r>
-              <a:rPr lang="en-US" sz="2000" dirty="0"/>
-              <a:t>Here we see the shock of COVID making this a poor model. </a:t>
-            </a:r>
-          </a:p>
-          <a:p>
-            <a:endParaRPr lang="en-US" dirty="0"/>
-          </a:p>
-        </p:txBody>
-      </p:sp>
-      <p:sp>
-        <p:nvSpPr>
-          <p:cNvPr id="5" name="Date Placeholder 4"/>
-          <p:cNvSpPr>
-            <a:spLocks noGrp="1"/>
-          </p:cNvSpPr>
-          <p:nvPr>
-            <p:ph type="dt" sz="half" idx="10"/>
-          </p:nvPr>
-        </p:nvSpPr>
-        <p:spPr/>
-        <p:txBody>
-          <a:bodyPr/>
-          <a:lstStyle/>
-          <a:p>
-            <a:fld id="{7836101D-EE4F-E14F-B986-E9B4B91F2B37}" type="datetime1">
-              <a:rPr lang="en-US" smtClean="0"/>
-              <a:pPr/>
-              <a:t>6/4/2021</a:t>
-            </a:fld>
-            <a:endParaRPr lang="en-US"/>
-          </a:p>
-        </p:txBody>
-      </p:sp>
-      <p:sp>
-        <p:nvSpPr>
-          <p:cNvPr id="6" name="Slide Number Placeholder 5"/>
-          <p:cNvSpPr>
-            <a:spLocks noGrp="1"/>
-          </p:cNvSpPr>
-          <p:nvPr>
-            <p:ph type="sldNum" sz="quarter" idx="12"/>
-          </p:nvPr>
-        </p:nvSpPr>
-        <p:spPr/>
-        <p:txBody>
-          <a:bodyPr/>
-          <a:lstStyle/>
-          <a:p>
-            <a:fld id="{ACECC8D6-1311-6F42-B063-A331488CED07}" type="slidenum">
-              <a:rPr lang="en-US" smtClean="0"/>
-              <a:pPr/>
-              <a:t>4</a:t>
-            </a:fld>
-            <a:endParaRPr lang="en-US"/>
-          </a:p>
-        </p:txBody>
-      </p:sp>
-      <p:sp>
-        <p:nvSpPr>
-          <p:cNvPr id="7" name="Footer Placeholder 6"/>
-          <p:cNvSpPr>
-            <a:spLocks noGrp="1"/>
-          </p:cNvSpPr>
-          <p:nvPr>
-            <p:ph type="ftr" sz="quarter" idx="11"/>
-          </p:nvPr>
-        </p:nvSpPr>
-        <p:spPr/>
-        <p:txBody>
-          <a:bodyPr/>
-          <a:lstStyle/>
-          <a:p>
-            <a:r>
-              <a:rPr lang="en-US"/>
-              <a:t>[Click “View &gt; Header and Footer” to Edit]</a:t>
-            </a:r>
-          </a:p>
-        </p:txBody>
-      </p:sp>
-      <p:pic>
-        <p:nvPicPr>
-          <p:cNvPr id="19" name="Picture 18" descr="Chart&#10;&#10;Description automatically generated">
-            <a:extLst>
-              <a:ext uri="{FF2B5EF4-FFF2-40B4-BE49-F238E27FC236}">
-                <a16:creationId xmlns:a16="http://schemas.microsoft.com/office/drawing/2014/main" id="{652347DC-2251-524B-B156-5AA0BAD77B48}"/>
-              </a:ext>
-            </a:extLst>
-          </p:cNvPr>
-          <p:cNvPicPr>
-            <a:picLocks noChangeAspect="1"/>
-          </p:cNvPicPr>
-          <p:nvPr/>
-        </p:nvPicPr>
-        <p:blipFill>
-          <a:blip r:embed="rId2"/>
-          <a:stretch>
-            <a:fillRect/>
-          </a:stretch>
-        </p:blipFill>
-        <p:spPr>
-          <a:xfrm>
-            <a:off x="7201806" y="638629"/>
-            <a:ext cx="4955673" cy="2654577"/>
-          </a:xfrm>
-          <a:prstGeom prst="rect">
-            <a:avLst/>
-          </a:prstGeom>
-        </p:spPr>
-      </p:pic>
-      <p:sp>
-        <p:nvSpPr>
-          <p:cNvPr id="20" name="TextBox 19">
-            <a:extLst>
-              <a:ext uri="{FF2B5EF4-FFF2-40B4-BE49-F238E27FC236}">
-                <a16:creationId xmlns:a16="http://schemas.microsoft.com/office/drawing/2014/main" id="{633D4770-8B1F-244A-AE95-7E9E227FCE44}"/>
-              </a:ext>
-            </a:extLst>
-          </p:cNvPr>
-          <p:cNvSpPr txBox="1"/>
-          <p:nvPr/>
-        </p:nvSpPr>
-        <p:spPr>
-          <a:xfrm>
-            <a:off x="8824632" y="3329735"/>
-            <a:ext cx="1710020" cy="369332"/>
-          </a:xfrm>
-          <a:prstGeom prst="rect">
-            <a:avLst/>
-          </a:prstGeom>
-          <a:noFill/>
-        </p:spPr>
-        <p:txBody>
-          <a:bodyPr wrap="none" rtlCol="0">
-            <a:spAutoFit/>
-          </a:bodyPr>
-          <a:lstStyle/>
-          <a:p>
-            <a:r>
-              <a:rPr lang="en-US" dirty="0"/>
-              <a:t>Vs. Back-tested: </a:t>
-            </a:r>
-          </a:p>
-        </p:txBody>
-      </p:sp>
-      <p:pic>
-        <p:nvPicPr>
-          <p:cNvPr id="22" name="Picture 21" descr="Chart, line chart&#10;&#10;Description automatically generated">
-            <a:extLst>
-              <a:ext uri="{FF2B5EF4-FFF2-40B4-BE49-F238E27FC236}">
-                <a16:creationId xmlns:a16="http://schemas.microsoft.com/office/drawing/2014/main" id="{C3A1F621-28F6-FE40-A2D9-D7E8E776F273}"/>
-              </a:ext>
-            </a:extLst>
-          </p:cNvPr>
-          <p:cNvPicPr>
-            <a:picLocks noChangeAspect="1"/>
-          </p:cNvPicPr>
-          <p:nvPr/>
-        </p:nvPicPr>
-        <p:blipFill rotWithShape="1">
-          <a:blip r:embed="rId3"/>
-          <a:srcRect b="6927"/>
-          <a:stretch/>
-        </p:blipFill>
-        <p:spPr>
-          <a:xfrm>
-            <a:off x="7201805" y="3735596"/>
-            <a:ext cx="5022225" cy="2620754"/>
-          </a:xfrm>
-          <a:prstGeom prst="rect">
-            <a:avLst/>
-          </a:prstGeom>
-        </p:spPr>
-      </p:pic>
-    </p:spTree>
-    <p:extLst>
-      <p:ext uri="{BB962C8B-B14F-4D97-AF65-F5344CB8AC3E}">
-        <p14:creationId xmlns:p14="http://schemas.microsoft.com/office/powerpoint/2010/main" val="1053635246"/>
-      </p:ext>
-    </p:extLst>
-  </p:cSld>
-  <p:clrMapOvr>
-    <a:masterClrMapping/>
-  </p:clrMapOvr>
-</p:sld>
-</file>
-
-<file path=ppt/slides/slide6.xml><?xml version="1.0" encoding="utf-8"?>
-<p:sld xmlns:a="http://schemas.openxmlformats.org/drawingml/2006/main" xmlns:r="http://schemas.openxmlformats.org/officeDocument/2006/relationships" xmlns:p="http://schemas.openxmlformats.org/presentationml/2006/main">
-  <p:cSld>
-    <p:spTree>
-      <p:nvGrpSpPr>
-        <p:cNvPr id="1" name=""/>
-        <p:cNvGrpSpPr/>
-        <p:nvPr/>
-      </p:nvGrpSpPr>
-      <p:grpSpPr>
-        <a:xfrm>
-          <a:off x="0" y="0"/>
-          <a:ext cx="0" cy="0"/>
-          <a:chOff x="0" y="0"/>
-          <a:chExt cx="0" cy="0"/>
-        </a:xfrm>
-      </p:grpSpPr>
-      <p:sp>
-        <p:nvSpPr>
-          <p:cNvPr id="3" name="Title 2"/>
-          <p:cNvSpPr>
-            <a:spLocks noGrp="1"/>
-          </p:cNvSpPr>
-          <p:nvPr>
-            <p:ph type="title"/>
-          </p:nvPr>
-        </p:nvSpPr>
-        <p:spPr/>
-        <p:txBody>
-          <a:bodyPr/>
-          <a:lstStyle/>
-          <a:p>
-            <a:r>
-              <a:rPr lang="en-US" dirty="0"/>
-              <a:t>Curve fitting model</a:t>
-            </a:r>
-          </a:p>
-        </p:txBody>
-      </p:sp>
-      <p:sp>
-        <p:nvSpPr>
-          <p:cNvPr id="4" name="Content Placeholder 3"/>
-          <p:cNvSpPr>
-            <a:spLocks noGrp="1"/>
-          </p:cNvSpPr>
-          <p:nvPr>
-            <p:ph idx="1"/>
-          </p:nvPr>
-        </p:nvSpPr>
-        <p:spPr>
-          <a:xfrm>
-            <a:off x="533400" y="1295273"/>
-            <a:ext cx="6629400" cy="3445622"/>
-          </a:xfrm>
-        </p:spPr>
-        <p:txBody>
-          <a:bodyPr/>
-          <a:lstStyle/>
-          <a:p>
-            <a:r>
-              <a:rPr lang="en-US" sz="2000" dirty="0"/>
-              <a:t>Seasonal Trend decomposition using Loess (STL)</a:t>
-            </a:r>
-          </a:p>
-          <a:p>
-            <a:pPr lvl="1"/>
-            <a:r>
-              <a:rPr lang="en-US" sz="1800" dirty="0"/>
-              <a:t>Employment depends on many factors, one being business cycles/recessions</a:t>
-            </a:r>
-          </a:p>
-          <a:p>
-            <a:pPr lvl="1"/>
-            <a:r>
-              <a:rPr lang="en-US" sz="1800" dirty="0"/>
-              <a:t>Not all have the same period/seasonal component fluctuates over time</a:t>
-            </a:r>
-          </a:p>
-          <a:p>
-            <a:pPr lvl="1"/>
-            <a:r>
-              <a:rPr lang="en-US" sz="1800" dirty="0"/>
-              <a:t>Makes this a good candidate </a:t>
-            </a:r>
-            <a:endParaRPr lang="en-US" sz="1800" dirty="0" smtClean="0"/>
-          </a:p>
-          <a:p>
-            <a:r>
-              <a:rPr lang="en-US" sz="2000" dirty="0" smtClean="0"/>
-              <a:t>This model projected 2.2 million jobs added for 2019</a:t>
-            </a:r>
-          </a:p>
-          <a:p>
-            <a:pPr lvl="1"/>
-            <a:r>
-              <a:rPr lang="en-US" sz="1600" dirty="0" smtClean="0"/>
-              <a:t>Versus actual change of 1.8 million</a:t>
-            </a:r>
-          </a:p>
-          <a:p>
-            <a:r>
-              <a:rPr lang="en-US" sz="2000" dirty="0" smtClean="0"/>
-              <a:t>Projected 2.2 million for 2020</a:t>
-            </a:r>
-          </a:p>
-          <a:p>
-            <a:pPr lvl="1"/>
-            <a:r>
-              <a:rPr lang="en-US" sz="1600" dirty="0" smtClean="0"/>
-              <a:t>Versus actual change of -9.7 million</a:t>
-            </a:r>
-          </a:p>
-          <a:p>
-            <a:r>
-              <a:rPr lang="en-US" sz="2000" dirty="0" smtClean="0"/>
-              <a:t>Projected 0.9 million for 2021</a:t>
-            </a:r>
-          </a:p>
-          <a:p>
-            <a:pPr lvl="1"/>
-            <a:r>
-              <a:rPr lang="en-US" sz="1600" dirty="0" smtClean="0"/>
-              <a:t>Versus actual change of 2.2 million</a:t>
-            </a:r>
-          </a:p>
-          <a:p>
-            <a:pPr marL="457200" lvl="1" indent="0">
-              <a:buNone/>
-            </a:pPr>
-            <a:endParaRPr lang="en-US" sz="1600" dirty="0"/>
-          </a:p>
-        </p:txBody>
-      </p:sp>
-      <p:sp>
-        <p:nvSpPr>
-          <p:cNvPr id="5" name="Date Placeholder 4"/>
-          <p:cNvSpPr>
-            <a:spLocks noGrp="1"/>
-          </p:cNvSpPr>
-          <p:nvPr>
-            <p:ph type="dt" sz="half" idx="10"/>
-          </p:nvPr>
-        </p:nvSpPr>
-        <p:spPr/>
-        <p:txBody>
-          <a:bodyPr/>
-          <a:lstStyle/>
-          <a:p>
-            <a:fld id="{7836101D-EE4F-E14F-B986-E9B4B91F2B37}" type="datetime1">
-              <a:rPr lang="en-US" smtClean="0"/>
-              <a:pPr/>
-              <a:t>6/4/2021</a:t>
-            </a:fld>
-            <a:endParaRPr lang="en-US"/>
-          </a:p>
-        </p:txBody>
-      </p:sp>
-      <p:sp>
-        <p:nvSpPr>
-          <p:cNvPr id="6" name="Slide Number Placeholder 5"/>
-          <p:cNvSpPr>
-            <a:spLocks noGrp="1"/>
-          </p:cNvSpPr>
-          <p:nvPr>
-            <p:ph type="sldNum" sz="quarter" idx="12"/>
-          </p:nvPr>
-        </p:nvSpPr>
-        <p:spPr/>
-        <p:txBody>
-          <a:bodyPr/>
-          <a:lstStyle/>
-          <a:p>
-            <a:fld id="{ACECC8D6-1311-6F42-B063-A331488CED07}" type="slidenum">
-              <a:rPr lang="en-US" smtClean="0"/>
-              <a:pPr/>
-              <a:t>5</a:t>
-            </a:fld>
-            <a:endParaRPr lang="en-US"/>
-          </a:p>
-        </p:txBody>
-      </p:sp>
-      <p:sp>
-        <p:nvSpPr>
-          <p:cNvPr id="7" name="Footer Placeholder 6"/>
-          <p:cNvSpPr>
-            <a:spLocks noGrp="1"/>
-          </p:cNvSpPr>
-          <p:nvPr>
-            <p:ph type="ftr" sz="quarter" idx="11"/>
-          </p:nvPr>
-        </p:nvSpPr>
-        <p:spPr/>
-        <p:txBody>
-          <a:bodyPr/>
-          <a:lstStyle/>
-          <a:p>
-            <a:r>
-              <a:rPr lang="en-US"/>
-              <a:t>[Click “View &gt; Header and Footer” to Edit]</a:t>
-            </a:r>
-          </a:p>
-        </p:txBody>
-      </p:sp>
-      <p:pic>
-        <p:nvPicPr>
-          <p:cNvPr id="10" name="Picture 9"/>
-          <p:cNvPicPr>
-            <a:picLocks noChangeAspect="1"/>
-          </p:cNvPicPr>
-          <p:nvPr/>
-        </p:nvPicPr>
-        <p:blipFill>
-          <a:blip r:embed="rId2"/>
-          <a:stretch>
-            <a:fillRect/>
-          </a:stretch>
-        </p:blipFill>
-        <p:spPr>
-          <a:xfrm>
-            <a:off x="7200900" y="300544"/>
-            <a:ext cx="5162550" cy="3255461"/>
-          </a:xfrm>
-          <a:prstGeom prst="rect">
-            <a:avLst/>
-          </a:prstGeom>
-        </p:spPr>
-      </p:pic>
-      <p:pic>
-        <p:nvPicPr>
-          <p:cNvPr id="11" name="Picture 10"/>
-          <p:cNvPicPr>
-            <a:picLocks noChangeAspect="1"/>
-          </p:cNvPicPr>
-          <p:nvPr/>
-        </p:nvPicPr>
-        <p:blipFill>
-          <a:blip r:embed="rId3"/>
-          <a:stretch>
-            <a:fillRect/>
-          </a:stretch>
-        </p:blipFill>
-        <p:spPr>
-          <a:xfrm>
-            <a:off x="7200901" y="3653131"/>
-            <a:ext cx="4152900" cy="2898629"/>
-          </a:xfrm>
-          <a:prstGeom prst="rect">
-            <a:avLst/>
-          </a:prstGeom>
-        </p:spPr>
-      </p:pic>
-    </p:spTree>
-    <p:extLst>
-      <p:ext uri="{BB962C8B-B14F-4D97-AF65-F5344CB8AC3E}">
-        <p14:creationId xmlns:p14="http://schemas.microsoft.com/office/powerpoint/2010/main" val="3134321163"/>
-      </p:ext>
-    </p:extLst>
-  </p:cSld>
-  <p:clrMapOvr>
-    <a:masterClrMapping/>
-  </p:clrMapOvr>
-</p:sld>
-</file>
-
-<file path=ppt/slides/slide7.xml><?xml version="1.0" encoding="utf-8"?>
-<p:sld xmlns:a="http://schemas.openxmlformats.org/drawingml/2006/main" xmlns:r="http://schemas.openxmlformats.org/officeDocument/2006/relationships" xmlns:p="http://schemas.openxmlformats.org/presentationml/2006/main">
-  <p:cSld>
-    <p:spTree>
-      <p:nvGrpSpPr>
-        <p:cNvPr id="1" name=""/>
-        <p:cNvGrpSpPr/>
-        <p:nvPr/>
-      </p:nvGrpSpPr>
-      <p:grpSpPr>
-        <a:xfrm>
-          <a:off x="0" y="0"/>
-          <a:ext cx="0" cy="0"/>
-          <a:chOff x="0" y="0"/>
-          <a:chExt cx="0" cy="0"/>
-        </a:xfrm>
-      </p:grpSpPr>
-      <p:sp>
-        <p:nvSpPr>
-          <p:cNvPr id="3" name="Title 2"/>
-          <p:cNvSpPr>
-            <a:spLocks noGrp="1"/>
-          </p:cNvSpPr>
-          <p:nvPr>
-            <p:ph type="title"/>
-          </p:nvPr>
-        </p:nvSpPr>
-        <p:spPr/>
-        <p:txBody>
-          <a:bodyPr/>
-          <a:lstStyle/>
-          <a:p>
-            <a:r>
-              <a:rPr lang="en-US" dirty="0" smtClean="0"/>
-              <a:t>STL decomposition</a:t>
-            </a:r>
-            <a:endParaRPr lang="en-US" dirty="0"/>
-          </a:p>
-        </p:txBody>
-      </p:sp>
-      <p:pic>
-        <p:nvPicPr>
-          <p:cNvPr id="8" name="Content Placeholder 7"/>
-          <p:cNvPicPr>
-            <a:picLocks noGrp="1" noChangeAspect="1"/>
-          </p:cNvPicPr>
-          <p:nvPr>
-            <p:ph idx="1"/>
-          </p:nvPr>
-        </p:nvPicPr>
-        <p:blipFill>
-          <a:blip r:embed="rId2"/>
-          <a:stretch>
-            <a:fillRect/>
-          </a:stretch>
-        </p:blipFill>
-        <p:spPr>
-          <a:xfrm>
-            <a:off x="171449" y="1689100"/>
-            <a:ext cx="5672545" cy="3561641"/>
-          </a:xfrm>
-          <a:prstGeom prst="rect">
-            <a:avLst/>
-          </a:prstGeom>
-        </p:spPr>
-      </p:pic>
-      <p:sp>
-        <p:nvSpPr>
-          <p:cNvPr id="5" name="Date Placeholder 4"/>
-          <p:cNvSpPr>
-            <a:spLocks noGrp="1"/>
-          </p:cNvSpPr>
-          <p:nvPr>
-            <p:ph type="dt" sz="half" idx="10"/>
-          </p:nvPr>
-        </p:nvSpPr>
-        <p:spPr/>
-        <p:txBody>
-          <a:bodyPr/>
-          <a:lstStyle/>
-          <a:p>
-            <a:fld id="{7836101D-EE4F-E14F-B986-E9B4B91F2B37}" type="datetime1">
-              <a:rPr lang="en-US" smtClean="0"/>
-              <a:pPr/>
-              <a:t>6/4/2021</a:t>
-            </a:fld>
-            <a:endParaRPr lang="en-US"/>
-          </a:p>
-        </p:txBody>
-      </p:sp>
-      <p:sp>
-        <p:nvSpPr>
-          <p:cNvPr id="6" name="Slide Number Placeholder 5"/>
-          <p:cNvSpPr>
-            <a:spLocks noGrp="1"/>
-          </p:cNvSpPr>
-          <p:nvPr>
-            <p:ph type="sldNum" sz="quarter" idx="12"/>
-          </p:nvPr>
-        </p:nvSpPr>
-        <p:spPr/>
-        <p:txBody>
-          <a:bodyPr/>
-          <a:lstStyle/>
-          <a:p>
-            <a:fld id="{ACECC8D6-1311-6F42-B063-A331488CED07}" type="slidenum">
-              <a:rPr lang="en-US" smtClean="0"/>
-              <a:pPr/>
-              <a:t>6</a:t>
-            </a:fld>
-            <a:endParaRPr lang="en-US"/>
-          </a:p>
-        </p:txBody>
-      </p:sp>
-      <p:sp>
-        <p:nvSpPr>
-          <p:cNvPr id="7" name="Footer Placeholder 6"/>
-          <p:cNvSpPr>
-            <a:spLocks noGrp="1"/>
-          </p:cNvSpPr>
-          <p:nvPr>
-            <p:ph type="ftr" sz="quarter" idx="11"/>
-          </p:nvPr>
-        </p:nvSpPr>
-        <p:spPr/>
-        <p:txBody>
-          <a:bodyPr/>
-          <a:lstStyle/>
-          <a:p>
-            <a:r>
-              <a:rPr lang="en-US" smtClean="0"/>
-              <a:t>[Click “View &gt; Header and Footer” to Edit]</a:t>
-            </a:r>
-            <a:endParaRPr lang="en-US"/>
-          </a:p>
-        </p:txBody>
-      </p:sp>
-      <p:pic>
-        <p:nvPicPr>
-          <p:cNvPr id="9" name="Picture 8"/>
-          <p:cNvPicPr>
-            <a:picLocks noChangeAspect="1"/>
-          </p:cNvPicPr>
-          <p:nvPr/>
-        </p:nvPicPr>
-        <p:blipFill>
-          <a:blip r:embed="rId3"/>
-          <a:stretch>
-            <a:fillRect/>
-          </a:stretch>
-        </p:blipFill>
-        <p:spPr>
-          <a:xfrm>
-            <a:off x="5932049" y="1689100"/>
-            <a:ext cx="5720196" cy="3592512"/>
-          </a:xfrm>
-          <a:prstGeom prst="rect">
-            <a:avLst/>
-          </a:prstGeom>
-        </p:spPr>
-      </p:pic>
-      <p:sp>
-        <p:nvSpPr>
-          <p:cNvPr id="10" name="TextBox 9"/>
-          <p:cNvSpPr txBox="1"/>
-          <p:nvPr/>
-        </p:nvSpPr>
-        <p:spPr>
-          <a:xfrm>
-            <a:off x="381294" y="1319768"/>
-            <a:ext cx="3071799" cy="369332"/>
-          </a:xfrm>
-          <a:prstGeom prst="rect">
-            <a:avLst/>
-          </a:prstGeom>
-          <a:noFill/>
-        </p:spPr>
-        <p:txBody>
-          <a:bodyPr wrap="square" rtlCol="0">
-            <a:spAutoFit/>
-          </a:bodyPr>
-          <a:lstStyle/>
-          <a:p>
-            <a:r>
-              <a:rPr lang="en-US" dirty="0" smtClean="0">
-                <a:solidFill>
-                  <a:schemeClr val="bg1"/>
-                </a:solidFill>
-              </a:rPr>
-              <a:t>Data through 2018</a:t>
-            </a:r>
-            <a:endParaRPr lang="en-US" dirty="0">
-              <a:solidFill>
-                <a:schemeClr val="bg1"/>
-              </a:solidFill>
-            </a:endParaRPr>
-          </a:p>
-        </p:txBody>
-      </p:sp>
-      <p:sp>
-        <p:nvSpPr>
-          <p:cNvPr id="11" name="TextBox 10"/>
-          <p:cNvSpPr txBox="1"/>
-          <p:nvPr/>
-        </p:nvSpPr>
-        <p:spPr>
-          <a:xfrm>
-            <a:off x="5843994" y="1338302"/>
-            <a:ext cx="3071799" cy="369332"/>
-          </a:xfrm>
-          <a:prstGeom prst="rect">
-            <a:avLst/>
-          </a:prstGeom>
-          <a:noFill/>
-        </p:spPr>
-        <p:txBody>
-          <a:bodyPr wrap="square" rtlCol="0">
-            <a:spAutoFit/>
-          </a:bodyPr>
-          <a:lstStyle/>
-          <a:p>
-            <a:r>
-              <a:rPr lang="en-US" dirty="0" smtClean="0">
-                <a:solidFill>
-                  <a:schemeClr val="bg1"/>
-                </a:solidFill>
-              </a:rPr>
-              <a:t>Data through 2021</a:t>
-            </a:r>
-            <a:endParaRPr lang="en-US" dirty="0">
-              <a:solidFill>
-                <a:schemeClr val="bg1"/>
-              </a:solidFill>
-            </a:endParaRPr>
-          </a:p>
-        </p:txBody>
-      </p:sp>
-      <p:sp>
-        <p:nvSpPr>
-          <p:cNvPr id="12" name="TextBox 11"/>
-          <p:cNvSpPr txBox="1"/>
-          <p:nvPr/>
-        </p:nvSpPr>
-        <p:spPr>
-          <a:xfrm>
-            <a:off x="8484400" y="5615582"/>
-            <a:ext cx="3071799" cy="923330"/>
-          </a:xfrm>
-          <a:prstGeom prst="rect">
-            <a:avLst/>
-          </a:prstGeom>
-          <a:noFill/>
-        </p:spPr>
-        <p:txBody>
-          <a:bodyPr wrap="square" rtlCol="0">
-            <a:spAutoFit/>
-          </a:bodyPr>
-          <a:lstStyle/>
-          <a:p>
-            <a:r>
-              <a:rPr lang="en-US" dirty="0" smtClean="0"/>
-              <a:t>Notice how spikes in the irregular component line up closely with recessions</a:t>
-            </a:r>
-            <a:endParaRPr lang="en-US" dirty="0"/>
-          </a:p>
-        </p:txBody>
-      </p:sp>
-      <p:cxnSp>
-        <p:nvCxnSpPr>
-          <p:cNvPr id="14" name="Straight Arrow Connector 13"/>
-          <p:cNvCxnSpPr/>
-          <p:nvPr/>
-        </p:nvCxnSpPr>
-        <p:spPr>
-          <a:xfrm flipV="1">
-            <a:off x="10267950" y="4533900"/>
-            <a:ext cx="657225" cy="1040691"/>
-          </a:xfrm>
-          <a:prstGeom prst="straightConnector1">
-            <a:avLst/>
-          </a:prstGeom>
-          <a:ln>
-            <a:solidFill>
-              <a:srgbClr val="FF0000"/>
-            </a:solidFill>
-            <a:tailEnd type="triangle"/>
-          </a:ln>
-        </p:spPr>
-        <p:style>
-          <a:lnRef idx="1">
-            <a:schemeClr val="accent1"/>
-          </a:lnRef>
-          <a:fillRef idx="0">
-            <a:schemeClr val="accent1"/>
-          </a:fillRef>
-          <a:effectRef idx="0">
-            <a:schemeClr val="accent1"/>
-          </a:effectRef>
-          <a:fontRef idx="minor">
-            <a:schemeClr val="tx1"/>
-          </a:fontRef>
-        </p:style>
-      </p:cxnSp>
-    </p:spTree>
-    <p:extLst>
-      <p:ext uri="{BB962C8B-B14F-4D97-AF65-F5344CB8AC3E}">
-        <p14:creationId xmlns:p14="http://schemas.microsoft.com/office/powerpoint/2010/main" val="1832403901"/>
-      </p:ext>
-    </p:extLst>
-  </p:cSld>
-  <p:clrMapOvr>
-    <a:masterClrMapping/>
-  </p:clrMapOvr>
-</p:sld>
-</file>
-
-<file path=ppt/slides/slide8.xml><?xml version="1.0" encoding="utf-8"?>
-<p:sld xmlns:a="http://schemas.openxmlformats.org/drawingml/2006/main" xmlns:r="http://schemas.openxmlformats.org/officeDocument/2006/relationships" xmlns:p="http://schemas.openxmlformats.org/presentationml/2006/main">
-  <p:cSld>
-    <p:spTree>
-      <p:nvGrpSpPr>
-        <p:cNvPr id="1" name=""/>
-        <p:cNvGrpSpPr/>
-        <p:nvPr/>
-      </p:nvGrpSpPr>
-      <p:grpSpPr>
-        <a:xfrm>
-          <a:off x="0" y="0"/>
-          <a:ext cx="0" cy="0"/>
-          <a:chOff x="0" y="0"/>
-          <a:chExt cx="0" cy="0"/>
-        </a:xfrm>
-      </p:grpSpPr>
-      <p:sp>
-        <p:nvSpPr>
-          <p:cNvPr id="2" name="Picture Placeholder 1"/>
-          <p:cNvSpPr>
-            <a:spLocks noGrp="1"/>
-          </p:cNvSpPr>
-          <p:nvPr>
-            <p:ph type="pic" sz="quarter" idx="13"/>
-          </p:nvPr>
-        </p:nvSpPr>
-        <p:spPr>
-          <a:xfrm>
-            <a:off x="8115300" y="0"/>
-            <a:ext cx="4076700" cy="6210300"/>
-          </a:xfrm>
-        </p:spPr>
-      </p:sp>
-      <p:sp>
-        <p:nvSpPr>
-          <p:cNvPr id="3" name="Title 2"/>
-          <p:cNvSpPr>
-            <a:spLocks noGrp="1"/>
-          </p:cNvSpPr>
-          <p:nvPr>
-            <p:ph type="title"/>
-          </p:nvPr>
-        </p:nvSpPr>
-        <p:spPr/>
-        <p:txBody>
-          <a:bodyPr/>
-          <a:lstStyle/>
-          <a:p>
-            <a:r>
-              <a:rPr lang="en-US" dirty="0"/>
-              <a:t>Deep learning model </a:t>
-            </a:r>
-          </a:p>
-        </p:txBody>
-      </p:sp>
-      <p:sp>
-        <p:nvSpPr>
-          <p:cNvPr id="4" name="Content Placeholder 3"/>
-          <p:cNvSpPr>
-            <a:spLocks noGrp="1"/>
-          </p:cNvSpPr>
-          <p:nvPr>
-            <p:ph idx="1"/>
-          </p:nvPr>
-        </p:nvSpPr>
-        <p:spPr/>
-        <p:txBody>
-          <a:bodyPr/>
-          <a:lstStyle/>
-          <a:p>
-            <a:r>
-              <a:rPr lang="en-US" dirty="0"/>
-              <a:t>ADD INFO ON DEEP LEARNING MODEL</a:t>
-            </a:r>
-          </a:p>
-        </p:txBody>
-      </p:sp>
-      <p:sp>
-        <p:nvSpPr>
-          <p:cNvPr id="5" name="Date Placeholder 4"/>
-          <p:cNvSpPr>
-            <a:spLocks noGrp="1"/>
-          </p:cNvSpPr>
-          <p:nvPr>
-            <p:ph type="dt" sz="half" idx="10"/>
-          </p:nvPr>
-        </p:nvSpPr>
-        <p:spPr/>
-        <p:txBody>
-          <a:bodyPr/>
-          <a:lstStyle/>
-          <a:p>
-            <a:fld id="{7836101D-EE4F-E14F-B986-E9B4B91F2B37}" type="datetime1">
-              <a:rPr lang="en-US" smtClean="0"/>
-              <a:pPr/>
-              <a:t>6/4/2021</a:t>
-            </a:fld>
-            <a:endParaRPr lang="en-US"/>
-          </a:p>
-        </p:txBody>
-      </p:sp>
-      <p:sp>
-        <p:nvSpPr>
-          <p:cNvPr id="6" name="Slide Number Placeholder 5"/>
-          <p:cNvSpPr>
-            <a:spLocks noGrp="1"/>
-          </p:cNvSpPr>
-          <p:nvPr>
-            <p:ph type="sldNum" sz="quarter" idx="12"/>
-          </p:nvPr>
-        </p:nvSpPr>
-        <p:spPr/>
-        <p:txBody>
-          <a:bodyPr/>
-          <a:lstStyle/>
-          <a:p>
-            <a:fld id="{ACECC8D6-1311-6F42-B063-A331488CED07}" type="slidenum">
-              <a:rPr lang="en-US" smtClean="0"/>
-              <a:pPr/>
-              <a:t>7</a:t>
-            </a:fld>
-            <a:endParaRPr lang="en-US"/>
-          </a:p>
-        </p:txBody>
-      </p:sp>
-      <p:sp>
-        <p:nvSpPr>
-          <p:cNvPr id="7" name="Footer Placeholder 6"/>
-          <p:cNvSpPr>
-            <a:spLocks noGrp="1"/>
-          </p:cNvSpPr>
-          <p:nvPr>
-            <p:ph type="ftr" sz="quarter" idx="11"/>
-          </p:nvPr>
-        </p:nvSpPr>
-        <p:spPr/>
-        <p:txBody>
-          <a:bodyPr/>
-          <a:lstStyle/>
-          <a:p>
-            <a:r>
-              <a:rPr lang="en-US"/>
-              <a:t>[Click “View &gt; Header and Footer” to Edit]</a:t>
-            </a:r>
-          </a:p>
-        </p:txBody>
-      </p:sp>
-    </p:spTree>
-    <p:extLst>
-      <p:ext uri="{BB962C8B-B14F-4D97-AF65-F5344CB8AC3E}">
-        <p14:creationId xmlns:p14="http://schemas.microsoft.com/office/powerpoint/2010/main" val="355481658"/>
-      </p:ext>
-    </p:extLst>
-  </p:cSld>
-  <p:clrMapOvr>
-    <a:masterClrMapping/>
-  </p:clrMapOvr>
-</p:sld>
-</file>
-
-<file path=ppt/slides/slide9.xml><?xml version="1.0" encoding="utf-8"?>
-<p:sld xmlns:a="http://schemas.openxmlformats.org/drawingml/2006/main" xmlns:r="http://schemas.openxmlformats.org/officeDocument/2006/relationships" xmlns:p="http://schemas.openxmlformats.org/presentationml/2006/main">
-  <p:cSld>
-    <p:spTree>
-      <p:nvGrpSpPr>
-        <p:cNvPr id="1" name=""/>
-        <p:cNvGrpSpPr/>
-        <p:nvPr/>
-      </p:nvGrpSpPr>
-      <p:grpSpPr>
-        <a:xfrm>
-          <a:off x="0" y="0"/>
-          <a:ext cx="0" cy="0"/>
-          <a:chOff x="0" y="0"/>
-          <a:chExt cx="0" cy="0"/>
-        </a:xfrm>
-      </p:grpSpPr>
-      <p:sp>
-        <p:nvSpPr>
-          <p:cNvPr id="3" name="Title 2"/>
-          <p:cNvSpPr>
-            <a:spLocks noGrp="1"/>
-          </p:cNvSpPr>
-          <p:nvPr>
-            <p:ph type="title"/>
-          </p:nvPr>
-        </p:nvSpPr>
-        <p:spPr/>
-        <p:txBody>
-          <a:bodyPr/>
-          <a:lstStyle/>
-          <a:p>
-            <a:r>
-              <a:rPr lang="en-US" dirty="0"/>
-              <a:t>Selected model </a:t>
-            </a:r>
-          </a:p>
-        </p:txBody>
-      </p:sp>
-      <p:sp>
-        <p:nvSpPr>
-          <p:cNvPr id="4" name="Content Placeholder 3"/>
-          <p:cNvSpPr>
-            <a:spLocks noGrp="1"/>
-          </p:cNvSpPr>
-          <p:nvPr>
-            <p:ph idx="1"/>
-          </p:nvPr>
-        </p:nvSpPr>
-        <p:spPr>
-          <a:xfrm>
-            <a:off x="552450" y="1282700"/>
-            <a:ext cx="6629400" cy="3445622"/>
-          </a:xfrm>
-        </p:spPr>
-        <p:txBody>
-          <a:bodyPr/>
-          <a:lstStyle/>
-          <a:p>
-            <a:r>
-              <a:rPr lang="en-US" sz="2000" dirty="0" smtClean="0"/>
-              <a:t>Through 2019, forecasts from the VAR and STL are the same – projections of 2.2 million jobs versus 1.8 million actual jobs added</a:t>
-            </a:r>
-          </a:p>
-          <a:p>
-            <a:r>
-              <a:rPr lang="en-US" sz="2000" dirty="0" err="1" smtClean="0"/>
-              <a:t>Zakir</a:t>
-            </a:r>
-            <a:r>
-              <a:rPr lang="en-US" sz="2000" dirty="0" smtClean="0"/>
-              <a:t>: You will need to adjust this</a:t>
-            </a:r>
-            <a:endParaRPr lang="en-US" sz="2000" dirty="0"/>
-          </a:p>
-        </p:txBody>
-      </p:sp>
-      <p:sp>
-        <p:nvSpPr>
-          <p:cNvPr id="5" name="Date Placeholder 4"/>
-          <p:cNvSpPr>
-            <a:spLocks noGrp="1"/>
-          </p:cNvSpPr>
-          <p:nvPr>
-            <p:ph type="dt" sz="half" idx="10"/>
-          </p:nvPr>
-        </p:nvSpPr>
-        <p:spPr/>
-        <p:txBody>
-          <a:bodyPr/>
-          <a:lstStyle/>
-          <a:p>
-            <a:fld id="{7836101D-EE4F-E14F-B986-E9B4B91F2B37}" type="datetime1">
-              <a:rPr lang="en-US" smtClean="0"/>
-              <a:pPr/>
-              <a:t>6/4/2021</a:t>
-            </a:fld>
-            <a:endParaRPr lang="en-US"/>
-          </a:p>
-        </p:txBody>
-      </p:sp>
-      <p:sp>
-        <p:nvSpPr>
-          <p:cNvPr id="6" name="Slide Number Placeholder 5"/>
-          <p:cNvSpPr>
-            <a:spLocks noGrp="1"/>
-          </p:cNvSpPr>
-          <p:nvPr>
-            <p:ph type="sldNum" sz="quarter" idx="12"/>
-          </p:nvPr>
-        </p:nvSpPr>
-        <p:spPr/>
-        <p:txBody>
-          <a:bodyPr/>
-          <a:lstStyle/>
-          <a:p>
-            <a:fld id="{ACECC8D6-1311-6F42-B063-A331488CED07}" type="slidenum">
-              <a:rPr lang="en-US" smtClean="0"/>
-              <a:pPr/>
-              <a:t>8</a:t>
-            </a:fld>
-            <a:endParaRPr lang="en-US"/>
-          </a:p>
-        </p:txBody>
-      </p:sp>
-      <p:sp>
-        <p:nvSpPr>
-          <p:cNvPr id="7" name="Footer Placeholder 6"/>
-          <p:cNvSpPr>
-            <a:spLocks noGrp="1"/>
-          </p:cNvSpPr>
-          <p:nvPr>
-            <p:ph type="ftr" sz="quarter" idx="11"/>
-          </p:nvPr>
-        </p:nvSpPr>
-        <p:spPr/>
-        <p:txBody>
-          <a:bodyPr/>
-          <a:lstStyle/>
-          <a:p>
-            <a:r>
-              <a:rPr lang="en-US"/>
-              <a:t>[Click “View &gt; Header and Footer” to Edit]</a:t>
-            </a:r>
-          </a:p>
-        </p:txBody>
-      </p:sp>
       <p:graphicFrame>
         <p:nvGraphicFramePr>
           <p:cNvPr id="10" name="Table 9"/>
@@ -6210,7 +3954,7 @@
           <p:nvPr>
             <p:extLst>
               <p:ext uri="{D42A27DB-BD31-4B8C-83A1-F6EECF244321}">
-                <p14:modId xmlns:p14="http://schemas.microsoft.com/office/powerpoint/2010/main" val="2741330898"/>
+                <p14:modId xmlns:p14="http://schemas.microsoft.com/office/powerpoint/2010/main" val="3082989975"/>
               </p:ext>
             </p:extLst>
           </p:nvPr>
@@ -6272,10 +4016,9 @@
                     <a:lstStyle/>
                     <a:p>
                       <a:r>
-                        <a:rPr lang="en-US" dirty="0" smtClean="0"/>
+                        <a:rPr lang="en-US" dirty="0"/>
                         <a:t>VAR</a:t>
                       </a:r>
-                      <a:endParaRPr lang="en-US" dirty="0"/>
                     </a:p>
                   </a:txBody>
                   <a:tcPr/>
@@ -6286,10 +4029,9 @@
                     <a:lstStyle/>
                     <a:p>
                       <a:r>
-                        <a:rPr lang="en-US" dirty="0" smtClean="0"/>
+                        <a:rPr lang="en-US" dirty="0"/>
                         <a:t>STL</a:t>
                       </a:r>
-                      <a:endParaRPr lang="en-US" dirty="0"/>
                     </a:p>
                   </a:txBody>
                   <a:tcPr/>
@@ -6300,10 +4042,9 @@
                     <a:lstStyle/>
                     <a:p>
                       <a:r>
-                        <a:rPr lang="en-US" dirty="0" smtClean="0"/>
+                        <a:rPr lang="en-US" dirty="0"/>
                         <a:t>Deep Learning</a:t>
                       </a:r>
-                      <a:endParaRPr lang="en-US" dirty="0"/>
                     </a:p>
                   </a:txBody>
                   <a:tcPr/>
@@ -6321,10 +4062,9 @@
                     <a:lstStyle/>
                     <a:p>
                       <a:r>
-                        <a:rPr lang="en-US" dirty="0" smtClean="0"/>
+                        <a:rPr lang="en-US" dirty="0"/>
                         <a:t>MAPE for 2019</a:t>
                       </a:r>
-                      <a:endParaRPr lang="en-US" dirty="0"/>
                     </a:p>
                   </a:txBody>
                   <a:tcPr/>
@@ -6335,10 +4075,9 @@
                     <a:lstStyle/>
                     <a:p>
                       <a:r>
-                        <a:rPr lang="en-US" dirty="0" smtClean="0"/>
+                        <a:rPr lang="en-US" dirty="0"/>
                         <a:t>22.22%</a:t>
                       </a:r>
-                      <a:endParaRPr lang="en-US" dirty="0"/>
                     </a:p>
                   </a:txBody>
                   <a:tcPr/>
@@ -6349,10 +4088,9 @@
                     <a:lstStyle/>
                     <a:p>
                       <a:r>
-                        <a:rPr lang="en-US" dirty="0" smtClean="0"/>
+                        <a:rPr lang="en-US" dirty="0"/>
                         <a:t>22.22%</a:t>
                       </a:r>
-                      <a:endParaRPr lang="en-US" dirty="0"/>
                     </a:p>
                   </a:txBody>
                   <a:tcPr/>
@@ -6362,7 +4100,10 @@
                     <a:bodyPr/>
                     <a:lstStyle/>
                     <a:p>
-                      <a:endParaRPr lang="en-US" dirty="0"/>
+                      <a:r>
+                        <a:rPr lang="en-US" dirty="0"/>
+                        <a:t>18.18%</a:t>
+                      </a:r>
                     </a:p>
                   </a:txBody>
                   <a:tcPr/>
@@ -6381,6 +4122,3166 @@
     <p:extLst>
       <p:ext uri="{BB962C8B-B14F-4D97-AF65-F5344CB8AC3E}">
         <p14:creationId xmlns:p14="http://schemas.microsoft.com/office/powerpoint/2010/main" val="2380175137"/>
+      </p:ext>
+    </p:extLst>
+  </p:cSld>
+  <p:clrMapOvr>
+    <a:masterClrMapping/>
+  </p:clrMapOvr>
+</p:sld>
+</file>
+
+<file path=ppt/slides/slide11.xml><?xml version="1.0" encoding="utf-8"?>
+<p:sld xmlns:a="http://schemas.openxmlformats.org/drawingml/2006/main" xmlns:r="http://schemas.openxmlformats.org/officeDocument/2006/relationships" xmlns:p="http://schemas.openxmlformats.org/presentationml/2006/main">
+  <p:cSld>
+    <p:spTree>
+      <p:nvGrpSpPr>
+        <p:cNvPr id="1" name=""/>
+        <p:cNvGrpSpPr/>
+        <p:nvPr/>
+      </p:nvGrpSpPr>
+      <p:grpSpPr>
+        <a:xfrm>
+          <a:off x="0" y="0"/>
+          <a:ext cx="0" cy="0"/>
+          <a:chOff x="0" y="0"/>
+          <a:chExt cx="0" cy="0"/>
+        </a:xfrm>
+      </p:grpSpPr>
+      <p:sp>
+        <p:nvSpPr>
+          <p:cNvPr id="3" name="Title 2"/>
+          <p:cNvSpPr>
+            <a:spLocks noGrp="1"/>
+          </p:cNvSpPr>
+          <p:nvPr>
+            <p:ph type="title"/>
+          </p:nvPr>
+        </p:nvSpPr>
+        <p:spPr/>
+        <p:txBody>
+          <a:bodyPr/>
+          <a:lstStyle/>
+          <a:p>
+            <a:r>
+              <a:rPr lang="en-US" dirty="0"/>
+              <a:t>Results and future work</a:t>
+            </a:r>
+          </a:p>
+        </p:txBody>
+      </p:sp>
+      <p:sp>
+        <p:nvSpPr>
+          <p:cNvPr id="4" name="Content Placeholder 3"/>
+          <p:cNvSpPr>
+            <a:spLocks noGrp="1"/>
+          </p:cNvSpPr>
+          <p:nvPr>
+            <p:ph idx="1"/>
+          </p:nvPr>
+        </p:nvSpPr>
+        <p:spPr/>
+        <p:txBody>
+          <a:bodyPr/>
+          <a:lstStyle/>
+          <a:p>
+            <a:r>
+              <a:rPr lang="en-US" dirty="0"/>
+              <a:t>Both the VAR and STL do a decent job of projecting jobs growth through 2019</a:t>
+            </a:r>
+          </a:p>
+          <a:p>
+            <a:r>
+              <a:rPr lang="en-US" dirty="0"/>
+              <a:t>It is clear that Covid-19 has had a profound impact as our forecasts beyond 2019 do not perform as well</a:t>
+            </a:r>
+          </a:p>
+          <a:p>
+            <a:r>
+              <a:rPr lang="en-US" dirty="0"/>
+              <a:t>Forecasts have improved for 2021 </a:t>
+            </a:r>
+            <a:r>
+              <a:rPr lang="en-US" dirty="0" err="1"/>
+              <a:t>verus</a:t>
+            </a:r>
+            <a:r>
+              <a:rPr lang="en-US" dirty="0"/>
+              <a:t> 2020</a:t>
+            </a:r>
+          </a:p>
+        </p:txBody>
+      </p:sp>
+      <p:sp>
+        <p:nvSpPr>
+          <p:cNvPr id="5" name="Date Placeholder 4"/>
+          <p:cNvSpPr>
+            <a:spLocks noGrp="1"/>
+          </p:cNvSpPr>
+          <p:nvPr>
+            <p:ph type="dt" sz="half" idx="10"/>
+          </p:nvPr>
+        </p:nvSpPr>
+        <p:spPr/>
+        <p:txBody>
+          <a:bodyPr/>
+          <a:lstStyle/>
+          <a:p>
+            <a:fld id="{7836101D-EE4F-E14F-B986-E9B4B91F2B37}" type="datetime1">
+              <a:rPr lang="en-US" smtClean="0"/>
+              <a:pPr/>
+              <a:t>6/4/21</a:t>
+            </a:fld>
+            <a:endParaRPr lang="en-US"/>
+          </a:p>
+        </p:txBody>
+      </p:sp>
+      <p:sp>
+        <p:nvSpPr>
+          <p:cNvPr id="6" name="Slide Number Placeholder 5"/>
+          <p:cNvSpPr>
+            <a:spLocks noGrp="1"/>
+          </p:cNvSpPr>
+          <p:nvPr>
+            <p:ph type="sldNum" sz="quarter" idx="12"/>
+          </p:nvPr>
+        </p:nvSpPr>
+        <p:spPr/>
+        <p:txBody>
+          <a:bodyPr/>
+          <a:lstStyle/>
+          <a:p>
+            <a:fld id="{ACECC8D6-1311-6F42-B063-A331488CED07}" type="slidenum">
+              <a:rPr lang="en-US" smtClean="0"/>
+              <a:pPr/>
+              <a:t>10</a:t>
+            </a:fld>
+            <a:endParaRPr lang="en-US"/>
+          </a:p>
+        </p:txBody>
+      </p:sp>
+      <p:sp>
+        <p:nvSpPr>
+          <p:cNvPr id="7" name="Footer Placeholder 6"/>
+          <p:cNvSpPr>
+            <a:spLocks noGrp="1"/>
+          </p:cNvSpPr>
+          <p:nvPr>
+            <p:ph type="ftr" sz="quarter" idx="11"/>
+          </p:nvPr>
+        </p:nvSpPr>
+        <p:spPr/>
+        <p:txBody>
+          <a:bodyPr/>
+          <a:lstStyle/>
+          <a:p>
+            <a:r>
+              <a:rPr lang="en-US"/>
+              <a:t>[Click “View &gt; Header and Footer” to Edit]</a:t>
+            </a:r>
+          </a:p>
+        </p:txBody>
+      </p:sp>
+      <p:sp>
+        <p:nvSpPr>
+          <p:cNvPr id="8" name="TextBox 7"/>
+          <p:cNvSpPr txBox="1"/>
+          <p:nvPr/>
+        </p:nvSpPr>
+        <p:spPr>
+          <a:xfrm>
+            <a:off x="8458200" y="363537"/>
+            <a:ext cx="3362325" cy="5355312"/>
+          </a:xfrm>
+          <a:prstGeom prst="rect">
+            <a:avLst/>
+          </a:prstGeom>
+          <a:noFill/>
+        </p:spPr>
+        <p:txBody>
+          <a:bodyPr wrap="square" rtlCol="0">
+            <a:spAutoFit/>
+          </a:bodyPr>
+          <a:lstStyle/>
+          <a:p>
+            <a:pPr marL="285750" indent="-285750">
+              <a:buFont typeface="Arial" panose="020B0604020202020204" pitchFamily="34" charset="0"/>
+              <a:buChar char="•"/>
+            </a:pPr>
+            <a:r>
+              <a:rPr lang="en-US" dirty="0"/>
+              <a:t>For this exercise, we decided </a:t>
+            </a:r>
+            <a:r>
+              <a:rPr lang="en-US" i="1" dirty="0"/>
+              <a:t>not </a:t>
+            </a:r>
+            <a:r>
+              <a:rPr lang="en-US" dirty="0"/>
+              <a:t>to use additional covariates for simplicity.</a:t>
+            </a:r>
+          </a:p>
+          <a:p>
+            <a:pPr marL="285750" indent="-285750">
+              <a:buFont typeface="Arial" panose="020B0604020202020204" pitchFamily="34" charset="0"/>
+              <a:buChar char="•"/>
+            </a:pPr>
+            <a:r>
+              <a:rPr lang="en-US" dirty="0"/>
+              <a:t>Clearly, incorporating such information would prove useful in our projections</a:t>
+            </a:r>
+          </a:p>
+          <a:p>
+            <a:pPr marL="285750" indent="-285750">
+              <a:buFont typeface="Arial" panose="020B0604020202020204" pitchFamily="34" charset="0"/>
+              <a:buChar char="•"/>
+            </a:pPr>
+            <a:r>
+              <a:rPr lang="en-US" dirty="0"/>
+              <a:t>An ensemble model might be useful in stabilizing the model since the pandemic</a:t>
+            </a:r>
+          </a:p>
+          <a:p>
+            <a:pPr marL="285750" indent="-285750">
+              <a:buFont typeface="Arial" panose="020B0604020202020204" pitchFamily="34" charset="0"/>
+              <a:buChar char="•"/>
+            </a:pPr>
+            <a:r>
+              <a:rPr lang="en-US" dirty="0"/>
+              <a:t>Alternatively, we could apply some sort of pulse function – to capture the temporary, albeit enormous, impact of Covid-19, which has been breaking a lot of models that are used to describe employment and the broader </a:t>
+            </a:r>
+            <a:r>
+              <a:rPr lang="en-US" dirty="0" err="1"/>
+              <a:t>macroeconomy</a:t>
+            </a:r>
+            <a:r>
+              <a:rPr lang="en-US" dirty="0"/>
+              <a:t>.</a:t>
+            </a:r>
+          </a:p>
+          <a:p>
+            <a:pPr marL="285750" indent="-285750">
+              <a:buFont typeface="Arial" panose="020B0604020202020204" pitchFamily="34" charset="0"/>
+              <a:buChar char="•"/>
+            </a:pPr>
+            <a:endParaRPr lang="en-US" dirty="0"/>
+          </a:p>
+        </p:txBody>
+      </p:sp>
+    </p:spTree>
+    <p:extLst>
+      <p:ext uri="{BB962C8B-B14F-4D97-AF65-F5344CB8AC3E}">
+        <p14:creationId xmlns:p14="http://schemas.microsoft.com/office/powerpoint/2010/main" val="2572582839"/>
+      </p:ext>
+    </p:extLst>
+  </p:cSld>
+  <p:clrMapOvr>
+    <a:masterClrMapping/>
+  </p:clrMapOvr>
+</p:sld>
+</file>
+
+<file path=ppt/slides/slide12.xml><?xml version="1.0" encoding="utf-8"?>
+<p:sld xmlns:a="http://schemas.openxmlformats.org/drawingml/2006/main" xmlns:r="http://schemas.openxmlformats.org/officeDocument/2006/relationships" xmlns:p="http://schemas.openxmlformats.org/presentationml/2006/main">
+  <p:cSld>
+    <p:spTree>
+      <p:nvGrpSpPr>
+        <p:cNvPr id="1" name=""/>
+        <p:cNvGrpSpPr/>
+        <p:nvPr/>
+      </p:nvGrpSpPr>
+      <p:grpSpPr>
+        <a:xfrm>
+          <a:off x="0" y="0"/>
+          <a:ext cx="0" cy="0"/>
+          <a:chOff x="0" y="0"/>
+          <a:chExt cx="0" cy="0"/>
+        </a:xfrm>
+      </p:grpSpPr>
+      <p:sp>
+        <p:nvSpPr>
+          <p:cNvPr id="2" name="Title 1"/>
+          <p:cNvSpPr>
+            <a:spLocks noGrp="1"/>
+          </p:cNvSpPr>
+          <p:nvPr>
+            <p:ph type="title"/>
+          </p:nvPr>
+        </p:nvSpPr>
+        <p:spPr/>
+        <p:txBody>
+          <a:bodyPr>
+            <a:normAutofit fontScale="90000"/>
+          </a:bodyPr>
+          <a:lstStyle/>
+          <a:p>
+            <a:r>
+              <a:rPr lang="en-US" dirty="0"/>
+              <a:t>Thank you!</a:t>
+            </a:r>
+            <a:br>
+              <a:rPr lang="en-US" dirty="0"/>
+            </a:br>
+            <a:br>
+              <a:rPr lang="en-US" dirty="0"/>
+            </a:br>
+            <a:br>
+              <a:rPr lang="en-US" dirty="0"/>
+            </a:br>
+            <a:br>
+              <a:rPr lang="en-US" dirty="0"/>
+            </a:br>
+            <a:br>
+              <a:rPr lang="en-US" dirty="0"/>
+            </a:br>
+            <a:r>
+              <a:rPr lang="en-US" dirty="0"/>
+              <a:t>Questions?</a:t>
+            </a:r>
+          </a:p>
+        </p:txBody>
+      </p:sp>
+      <p:sp>
+        <p:nvSpPr>
+          <p:cNvPr id="4" name="Date Placeholder 3"/>
+          <p:cNvSpPr>
+            <a:spLocks noGrp="1"/>
+          </p:cNvSpPr>
+          <p:nvPr>
+            <p:ph type="dt" sz="half" idx="10"/>
+          </p:nvPr>
+        </p:nvSpPr>
+        <p:spPr/>
+        <p:txBody>
+          <a:bodyPr/>
+          <a:lstStyle/>
+          <a:p>
+            <a:fld id="{7836101D-EE4F-E14F-B986-E9B4B91F2B37}" type="datetime1">
+              <a:rPr lang="en-US" smtClean="0"/>
+              <a:pPr/>
+              <a:t>6/4/21</a:t>
+            </a:fld>
+            <a:endParaRPr lang="en-US"/>
+          </a:p>
+        </p:txBody>
+      </p:sp>
+      <p:sp>
+        <p:nvSpPr>
+          <p:cNvPr id="5" name="Slide Number Placeholder 4"/>
+          <p:cNvSpPr>
+            <a:spLocks noGrp="1"/>
+          </p:cNvSpPr>
+          <p:nvPr>
+            <p:ph type="sldNum" sz="quarter" idx="12"/>
+          </p:nvPr>
+        </p:nvSpPr>
+        <p:spPr/>
+        <p:txBody>
+          <a:bodyPr/>
+          <a:lstStyle/>
+          <a:p>
+            <a:fld id="{ACECC8D6-1311-6F42-B063-A331488CED07}" type="slidenum">
+              <a:rPr lang="en-US" smtClean="0"/>
+              <a:pPr/>
+              <a:t>11</a:t>
+            </a:fld>
+            <a:endParaRPr lang="en-US"/>
+          </a:p>
+        </p:txBody>
+      </p:sp>
+      <p:sp>
+        <p:nvSpPr>
+          <p:cNvPr id="6" name="Footer Placeholder 5"/>
+          <p:cNvSpPr>
+            <a:spLocks noGrp="1"/>
+          </p:cNvSpPr>
+          <p:nvPr>
+            <p:ph type="ftr" sz="quarter" idx="11"/>
+          </p:nvPr>
+        </p:nvSpPr>
+        <p:spPr/>
+        <p:txBody>
+          <a:bodyPr/>
+          <a:lstStyle/>
+          <a:p>
+            <a:r>
+              <a:rPr lang="en-US"/>
+              <a:t>[Click “View &gt; Header and Footer” to Edit]</a:t>
+            </a:r>
+          </a:p>
+        </p:txBody>
+      </p:sp>
+    </p:spTree>
+    <p:extLst>
+      <p:ext uri="{BB962C8B-B14F-4D97-AF65-F5344CB8AC3E}">
+        <p14:creationId xmlns:p14="http://schemas.microsoft.com/office/powerpoint/2010/main" val="1911402690"/>
+      </p:ext>
+    </p:extLst>
+  </p:cSld>
+  <p:clrMapOvr>
+    <a:masterClrMapping/>
+  </p:clrMapOvr>
+</p:sld>
+</file>
+
+<file path=ppt/slides/slide2.xml><?xml version="1.0" encoding="utf-8"?>
+<p:sld xmlns:a="http://schemas.openxmlformats.org/drawingml/2006/main" xmlns:r="http://schemas.openxmlformats.org/officeDocument/2006/relationships" xmlns:p="http://schemas.openxmlformats.org/presentationml/2006/main">
+  <p:cSld>
+    <p:spTree>
+      <p:nvGrpSpPr>
+        <p:cNvPr id="1" name=""/>
+        <p:cNvGrpSpPr/>
+        <p:nvPr/>
+      </p:nvGrpSpPr>
+      <p:grpSpPr>
+        <a:xfrm>
+          <a:off x="0" y="0"/>
+          <a:ext cx="0" cy="0"/>
+          <a:chOff x="0" y="0"/>
+          <a:chExt cx="0" cy="0"/>
+        </a:xfrm>
+      </p:grpSpPr>
+      <p:sp>
+        <p:nvSpPr>
+          <p:cNvPr id="3" name="Title 2"/>
+          <p:cNvSpPr>
+            <a:spLocks noGrp="1"/>
+          </p:cNvSpPr>
+          <p:nvPr>
+            <p:ph type="title"/>
+          </p:nvPr>
+        </p:nvSpPr>
+        <p:spPr/>
+        <p:txBody>
+          <a:bodyPr>
+            <a:normAutofit/>
+          </a:bodyPr>
+          <a:lstStyle/>
+          <a:p>
+            <a:r>
+              <a:rPr lang="en-US" sz="2800" dirty="0"/>
+              <a:t>Problem statement</a:t>
+            </a:r>
+          </a:p>
+        </p:txBody>
+      </p:sp>
+      <p:sp>
+        <p:nvSpPr>
+          <p:cNvPr id="4" name="Content Placeholder 3"/>
+          <p:cNvSpPr>
+            <a:spLocks noGrp="1"/>
+          </p:cNvSpPr>
+          <p:nvPr>
+            <p:ph idx="1"/>
+          </p:nvPr>
+        </p:nvSpPr>
+        <p:spPr>
+          <a:xfrm>
+            <a:off x="762000" y="983456"/>
+            <a:ext cx="6800850" cy="2432796"/>
+          </a:xfrm>
+        </p:spPr>
+        <p:txBody>
+          <a:bodyPr/>
+          <a:lstStyle/>
+          <a:p>
+            <a:pPr marL="0" indent="0">
+              <a:buNone/>
+            </a:pPr>
+            <a:r>
+              <a:rPr lang="en-US" sz="1600" dirty="0"/>
+              <a:t>On the first Friday of each month, the Bureau of Labor Statistics (BLS) releases employment, or jobs numbers, for the previous month</a:t>
+            </a:r>
+          </a:p>
+          <a:p>
+            <a:pPr marL="0" indent="0">
+              <a:buNone/>
+            </a:pPr>
+            <a:r>
+              <a:rPr lang="en-US" sz="1600" dirty="0"/>
+              <a:t>These numbers are critical in assessing the state of the economy and researchers often try to forecast what the job numbers will be </a:t>
+            </a:r>
+            <a:r>
+              <a:rPr lang="en-US" sz="1600" i="1" dirty="0"/>
+              <a:t>in the future</a:t>
+            </a:r>
+            <a:r>
+              <a:rPr lang="en-US" sz="1600" dirty="0"/>
+              <a:t>. </a:t>
+            </a:r>
+          </a:p>
+          <a:p>
+            <a:pPr marL="0" indent="0">
+              <a:buNone/>
+            </a:pPr>
+            <a:r>
+              <a:rPr lang="en-US" sz="1600" dirty="0"/>
+              <a:t>Such information is used by policy makers in assessing where the economy </a:t>
+            </a:r>
+            <a:r>
+              <a:rPr lang="en-US" sz="1600" i="1" dirty="0"/>
+              <a:t>will</a:t>
+            </a:r>
+            <a:r>
+              <a:rPr lang="en-US" sz="1600" dirty="0"/>
+              <a:t> be, and by other entities such as hedge funds and other financial institutions in trading.</a:t>
+            </a:r>
+          </a:p>
+          <a:p>
+            <a:pPr marL="0" indent="0">
+              <a:buNone/>
+            </a:pPr>
+            <a:r>
+              <a:rPr lang="en-US" sz="1600" dirty="0"/>
+              <a:t>This problem has been further complicated by the pandemic – the lowest jobs growth since the great depression</a:t>
+            </a:r>
+          </a:p>
+        </p:txBody>
+      </p:sp>
+      <p:sp>
+        <p:nvSpPr>
+          <p:cNvPr id="5" name="Date Placeholder 4"/>
+          <p:cNvSpPr>
+            <a:spLocks noGrp="1"/>
+          </p:cNvSpPr>
+          <p:nvPr>
+            <p:ph type="dt" sz="half" idx="10"/>
+          </p:nvPr>
+        </p:nvSpPr>
+        <p:spPr/>
+        <p:txBody>
+          <a:bodyPr/>
+          <a:lstStyle/>
+          <a:p>
+            <a:fld id="{7836101D-EE4F-E14F-B986-E9B4B91F2B37}" type="datetime1">
+              <a:rPr lang="en-US" smtClean="0"/>
+              <a:pPr/>
+              <a:t>6/4/21</a:t>
+            </a:fld>
+            <a:endParaRPr lang="en-US"/>
+          </a:p>
+        </p:txBody>
+      </p:sp>
+      <p:sp>
+        <p:nvSpPr>
+          <p:cNvPr id="6" name="Slide Number Placeholder 5"/>
+          <p:cNvSpPr>
+            <a:spLocks noGrp="1"/>
+          </p:cNvSpPr>
+          <p:nvPr>
+            <p:ph type="sldNum" sz="quarter" idx="12"/>
+          </p:nvPr>
+        </p:nvSpPr>
+        <p:spPr/>
+        <p:txBody>
+          <a:bodyPr/>
+          <a:lstStyle/>
+          <a:p>
+            <a:fld id="{ACECC8D6-1311-6F42-B063-A331488CED07}" type="slidenum">
+              <a:rPr lang="en-US" smtClean="0"/>
+              <a:pPr/>
+              <a:t>1</a:t>
+            </a:fld>
+            <a:endParaRPr lang="en-US"/>
+          </a:p>
+        </p:txBody>
+      </p:sp>
+      <p:sp>
+        <p:nvSpPr>
+          <p:cNvPr id="7" name="Footer Placeholder 6"/>
+          <p:cNvSpPr>
+            <a:spLocks noGrp="1"/>
+          </p:cNvSpPr>
+          <p:nvPr>
+            <p:ph type="ftr" sz="quarter" idx="11"/>
+          </p:nvPr>
+        </p:nvSpPr>
+        <p:spPr/>
+        <p:txBody>
+          <a:bodyPr/>
+          <a:lstStyle/>
+          <a:p>
+            <a:r>
+              <a:rPr lang="en-US"/>
+              <a:t>[Click “View &gt; Header and Footer” to Edit]</a:t>
+            </a:r>
+          </a:p>
+        </p:txBody>
+      </p:sp>
+      <p:sp>
+        <p:nvSpPr>
+          <p:cNvPr id="8" name="TextBox 7"/>
+          <p:cNvSpPr txBox="1"/>
+          <p:nvPr/>
+        </p:nvSpPr>
+        <p:spPr>
+          <a:xfrm>
+            <a:off x="8458200" y="363537"/>
+            <a:ext cx="3362325" cy="2462213"/>
+          </a:xfrm>
+          <a:prstGeom prst="rect">
+            <a:avLst/>
+          </a:prstGeom>
+          <a:noFill/>
+        </p:spPr>
+        <p:txBody>
+          <a:bodyPr wrap="square" rtlCol="0">
+            <a:spAutoFit/>
+          </a:bodyPr>
+          <a:lstStyle/>
+          <a:p>
+            <a:r>
+              <a:rPr lang="en-US" sz="1400" dirty="0"/>
+              <a:t>We test three separate models and assess how each performs historically (i.e., pre-pandemic) and currently</a:t>
+            </a:r>
+          </a:p>
+          <a:p>
+            <a:endParaRPr lang="en-US" sz="1400" dirty="0"/>
+          </a:p>
+          <a:p>
+            <a:pPr marL="342900" indent="-342900">
+              <a:buAutoNum type="arabicPeriod"/>
+            </a:pPr>
+            <a:r>
+              <a:rPr lang="en-US" sz="1400" dirty="0"/>
+              <a:t>Statistical model:</a:t>
+            </a:r>
+          </a:p>
+          <a:p>
+            <a:pPr marL="342900" indent="-342900">
+              <a:buAutoNum type="arabicPeriod"/>
+            </a:pPr>
+            <a:r>
+              <a:rPr lang="en-US" sz="1400" dirty="0"/>
+              <a:t>Curve-fitting model:</a:t>
+            </a:r>
+          </a:p>
+          <a:p>
+            <a:pPr marL="342900" indent="-342900">
+              <a:buAutoNum type="arabicPeriod"/>
+            </a:pPr>
+            <a:r>
+              <a:rPr lang="en-US" sz="1400" dirty="0"/>
+              <a:t>Deep learning model:</a:t>
+            </a:r>
+          </a:p>
+          <a:p>
+            <a:endParaRPr lang="en-US" sz="1400" dirty="0"/>
+          </a:p>
+          <a:p>
+            <a:endParaRPr lang="en-US" sz="1400" dirty="0"/>
+          </a:p>
+          <a:p>
+            <a:endParaRPr lang="en-US" sz="1400" dirty="0"/>
+          </a:p>
+          <a:p>
+            <a:endParaRPr lang="en-US" sz="1400" dirty="0"/>
+          </a:p>
+        </p:txBody>
+      </p:sp>
+      <p:pic>
+        <p:nvPicPr>
+          <p:cNvPr id="9" name="Picture 8"/>
+          <p:cNvPicPr>
+            <a:picLocks noChangeAspect="1"/>
+          </p:cNvPicPr>
+          <p:nvPr/>
+        </p:nvPicPr>
+        <p:blipFill>
+          <a:blip r:embed="rId2"/>
+          <a:stretch>
+            <a:fillRect/>
+          </a:stretch>
+        </p:blipFill>
+        <p:spPr>
+          <a:xfrm>
+            <a:off x="2091018" y="3717131"/>
+            <a:ext cx="5205132" cy="2140386"/>
+          </a:xfrm>
+          <a:prstGeom prst="rect">
+            <a:avLst/>
+          </a:prstGeom>
+        </p:spPr>
+      </p:pic>
+    </p:spTree>
+    <p:extLst>
+      <p:ext uri="{BB962C8B-B14F-4D97-AF65-F5344CB8AC3E}">
+        <p14:creationId xmlns:p14="http://schemas.microsoft.com/office/powerpoint/2010/main" val="902642052"/>
+      </p:ext>
+    </p:extLst>
+  </p:cSld>
+  <p:clrMapOvr>
+    <a:masterClrMapping/>
+  </p:clrMapOvr>
+</p:sld>
+</file>
+
+<file path=ppt/slides/slide3.xml><?xml version="1.0" encoding="utf-8"?>
+<p:sld xmlns:a="http://schemas.openxmlformats.org/drawingml/2006/main" xmlns:r="http://schemas.openxmlformats.org/officeDocument/2006/relationships" xmlns:p="http://schemas.openxmlformats.org/presentationml/2006/main">
+  <p:cSld>
+    <p:spTree>
+      <p:nvGrpSpPr>
+        <p:cNvPr id="1" name=""/>
+        <p:cNvGrpSpPr/>
+        <p:nvPr/>
+      </p:nvGrpSpPr>
+      <p:grpSpPr>
+        <a:xfrm>
+          <a:off x="0" y="0"/>
+          <a:ext cx="0" cy="0"/>
+          <a:chOff x="0" y="0"/>
+          <a:chExt cx="0" cy="0"/>
+        </a:xfrm>
+      </p:grpSpPr>
+      <p:sp>
+        <p:nvSpPr>
+          <p:cNvPr id="3" name="Title 2"/>
+          <p:cNvSpPr>
+            <a:spLocks noGrp="1"/>
+          </p:cNvSpPr>
+          <p:nvPr>
+            <p:ph type="title"/>
+          </p:nvPr>
+        </p:nvSpPr>
+        <p:spPr>
+          <a:xfrm>
+            <a:off x="761999" y="363537"/>
+            <a:ext cx="7353301" cy="619919"/>
+          </a:xfrm>
+        </p:spPr>
+        <p:txBody>
+          <a:bodyPr>
+            <a:normAutofit/>
+          </a:bodyPr>
+          <a:lstStyle/>
+          <a:p>
+            <a:r>
+              <a:rPr lang="en-US" sz="2800" dirty="0"/>
+              <a:t>Assumptions &amp; Hypotheses about Data</a:t>
+            </a:r>
+          </a:p>
+        </p:txBody>
+      </p:sp>
+      <p:sp>
+        <p:nvSpPr>
+          <p:cNvPr id="4" name="Content Placeholder 3"/>
+          <p:cNvSpPr>
+            <a:spLocks noGrp="1"/>
+          </p:cNvSpPr>
+          <p:nvPr>
+            <p:ph idx="1"/>
+          </p:nvPr>
+        </p:nvSpPr>
+        <p:spPr>
+          <a:xfrm>
+            <a:off x="762000" y="983456"/>
+            <a:ext cx="6800850" cy="4674394"/>
+          </a:xfrm>
+        </p:spPr>
+        <p:txBody>
+          <a:bodyPr/>
+          <a:lstStyle/>
+          <a:p>
+            <a:r>
+              <a:rPr lang="en-US" sz="2400" dirty="0"/>
+              <a:t>Many factors determine employment in a given month</a:t>
+            </a:r>
+          </a:p>
+          <a:p>
+            <a:r>
+              <a:rPr lang="en-US" sz="2400" dirty="0"/>
+              <a:t>One of the most important is where we are in the business cycle (i.e., are we in a recession?) </a:t>
+            </a:r>
+          </a:p>
+          <a:p>
+            <a:pPr lvl="1"/>
+            <a:r>
+              <a:rPr lang="en-US" sz="1800" dirty="0"/>
+              <a:t>Recessions are cyclical, but don’t have a specific periodicity</a:t>
+            </a:r>
+          </a:p>
+          <a:p>
+            <a:r>
+              <a:rPr lang="en-US" sz="2400" dirty="0"/>
+              <a:t>Thus, a curve fitting model might be most suitable – STL – where every cycle may not have the same period.</a:t>
+            </a:r>
+          </a:p>
+        </p:txBody>
+      </p:sp>
+      <p:sp>
+        <p:nvSpPr>
+          <p:cNvPr id="5" name="Date Placeholder 4"/>
+          <p:cNvSpPr>
+            <a:spLocks noGrp="1"/>
+          </p:cNvSpPr>
+          <p:nvPr>
+            <p:ph type="dt" sz="half" idx="10"/>
+          </p:nvPr>
+        </p:nvSpPr>
+        <p:spPr/>
+        <p:txBody>
+          <a:bodyPr/>
+          <a:lstStyle/>
+          <a:p>
+            <a:fld id="{7836101D-EE4F-E14F-B986-E9B4B91F2B37}" type="datetime1">
+              <a:rPr lang="en-US" smtClean="0"/>
+              <a:pPr/>
+              <a:t>6/4/21</a:t>
+            </a:fld>
+            <a:endParaRPr lang="en-US"/>
+          </a:p>
+        </p:txBody>
+      </p:sp>
+      <p:sp>
+        <p:nvSpPr>
+          <p:cNvPr id="6" name="Slide Number Placeholder 5"/>
+          <p:cNvSpPr>
+            <a:spLocks noGrp="1"/>
+          </p:cNvSpPr>
+          <p:nvPr>
+            <p:ph type="sldNum" sz="quarter" idx="12"/>
+          </p:nvPr>
+        </p:nvSpPr>
+        <p:spPr/>
+        <p:txBody>
+          <a:bodyPr/>
+          <a:lstStyle/>
+          <a:p>
+            <a:fld id="{ACECC8D6-1311-6F42-B063-A331488CED07}" type="slidenum">
+              <a:rPr lang="en-US" smtClean="0"/>
+              <a:pPr/>
+              <a:t>2</a:t>
+            </a:fld>
+            <a:endParaRPr lang="en-US"/>
+          </a:p>
+        </p:txBody>
+      </p:sp>
+      <p:sp>
+        <p:nvSpPr>
+          <p:cNvPr id="7" name="Footer Placeholder 6"/>
+          <p:cNvSpPr>
+            <a:spLocks noGrp="1"/>
+          </p:cNvSpPr>
+          <p:nvPr>
+            <p:ph type="ftr" sz="quarter" idx="11"/>
+          </p:nvPr>
+        </p:nvSpPr>
+        <p:spPr/>
+        <p:txBody>
+          <a:bodyPr/>
+          <a:lstStyle/>
+          <a:p>
+            <a:r>
+              <a:rPr lang="en-US"/>
+              <a:t>[Click “View &gt; Header and Footer” to Edit]</a:t>
+            </a:r>
+          </a:p>
+        </p:txBody>
+      </p:sp>
+      <p:pic>
+        <p:nvPicPr>
+          <p:cNvPr id="2" name="Picture 1"/>
+          <p:cNvPicPr>
+            <a:picLocks noChangeAspect="1"/>
+          </p:cNvPicPr>
+          <p:nvPr/>
+        </p:nvPicPr>
+        <p:blipFill>
+          <a:blip r:embed="rId2"/>
+          <a:stretch>
+            <a:fillRect/>
+          </a:stretch>
+        </p:blipFill>
+        <p:spPr>
+          <a:xfrm>
+            <a:off x="8491537" y="295274"/>
+            <a:ext cx="3193234" cy="2638425"/>
+          </a:xfrm>
+          <a:prstGeom prst="rect">
+            <a:avLst/>
+          </a:prstGeom>
+        </p:spPr>
+      </p:pic>
+      <p:pic>
+        <p:nvPicPr>
+          <p:cNvPr id="10" name="Picture 9"/>
+          <p:cNvPicPr>
+            <a:picLocks noChangeAspect="1"/>
+          </p:cNvPicPr>
+          <p:nvPr/>
+        </p:nvPicPr>
+        <p:blipFill>
+          <a:blip r:embed="rId3"/>
+          <a:stretch>
+            <a:fillRect/>
+          </a:stretch>
+        </p:blipFill>
+        <p:spPr>
+          <a:xfrm>
+            <a:off x="8208146" y="3743325"/>
+            <a:ext cx="3476625" cy="2019300"/>
+          </a:xfrm>
+          <a:prstGeom prst="rect">
+            <a:avLst/>
+          </a:prstGeom>
+        </p:spPr>
+      </p:pic>
+    </p:spTree>
+    <p:extLst>
+      <p:ext uri="{BB962C8B-B14F-4D97-AF65-F5344CB8AC3E}">
+        <p14:creationId xmlns:p14="http://schemas.microsoft.com/office/powerpoint/2010/main" val="230664648"/>
+      </p:ext>
+    </p:extLst>
+  </p:cSld>
+  <p:clrMapOvr>
+    <a:masterClrMapping/>
+  </p:clrMapOvr>
+</p:sld>
+</file>
+
+<file path=ppt/slides/slide4.xml><?xml version="1.0" encoding="utf-8"?>
+<p:sld xmlns:a="http://schemas.openxmlformats.org/drawingml/2006/main" xmlns:r="http://schemas.openxmlformats.org/officeDocument/2006/relationships" xmlns:p="http://schemas.openxmlformats.org/presentationml/2006/main">
+  <p:cSld>
+    <p:spTree>
+      <p:nvGrpSpPr>
+        <p:cNvPr id="1" name=""/>
+        <p:cNvGrpSpPr/>
+        <p:nvPr/>
+      </p:nvGrpSpPr>
+      <p:grpSpPr>
+        <a:xfrm>
+          <a:off x="0" y="0"/>
+          <a:ext cx="0" cy="0"/>
+          <a:chOff x="0" y="0"/>
+          <a:chExt cx="0" cy="0"/>
+        </a:xfrm>
+      </p:grpSpPr>
+      <p:sp>
+        <p:nvSpPr>
+          <p:cNvPr id="3" name="Title 2"/>
+          <p:cNvSpPr>
+            <a:spLocks noGrp="1"/>
+          </p:cNvSpPr>
+          <p:nvPr>
+            <p:ph type="title"/>
+          </p:nvPr>
+        </p:nvSpPr>
+        <p:spPr>
+          <a:xfrm>
+            <a:off x="85724" y="289803"/>
+            <a:ext cx="8524876" cy="619919"/>
+          </a:xfrm>
+        </p:spPr>
+        <p:txBody>
+          <a:bodyPr>
+            <a:normAutofit fontScale="90000"/>
+          </a:bodyPr>
+          <a:lstStyle/>
+          <a:p>
+            <a:r>
+              <a:rPr lang="en-US" sz="2800" dirty="0"/>
+              <a:t>Data properties, processing &amp; Feature engineering</a:t>
+            </a:r>
+          </a:p>
+        </p:txBody>
+      </p:sp>
+      <p:sp>
+        <p:nvSpPr>
+          <p:cNvPr id="4" name="Content Placeholder 3"/>
+          <p:cNvSpPr>
+            <a:spLocks noGrp="1"/>
+          </p:cNvSpPr>
+          <p:nvPr>
+            <p:ph idx="1"/>
+          </p:nvPr>
+        </p:nvSpPr>
+        <p:spPr>
+          <a:xfrm>
+            <a:off x="762000" y="983456"/>
+            <a:ext cx="6800850" cy="4674394"/>
+          </a:xfrm>
+        </p:spPr>
+        <p:txBody>
+          <a:bodyPr/>
+          <a:lstStyle/>
+          <a:p>
+            <a:r>
+              <a:rPr lang="en-US" sz="2400" dirty="0"/>
+              <a:t>We pull all of the necessary data from FRED</a:t>
+            </a:r>
+          </a:p>
+          <a:p>
+            <a:pPr lvl="1"/>
+            <a:r>
+              <a:rPr lang="en-US" sz="2000" dirty="0"/>
+              <a:t>The Federal Reserve Bank of St. Louis’ widely used data base and API</a:t>
+            </a:r>
+          </a:p>
+          <a:p>
+            <a:pPr lvl="1"/>
+            <a:r>
+              <a:rPr lang="en-US" sz="2000" dirty="0"/>
+              <a:t>Series history going back to 1940</a:t>
+            </a:r>
+          </a:p>
+          <a:p>
+            <a:r>
+              <a:rPr lang="en-US" dirty="0"/>
+              <a:t>The </a:t>
+            </a:r>
+            <a:r>
+              <a:rPr lang="en-US" i="1" dirty="0"/>
+              <a:t>level </a:t>
+            </a:r>
+            <a:r>
+              <a:rPr lang="en-US" dirty="0"/>
+              <a:t>of employment is clearly non-stationary</a:t>
+            </a:r>
+          </a:p>
+          <a:p>
+            <a:pPr lvl="1"/>
+            <a:r>
+              <a:rPr lang="en-US" dirty="0"/>
+              <a:t>Strong upward drift</a:t>
+            </a:r>
+          </a:p>
+          <a:p>
+            <a:pPr lvl="1"/>
+            <a:r>
+              <a:rPr lang="en-US" dirty="0"/>
+              <a:t>Seasonal component</a:t>
+            </a:r>
+          </a:p>
+          <a:p>
+            <a:pPr lvl="1"/>
+            <a:r>
+              <a:rPr lang="en-US" dirty="0"/>
+              <a:t>Cyclical component – where cycles are of undefined periodicity</a:t>
+            </a:r>
+          </a:p>
+          <a:p>
+            <a:r>
+              <a:rPr lang="en-US" sz="2400" dirty="0"/>
+              <a:t>But the first difference &amp; log first difference are stationary</a:t>
+            </a:r>
+          </a:p>
+          <a:p>
+            <a:endParaRPr lang="en-US" sz="2400" dirty="0"/>
+          </a:p>
+        </p:txBody>
+      </p:sp>
+      <p:sp>
+        <p:nvSpPr>
+          <p:cNvPr id="5" name="Date Placeholder 4"/>
+          <p:cNvSpPr>
+            <a:spLocks noGrp="1"/>
+          </p:cNvSpPr>
+          <p:nvPr>
+            <p:ph type="dt" sz="half" idx="10"/>
+          </p:nvPr>
+        </p:nvSpPr>
+        <p:spPr/>
+        <p:txBody>
+          <a:bodyPr/>
+          <a:lstStyle/>
+          <a:p>
+            <a:fld id="{7836101D-EE4F-E14F-B986-E9B4B91F2B37}" type="datetime1">
+              <a:rPr lang="en-US" smtClean="0"/>
+              <a:pPr/>
+              <a:t>6/4/21</a:t>
+            </a:fld>
+            <a:endParaRPr lang="en-US"/>
+          </a:p>
+        </p:txBody>
+      </p:sp>
+      <p:sp>
+        <p:nvSpPr>
+          <p:cNvPr id="6" name="Slide Number Placeholder 5"/>
+          <p:cNvSpPr>
+            <a:spLocks noGrp="1"/>
+          </p:cNvSpPr>
+          <p:nvPr>
+            <p:ph type="sldNum" sz="quarter" idx="12"/>
+          </p:nvPr>
+        </p:nvSpPr>
+        <p:spPr/>
+        <p:txBody>
+          <a:bodyPr/>
+          <a:lstStyle/>
+          <a:p>
+            <a:fld id="{ACECC8D6-1311-6F42-B063-A331488CED07}" type="slidenum">
+              <a:rPr lang="en-US" smtClean="0"/>
+              <a:pPr/>
+              <a:t>3</a:t>
+            </a:fld>
+            <a:endParaRPr lang="en-US"/>
+          </a:p>
+        </p:txBody>
+      </p:sp>
+      <p:sp>
+        <p:nvSpPr>
+          <p:cNvPr id="7" name="Footer Placeholder 6"/>
+          <p:cNvSpPr>
+            <a:spLocks noGrp="1"/>
+          </p:cNvSpPr>
+          <p:nvPr>
+            <p:ph type="ftr" sz="quarter" idx="11"/>
+          </p:nvPr>
+        </p:nvSpPr>
+        <p:spPr/>
+        <p:txBody>
+          <a:bodyPr/>
+          <a:lstStyle/>
+          <a:p>
+            <a:r>
+              <a:rPr lang="en-US"/>
+              <a:t>[Click “View &gt; Header and Footer” to Edit]</a:t>
+            </a:r>
+          </a:p>
+        </p:txBody>
+      </p:sp>
+      <p:sp>
+        <p:nvSpPr>
+          <p:cNvPr id="8" name="TextBox 7"/>
+          <p:cNvSpPr txBox="1"/>
+          <p:nvPr/>
+        </p:nvSpPr>
+        <p:spPr>
+          <a:xfrm>
+            <a:off x="8458200" y="363537"/>
+            <a:ext cx="3362325" cy="523220"/>
+          </a:xfrm>
+          <a:prstGeom prst="rect">
+            <a:avLst/>
+          </a:prstGeom>
+          <a:noFill/>
+        </p:spPr>
+        <p:txBody>
+          <a:bodyPr wrap="square" rtlCol="0">
+            <a:spAutoFit/>
+          </a:bodyPr>
+          <a:lstStyle/>
+          <a:p>
+            <a:endParaRPr lang="en-US" sz="1400" dirty="0"/>
+          </a:p>
+          <a:p>
+            <a:endParaRPr lang="en-US" sz="1400" dirty="0"/>
+          </a:p>
+        </p:txBody>
+      </p:sp>
+      <p:pic>
+        <p:nvPicPr>
+          <p:cNvPr id="2" name="Picture 1"/>
+          <p:cNvPicPr>
+            <a:picLocks noChangeAspect="1"/>
+          </p:cNvPicPr>
+          <p:nvPr/>
+        </p:nvPicPr>
+        <p:blipFill>
+          <a:blip r:embed="rId2"/>
+          <a:stretch>
+            <a:fillRect/>
+          </a:stretch>
+        </p:blipFill>
+        <p:spPr>
+          <a:xfrm>
+            <a:off x="8610600" y="269845"/>
+            <a:ext cx="2628900" cy="1123950"/>
+          </a:xfrm>
+          <a:prstGeom prst="rect">
+            <a:avLst/>
+          </a:prstGeom>
+        </p:spPr>
+      </p:pic>
+      <p:pic>
+        <p:nvPicPr>
+          <p:cNvPr id="9" name="Picture 8"/>
+          <p:cNvPicPr>
+            <a:picLocks noChangeAspect="1"/>
+          </p:cNvPicPr>
+          <p:nvPr/>
+        </p:nvPicPr>
+        <p:blipFill>
+          <a:blip r:embed="rId3"/>
+          <a:stretch>
+            <a:fillRect/>
+          </a:stretch>
+        </p:blipFill>
+        <p:spPr>
+          <a:xfrm>
+            <a:off x="8125439" y="3320653"/>
+            <a:ext cx="3789721" cy="2762387"/>
+          </a:xfrm>
+          <a:prstGeom prst="rect">
+            <a:avLst/>
+          </a:prstGeom>
+        </p:spPr>
+      </p:pic>
+      <p:pic>
+        <p:nvPicPr>
+          <p:cNvPr id="10" name="Picture 9"/>
+          <p:cNvPicPr>
+            <a:picLocks noChangeAspect="1"/>
+          </p:cNvPicPr>
+          <p:nvPr/>
+        </p:nvPicPr>
+        <p:blipFill>
+          <a:blip r:embed="rId4"/>
+          <a:stretch>
+            <a:fillRect/>
+          </a:stretch>
+        </p:blipFill>
+        <p:spPr>
+          <a:xfrm>
+            <a:off x="8139113" y="1552605"/>
+            <a:ext cx="3681412" cy="2438338"/>
+          </a:xfrm>
+          <a:prstGeom prst="rect">
+            <a:avLst/>
+          </a:prstGeom>
+        </p:spPr>
+      </p:pic>
+    </p:spTree>
+    <p:extLst>
+      <p:ext uri="{BB962C8B-B14F-4D97-AF65-F5344CB8AC3E}">
+        <p14:creationId xmlns:p14="http://schemas.microsoft.com/office/powerpoint/2010/main" val="353151851"/>
+      </p:ext>
+    </p:extLst>
+  </p:cSld>
+  <p:clrMapOvr>
+    <a:masterClrMapping/>
+  </p:clrMapOvr>
+</p:sld>
+</file>
+
+<file path=ppt/slides/slide5.xml><?xml version="1.0" encoding="utf-8"?>
+<p:sld xmlns:a="http://schemas.openxmlformats.org/drawingml/2006/main" xmlns:r="http://schemas.openxmlformats.org/officeDocument/2006/relationships" xmlns:p="http://schemas.openxmlformats.org/presentationml/2006/main">
+  <p:cSld>
+    <p:spTree>
+      <p:nvGrpSpPr>
+        <p:cNvPr id="1" name=""/>
+        <p:cNvGrpSpPr/>
+        <p:nvPr/>
+      </p:nvGrpSpPr>
+      <p:grpSpPr>
+        <a:xfrm>
+          <a:off x="0" y="0"/>
+          <a:ext cx="0" cy="0"/>
+          <a:chOff x="0" y="0"/>
+          <a:chExt cx="0" cy="0"/>
+        </a:xfrm>
+      </p:grpSpPr>
+      <p:sp>
+        <p:nvSpPr>
+          <p:cNvPr id="3" name="Title 2"/>
+          <p:cNvSpPr>
+            <a:spLocks noGrp="1"/>
+          </p:cNvSpPr>
+          <p:nvPr>
+            <p:ph type="title"/>
+          </p:nvPr>
+        </p:nvSpPr>
+        <p:spPr/>
+        <p:txBody>
+          <a:bodyPr/>
+          <a:lstStyle/>
+          <a:p>
+            <a:r>
+              <a:rPr lang="en-US" dirty="0"/>
+              <a:t>Statistical model </a:t>
+            </a:r>
+          </a:p>
+        </p:txBody>
+      </p:sp>
+      <p:sp>
+        <p:nvSpPr>
+          <p:cNvPr id="4" name="Content Placeholder 3"/>
+          <p:cNvSpPr>
+            <a:spLocks noGrp="1"/>
+          </p:cNvSpPr>
+          <p:nvPr>
+            <p:ph idx="1"/>
+          </p:nvPr>
+        </p:nvSpPr>
+        <p:spPr>
+          <a:xfrm>
+            <a:off x="762000" y="1194499"/>
+            <a:ext cx="6629400" cy="3392551"/>
+          </a:xfrm>
+        </p:spPr>
+        <p:txBody>
+          <a:bodyPr/>
+          <a:lstStyle/>
+          <a:p>
+            <a:r>
+              <a:rPr lang="en-US" sz="2000" dirty="0"/>
+              <a:t>We use a VAR(2) of employment, the Chicago Fed Financial Conditions Index, Industrial Production, Population, the ten-year Treasury yield, the 2-10 yield spread, the price level, and a binary recession indicator. </a:t>
+            </a:r>
+          </a:p>
+          <a:p>
+            <a:r>
+              <a:rPr lang="en-US" sz="2000" dirty="0"/>
+              <a:t>Back-testing this method, we find it is relatively accurate. It projected 2.2 million jobs added in 2019, compared to the actual 1.8. </a:t>
+            </a:r>
+          </a:p>
+          <a:p>
+            <a:r>
+              <a:rPr lang="en-US" sz="2000" dirty="0"/>
+              <a:t>However, the forward-looking forecasts projects the economy to lose 1.6 million jobs over the next year, which is extremely unlikely. </a:t>
+            </a:r>
+          </a:p>
+          <a:p>
+            <a:r>
+              <a:rPr lang="en-US" sz="2000" dirty="0"/>
+              <a:t>Here we see the shock of COVID making this a poor model. </a:t>
+            </a:r>
+          </a:p>
+          <a:p>
+            <a:endParaRPr lang="en-US" dirty="0"/>
+          </a:p>
+        </p:txBody>
+      </p:sp>
+      <p:sp>
+        <p:nvSpPr>
+          <p:cNvPr id="5" name="Date Placeholder 4"/>
+          <p:cNvSpPr>
+            <a:spLocks noGrp="1"/>
+          </p:cNvSpPr>
+          <p:nvPr>
+            <p:ph type="dt" sz="half" idx="10"/>
+          </p:nvPr>
+        </p:nvSpPr>
+        <p:spPr/>
+        <p:txBody>
+          <a:bodyPr/>
+          <a:lstStyle/>
+          <a:p>
+            <a:fld id="{7836101D-EE4F-E14F-B986-E9B4B91F2B37}" type="datetime1">
+              <a:rPr lang="en-US" smtClean="0"/>
+              <a:pPr/>
+              <a:t>6/4/21</a:t>
+            </a:fld>
+            <a:endParaRPr lang="en-US"/>
+          </a:p>
+        </p:txBody>
+      </p:sp>
+      <p:sp>
+        <p:nvSpPr>
+          <p:cNvPr id="6" name="Slide Number Placeholder 5"/>
+          <p:cNvSpPr>
+            <a:spLocks noGrp="1"/>
+          </p:cNvSpPr>
+          <p:nvPr>
+            <p:ph type="sldNum" sz="quarter" idx="12"/>
+          </p:nvPr>
+        </p:nvSpPr>
+        <p:spPr/>
+        <p:txBody>
+          <a:bodyPr/>
+          <a:lstStyle/>
+          <a:p>
+            <a:fld id="{ACECC8D6-1311-6F42-B063-A331488CED07}" type="slidenum">
+              <a:rPr lang="en-US" smtClean="0"/>
+              <a:pPr/>
+              <a:t>4</a:t>
+            </a:fld>
+            <a:endParaRPr lang="en-US"/>
+          </a:p>
+        </p:txBody>
+      </p:sp>
+      <p:sp>
+        <p:nvSpPr>
+          <p:cNvPr id="7" name="Footer Placeholder 6"/>
+          <p:cNvSpPr>
+            <a:spLocks noGrp="1"/>
+          </p:cNvSpPr>
+          <p:nvPr>
+            <p:ph type="ftr" sz="quarter" idx="11"/>
+          </p:nvPr>
+        </p:nvSpPr>
+        <p:spPr/>
+        <p:txBody>
+          <a:bodyPr/>
+          <a:lstStyle/>
+          <a:p>
+            <a:r>
+              <a:rPr lang="en-US"/>
+              <a:t>[Click “View &gt; Header and Footer” to Edit]</a:t>
+            </a:r>
+          </a:p>
+        </p:txBody>
+      </p:sp>
+      <p:pic>
+        <p:nvPicPr>
+          <p:cNvPr id="19" name="Picture 18" descr="Chart&#10;&#10;Description automatically generated">
+            <a:extLst>
+              <a:ext uri="{FF2B5EF4-FFF2-40B4-BE49-F238E27FC236}">
+                <a16:creationId xmlns:a16="http://schemas.microsoft.com/office/drawing/2014/main" id="{652347DC-2251-524B-B156-5AA0BAD77B48}"/>
+              </a:ext>
+            </a:extLst>
+          </p:cNvPr>
+          <p:cNvPicPr>
+            <a:picLocks noChangeAspect="1"/>
+          </p:cNvPicPr>
+          <p:nvPr/>
+        </p:nvPicPr>
+        <p:blipFill>
+          <a:blip r:embed="rId2"/>
+          <a:stretch>
+            <a:fillRect/>
+          </a:stretch>
+        </p:blipFill>
+        <p:spPr>
+          <a:xfrm>
+            <a:off x="7201806" y="638629"/>
+            <a:ext cx="4955673" cy="2654577"/>
+          </a:xfrm>
+          <a:prstGeom prst="rect">
+            <a:avLst/>
+          </a:prstGeom>
+        </p:spPr>
+      </p:pic>
+      <p:sp>
+        <p:nvSpPr>
+          <p:cNvPr id="20" name="TextBox 19">
+            <a:extLst>
+              <a:ext uri="{FF2B5EF4-FFF2-40B4-BE49-F238E27FC236}">
+                <a16:creationId xmlns:a16="http://schemas.microsoft.com/office/drawing/2014/main" id="{633D4770-8B1F-244A-AE95-7E9E227FCE44}"/>
+              </a:ext>
+            </a:extLst>
+          </p:cNvPr>
+          <p:cNvSpPr txBox="1"/>
+          <p:nvPr/>
+        </p:nvSpPr>
+        <p:spPr>
+          <a:xfrm>
+            <a:off x="8824632" y="3329735"/>
+            <a:ext cx="1710020" cy="369332"/>
+          </a:xfrm>
+          <a:prstGeom prst="rect">
+            <a:avLst/>
+          </a:prstGeom>
+          <a:noFill/>
+        </p:spPr>
+        <p:txBody>
+          <a:bodyPr wrap="none" rtlCol="0">
+            <a:spAutoFit/>
+          </a:bodyPr>
+          <a:lstStyle/>
+          <a:p>
+            <a:r>
+              <a:rPr lang="en-US" dirty="0"/>
+              <a:t>Vs. Back-tested: </a:t>
+            </a:r>
+          </a:p>
+        </p:txBody>
+      </p:sp>
+      <p:pic>
+        <p:nvPicPr>
+          <p:cNvPr id="22" name="Picture 21" descr="Chart, line chart&#10;&#10;Description automatically generated">
+            <a:extLst>
+              <a:ext uri="{FF2B5EF4-FFF2-40B4-BE49-F238E27FC236}">
+                <a16:creationId xmlns:a16="http://schemas.microsoft.com/office/drawing/2014/main" id="{C3A1F621-28F6-FE40-A2D9-D7E8E776F273}"/>
+              </a:ext>
+            </a:extLst>
+          </p:cNvPr>
+          <p:cNvPicPr>
+            <a:picLocks noChangeAspect="1"/>
+          </p:cNvPicPr>
+          <p:nvPr/>
+        </p:nvPicPr>
+        <p:blipFill rotWithShape="1">
+          <a:blip r:embed="rId3"/>
+          <a:srcRect b="6927"/>
+          <a:stretch/>
+        </p:blipFill>
+        <p:spPr>
+          <a:xfrm>
+            <a:off x="7201805" y="3735596"/>
+            <a:ext cx="5022225" cy="2620754"/>
+          </a:xfrm>
+          <a:prstGeom prst="rect">
+            <a:avLst/>
+          </a:prstGeom>
+        </p:spPr>
+      </p:pic>
+    </p:spTree>
+    <p:extLst>
+      <p:ext uri="{BB962C8B-B14F-4D97-AF65-F5344CB8AC3E}">
+        <p14:creationId xmlns:p14="http://schemas.microsoft.com/office/powerpoint/2010/main" val="1053635246"/>
+      </p:ext>
+    </p:extLst>
+  </p:cSld>
+  <p:clrMapOvr>
+    <a:masterClrMapping/>
+  </p:clrMapOvr>
+</p:sld>
+</file>
+
+<file path=ppt/slides/slide6.xml><?xml version="1.0" encoding="utf-8"?>
+<p:sld xmlns:a="http://schemas.openxmlformats.org/drawingml/2006/main" xmlns:r="http://schemas.openxmlformats.org/officeDocument/2006/relationships" xmlns:p="http://schemas.openxmlformats.org/presentationml/2006/main">
+  <p:cSld>
+    <p:spTree>
+      <p:nvGrpSpPr>
+        <p:cNvPr id="1" name=""/>
+        <p:cNvGrpSpPr/>
+        <p:nvPr/>
+      </p:nvGrpSpPr>
+      <p:grpSpPr>
+        <a:xfrm>
+          <a:off x="0" y="0"/>
+          <a:ext cx="0" cy="0"/>
+          <a:chOff x="0" y="0"/>
+          <a:chExt cx="0" cy="0"/>
+        </a:xfrm>
+      </p:grpSpPr>
+      <p:sp>
+        <p:nvSpPr>
+          <p:cNvPr id="3" name="Title 2"/>
+          <p:cNvSpPr>
+            <a:spLocks noGrp="1"/>
+          </p:cNvSpPr>
+          <p:nvPr>
+            <p:ph type="title"/>
+          </p:nvPr>
+        </p:nvSpPr>
+        <p:spPr/>
+        <p:txBody>
+          <a:bodyPr/>
+          <a:lstStyle/>
+          <a:p>
+            <a:r>
+              <a:rPr lang="en-US" dirty="0"/>
+              <a:t>Curve fitting model</a:t>
+            </a:r>
+          </a:p>
+        </p:txBody>
+      </p:sp>
+      <p:sp>
+        <p:nvSpPr>
+          <p:cNvPr id="4" name="Content Placeholder 3"/>
+          <p:cNvSpPr>
+            <a:spLocks noGrp="1"/>
+          </p:cNvSpPr>
+          <p:nvPr>
+            <p:ph idx="1"/>
+          </p:nvPr>
+        </p:nvSpPr>
+        <p:spPr>
+          <a:xfrm>
+            <a:off x="533400" y="1295273"/>
+            <a:ext cx="6629400" cy="3445622"/>
+          </a:xfrm>
+        </p:spPr>
+        <p:txBody>
+          <a:bodyPr/>
+          <a:lstStyle/>
+          <a:p>
+            <a:r>
+              <a:rPr lang="en-US" sz="2000" dirty="0"/>
+              <a:t>Seasonal Trend decomposition using Loess (STL)</a:t>
+            </a:r>
+          </a:p>
+          <a:p>
+            <a:pPr lvl="1"/>
+            <a:r>
+              <a:rPr lang="en-US" sz="1800" dirty="0"/>
+              <a:t>Employment depends on many factors, one being business cycles/recessions</a:t>
+            </a:r>
+          </a:p>
+          <a:p>
+            <a:pPr lvl="1"/>
+            <a:r>
+              <a:rPr lang="en-US" sz="1800" dirty="0"/>
+              <a:t>Not all have the same period/seasonal component fluctuates over time</a:t>
+            </a:r>
+          </a:p>
+          <a:p>
+            <a:pPr lvl="1"/>
+            <a:r>
+              <a:rPr lang="en-US" sz="1800" dirty="0"/>
+              <a:t>Makes this a good candidate </a:t>
+            </a:r>
+          </a:p>
+          <a:p>
+            <a:r>
+              <a:rPr lang="en-US" sz="2000" dirty="0"/>
+              <a:t>This model projected 2.2 million jobs added for 2019</a:t>
+            </a:r>
+          </a:p>
+          <a:p>
+            <a:pPr lvl="1"/>
+            <a:r>
+              <a:rPr lang="en-US" sz="1600" dirty="0"/>
+              <a:t>Versus actual change of 1.8 million</a:t>
+            </a:r>
+          </a:p>
+          <a:p>
+            <a:r>
+              <a:rPr lang="en-US" sz="2000" dirty="0"/>
+              <a:t>Projected 2.2 million for 2020</a:t>
+            </a:r>
+          </a:p>
+          <a:p>
+            <a:pPr lvl="1"/>
+            <a:r>
+              <a:rPr lang="en-US" sz="1600" dirty="0"/>
+              <a:t>Versus actual change of -9.7 million</a:t>
+            </a:r>
+          </a:p>
+          <a:p>
+            <a:r>
+              <a:rPr lang="en-US" sz="2000" dirty="0"/>
+              <a:t>Projected 0.9 million for 2021</a:t>
+            </a:r>
+          </a:p>
+          <a:p>
+            <a:pPr lvl="1"/>
+            <a:r>
+              <a:rPr lang="en-US" sz="1600" dirty="0"/>
+              <a:t>Versus actual change of 2.2 million</a:t>
+            </a:r>
+          </a:p>
+          <a:p>
+            <a:pPr marL="457200" lvl="1" indent="0">
+              <a:buNone/>
+            </a:pPr>
+            <a:endParaRPr lang="en-US" sz="1600" dirty="0"/>
+          </a:p>
+        </p:txBody>
+      </p:sp>
+      <p:sp>
+        <p:nvSpPr>
+          <p:cNvPr id="5" name="Date Placeholder 4"/>
+          <p:cNvSpPr>
+            <a:spLocks noGrp="1"/>
+          </p:cNvSpPr>
+          <p:nvPr>
+            <p:ph type="dt" sz="half" idx="10"/>
+          </p:nvPr>
+        </p:nvSpPr>
+        <p:spPr/>
+        <p:txBody>
+          <a:bodyPr/>
+          <a:lstStyle/>
+          <a:p>
+            <a:fld id="{7836101D-EE4F-E14F-B986-E9B4B91F2B37}" type="datetime1">
+              <a:rPr lang="en-US" smtClean="0"/>
+              <a:pPr/>
+              <a:t>6/4/21</a:t>
+            </a:fld>
+            <a:endParaRPr lang="en-US"/>
+          </a:p>
+        </p:txBody>
+      </p:sp>
+      <p:sp>
+        <p:nvSpPr>
+          <p:cNvPr id="6" name="Slide Number Placeholder 5"/>
+          <p:cNvSpPr>
+            <a:spLocks noGrp="1"/>
+          </p:cNvSpPr>
+          <p:nvPr>
+            <p:ph type="sldNum" sz="quarter" idx="12"/>
+          </p:nvPr>
+        </p:nvSpPr>
+        <p:spPr/>
+        <p:txBody>
+          <a:bodyPr/>
+          <a:lstStyle/>
+          <a:p>
+            <a:fld id="{ACECC8D6-1311-6F42-B063-A331488CED07}" type="slidenum">
+              <a:rPr lang="en-US" smtClean="0"/>
+              <a:pPr/>
+              <a:t>5</a:t>
+            </a:fld>
+            <a:endParaRPr lang="en-US"/>
+          </a:p>
+        </p:txBody>
+      </p:sp>
+      <p:sp>
+        <p:nvSpPr>
+          <p:cNvPr id="7" name="Footer Placeholder 6"/>
+          <p:cNvSpPr>
+            <a:spLocks noGrp="1"/>
+          </p:cNvSpPr>
+          <p:nvPr>
+            <p:ph type="ftr" sz="quarter" idx="11"/>
+          </p:nvPr>
+        </p:nvSpPr>
+        <p:spPr/>
+        <p:txBody>
+          <a:bodyPr/>
+          <a:lstStyle/>
+          <a:p>
+            <a:r>
+              <a:rPr lang="en-US"/>
+              <a:t>[Click “View &gt; Header and Footer” to Edit]</a:t>
+            </a:r>
+          </a:p>
+        </p:txBody>
+      </p:sp>
+      <p:pic>
+        <p:nvPicPr>
+          <p:cNvPr id="10" name="Picture 9"/>
+          <p:cNvPicPr>
+            <a:picLocks noChangeAspect="1"/>
+          </p:cNvPicPr>
+          <p:nvPr/>
+        </p:nvPicPr>
+        <p:blipFill>
+          <a:blip r:embed="rId2"/>
+          <a:stretch>
+            <a:fillRect/>
+          </a:stretch>
+        </p:blipFill>
+        <p:spPr>
+          <a:xfrm>
+            <a:off x="7200900" y="300544"/>
+            <a:ext cx="5162550" cy="3255461"/>
+          </a:xfrm>
+          <a:prstGeom prst="rect">
+            <a:avLst/>
+          </a:prstGeom>
+        </p:spPr>
+      </p:pic>
+      <p:pic>
+        <p:nvPicPr>
+          <p:cNvPr id="11" name="Picture 10"/>
+          <p:cNvPicPr>
+            <a:picLocks noChangeAspect="1"/>
+          </p:cNvPicPr>
+          <p:nvPr/>
+        </p:nvPicPr>
+        <p:blipFill>
+          <a:blip r:embed="rId3"/>
+          <a:stretch>
+            <a:fillRect/>
+          </a:stretch>
+        </p:blipFill>
+        <p:spPr>
+          <a:xfrm>
+            <a:off x="7200901" y="3653131"/>
+            <a:ext cx="4152900" cy="2898629"/>
+          </a:xfrm>
+          <a:prstGeom prst="rect">
+            <a:avLst/>
+          </a:prstGeom>
+        </p:spPr>
+      </p:pic>
+    </p:spTree>
+    <p:extLst>
+      <p:ext uri="{BB962C8B-B14F-4D97-AF65-F5344CB8AC3E}">
+        <p14:creationId xmlns:p14="http://schemas.microsoft.com/office/powerpoint/2010/main" val="3134321163"/>
+      </p:ext>
+    </p:extLst>
+  </p:cSld>
+  <p:clrMapOvr>
+    <a:masterClrMapping/>
+  </p:clrMapOvr>
+</p:sld>
+</file>
+
+<file path=ppt/slides/slide7.xml><?xml version="1.0" encoding="utf-8"?>
+<p:sld xmlns:a="http://schemas.openxmlformats.org/drawingml/2006/main" xmlns:r="http://schemas.openxmlformats.org/officeDocument/2006/relationships" xmlns:p="http://schemas.openxmlformats.org/presentationml/2006/main">
+  <p:cSld>
+    <p:spTree>
+      <p:nvGrpSpPr>
+        <p:cNvPr id="1" name=""/>
+        <p:cNvGrpSpPr/>
+        <p:nvPr/>
+      </p:nvGrpSpPr>
+      <p:grpSpPr>
+        <a:xfrm>
+          <a:off x="0" y="0"/>
+          <a:ext cx="0" cy="0"/>
+          <a:chOff x="0" y="0"/>
+          <a:chExt cx="0" cy="0"/>
+        </a:xfrm>
+      </p:grpSpPr>
+      <p:sp>
+        <p:nvSpPr>
+          <p:cNvPr id="3" name="Title 2"/>
+          <p:cNvSpPr>
+            <a:spLocks noGrp="1"/>
+          </p:cNvSpPr>
+          <p:nvPr>
+            <p:ph type="title"/>
+          </p:nvPr>
+        </p:nvSpPr>
+        <p:spPr/>
+        <p:txBody>
+          <a:bodyPr/>
+          <a:lstStyle/>
+          <a:p>
+            <a:r>
+              <a:rPr lang="en-US" dirty="0"/>
+              <a:t>STL decomposition</a:t>
+            </a:r>
+          </a:p>
+        </p:txBody>
+      </p:sp>
+      <p:pic>
+        <p:nvPicPr>
+          <p:cNvPr id="8" name="Content Placeholder 7"/>
+          <p:cNvPicPr>
+            <a:picLocks noGrp="1" noChangeAspect="1"/>
+          </p:cNvPicPr>
+          <p:nvPr>
+            <p:ph idx="1"/>
+          </p:nvPr>
+        </p:nvPicPr>
+        <p:blipFill>
+          <a:blip r:embed="rId2"/>
+          <a:stretch>
+            <a:fillRect/>
+          </a:stretch>
+        </p:blipFill>
+        <p:spPr>
+          <a:xfrm>
+            <a:off x="171449" y="1689100"/>
+            <a:ext cx="5672545" cy="3561641"/>
+          </a:xfrm>
+          <a:prstGeom prst="rect">
+            <a:avLst/>
+          </a:prstGeom>
+        </p:spPr>
+      </p:pic>
+      <p:sp>
+        <p:nvSpPr>
+          <p:cNvPr id="5" name="Date Placeholder 4"/>
+          <p:cNvSpPr>
+            <a:spLocks noGrp="1"/>
+          </p:cNvSpPr>
+          <p:nvPr>
+            <p:ph type="dt" sz="half" idx="10"/>
+          </p:nvPr>
+        </p:nvSpPr>
+        <p:spPr/>
+        <p:txBody>
+          <a:bodyPr/>
+          <a:lstStyle/>
+          <a:p>
+            <a:fld id="{7836101D-EE4F-E14F-B986-E9B4B91F2B37}" type="datetime1">
+              <a:rPr lang="en-US" smtClean="0"/>
+              <a:pPr/>
+              <a:t>6/4/21</a:t>
+            </a:fld>
+            <a:endParaRPr lang="en-US"/>
+          </a:p>
+        </p:txBody>
+      </p:sp>
+      <p:sp>
+        <p:nvSpPr>
+          <p:cNvPr id="6" name="Slide Number Placeholder 5"/>
+          <p:cNvSpPr>
+            <a:spLocks noGrp="1"/>
+          </p:cNvSpPr>
+          <p:nvPr>
+            <p:ph type="sldNum" sz="quarter" idx="12"/>
+          </p:nvPr>
+        </p:nvSpPr>
+        <p:spPr/>
+        <p:txBody>
+          <a:bodyPr/>
+          <a:lstStyle/>
+          <a:p>
+            <a:fld id="{ACECC8D6-1311-6F42-B063-A331488CED07}" type="slidenum">
+              <a:rPr lang="en-US" smtClean="0"/>
+              <a:pPr/>
+              <a:t>6</a:t>
+            </a:fld>
+            <a:endParaRPr lang="en-US"/>
+          </a:p>
+        </p:txBody>
+      </p:sp>
+      <p:sp>
+        <p:nvSpPr>
+          <p:cNvPr id="7" name="Footer Placeholder 6"/>
+          <p:cNvSpPr>
+            <a:spLocks noGrp="1"/>
+          </p:cNvSpPr>
+          <p:nvPr>
+            <p:ph type="ftr" sz="quarter" idx="11"/>
+          </p:nvPr>
+        </p:nvSpPr>
+        <p:spPr/>
+        <p:txBody>
+          <a:bodyPr/>
+          <a:lstStyle/>
+          <a:p>
+            <a:r>
+              <a:rPr lang="en-US"/>
+              <a:t>[Click “View &gt; Header and Footer” to Edit]</a:t>
+            </a:r>
+          </a:p>
+        </p:txBody>
+      </p:sp>
+      <p:pic>
+        <p:nvPicPr>
+          <p:cNvPr id="9" name="Picture 8"/>
+          <p:cNvPicPr>
+            <a:picLocks noChangeAspect="1"/>
+          </p:cNvPicPr>
+          <p:nvPr/>
+        </p:nvPicPr>
+        <p:blipFill>
+          <a:blip r:embed="rId3"/>
+          <a:stretch>
+            <a:fillRect/>
+          </a:stretch>
+        </p:blipFill>
+        <p:spPr>
+          <a:xfrm>
+            <a:off x="5932049" y="1689100"/>
+            <a:ext cx="5720196" cy="3592512"/>
+          </a:xfrm>
+          <a:prstGeom prst="rect">
+            <a:avLst/>
+          </a:prstGeom>
+        </p:spPr>
+      </p:pic>
+      <p:sp>
+        <p:nvSpPr>
+          <p:cNvPr id="10" name="TextBox 9"/>
+          <p:cNvSpPr txBox="1"/>
+          <p:nvPr/>
+        </p:nvSpPr>
+        <p:spPr>
+          <a:xfrm>
+            <a:off x="381294" y="1319768"/>
+            <a:ext cx="3071799" cy="369332"/>
+          </a:xfrm>
+          <a:prstGeom prst="rect">
+            <a:avLst/>
+          </a:prstGeom>
+          <a:noFill/>
+        </p:spPr>
+        <p:txBody>
+          <a:bodyPr wrap="square" rtlCol="0">
+            <a:spAutoFit/>
+          </a:bodyPr>
+          <a:lstStyle/>
+          <a:p>
+            <a:r>
+              <a:rPr lang="en-US" dirty="0">
+                <a:solidFill>
+                  <a:schemeClr val="bg1"/>
+                </a:solidFill>
+              </a:rPr>
+              <a:t>Data through 2018</a:t>
+            </a:r>
+          </a:p>
+        </p:txBody>
+      </p:sp>
+      <p:sp>
+        <p:nvSpPr>
+          <p:cNvPr id="11" name="TextBox 10"/>
+          <p:cNvSpPr txBox="1"/>
+          <p:nvPr/>
+        </p:nvSpPr>
+        <p:spPr>
+          <a:xfrm>
+            <a:off x="5843994" y="1338302"/>
+            <a:ext cx="3071799" cy="369332"/>
+          </a:xfrm>
+          <a:prstGeom prst="rect">
+            <a:avLst/>
+          </a:prstGeom>
+          <a:noFill/>
+        </p:spPr>
+        <p:txBody>
+          <a:bodyPr wrap="square" rtlCol="0">
+            <a:spAutoFit/>
+          </a:bodyPr>
+          <a:lstStyle/>
+          <a:p>
+            <a:r>
+              <a:rPr lang="en-US" dirty="0">
+                <a:solidFill>
+                  <a:schemeClr val="bg1"/>
+                </a:solidFill>
+              </a:rPr>
+              <a:t>Data through 2021</a:t>
+            </a:r>
+          </a:p>
+        </p:txBody>
+      </p:sp>
+      <p:sp>
+        <p:nvSpPr>
+          <p:cNvPr id="12" name="TextBox 11"/>
+          <p:cNvSpPr txBox="1"/>
+          <p:nvPr/>
+        </p:nvSpPr>
+        <p:spPr>
+          <a:xfrm>
+            <a:off x="8484400" y="5615582"/>
+            <a:ext cx="3071799" cy="923330"/>
+          </a:xfrm>
+          <a:prstGeom prst="rect">
+            <a:avLst/>
+          </a:prstGeom>
+          <a:noFill/>
+        </p:spPr>
+        <p:txBody>
+          <a:bodyPr wrap="square" rtlCol="0">
+            <a:spAutoFit/>
+          </a:bodyPr>
+          <a:lstStyle/>
+          <a:p>
+            <a:r>
+              <a:rPr lang="en-US" dirty="0"/>
+              <a:t>Notice how spikes in the irregular component line up closely with recessions</a:t>
+            </a:r>
+          </a:p>
+        </p:txBody>
+      </p:sp>
+      <p:cxnSp>
+        <p:nvCxnSpPr>
+          <p:cNvPr id="14" name="Straight Arrow Connector 13"/>
+          <p:cNvCxnSpPr/>
+          <p:nvPr/>
+        </p:nvCxnSpPr>
+        <p:spPr>
+          <a:xfrm flipV="1">
+            <a:off x="10267950" y="4533900"/>
+            <a:ext cx="657225" cy="1040691"/>
+          </a:xfrm>
+          <a:prstGeom prst="straightConnector1">
+            <a:avLst/>
+          </a:prstGeom>
+          <a:ln>
+            <a:solidFill>
+              <a:srgbClr val="FF0000"/>
+            </a:solidFill>
+            <a:tailEnd type="triangle"/>
+          </a:ln>
+        </p:spPr>
+        <p:style>
+          <a:lnRef idx="1">
+            <a:schemeClr val="accent1"/>
+          </a:lnRef>
+          <a:fillRef idx="0">
+            <a:schemeClr val="accent1"/>
+          </a:fillRef>
+          <a:effectRef idx="0">
+            <a:schemeClr val="accent1"/>
+          </a:effectRef>
+          <a:fontRef idx="minor">
+            <a:schemeClr val="tx1"/>
+          </a:fontRef>
+        </p:style>
+      </p:cxnSp>
+    </p:spTree>
+    <p:extLst>
+      <p:ext uri="{BB962C8B-B14F-4D97-AF65-F5344CB8AC3E}">
+        <p14:creationId xmlns:p14="http://schemas.microsoft.com/office/powerpoint/2010/main" val="1832403901"/>
+      </p:ext>
+    </p:extLst>
+  </p:cSld>
+  <p:clrMapOvr>
+    <a:masterClrMapping/>
+  </p:clrMapOvr>
+</p:sld>
+</file>
+
+<file path=ppt/slides/slide8.xml><?xml version="1.0" encoding="utf-8"?>
+<p:sld xmlns:a="http://schemas.openxmlformats.org/drawingml/2006/main" xmlns:r="http://schemas.openxmlformats.org/officeDocument/2006/relationships" xmlns:p="http://schemas.openxmlformats.org/presentationml/2006/main">
+  <p:cSld>
+    <p:bg>
+      <p:bgPr>
+        <a:solidFill>
+          <a:schemeClr val="bg1"/>
+        </a:solidFill>
+        <a:effectLst/>
+      </p:bgPr>
+    </p:bg>
+    <p:spTree>
+      <p:nvGrpSpPr>
+        <p:cNvPr id="1" name=""/>
+        <p:cNvGrpSpPr/>
+        <p:nvPr/>
+      </p:nvGrpSpPr>
+      <p:grpSpPr>
+        <a:xfrm>
+          <a:off x="0" y="0"/>
+          <a:ext cx="0" cy="0"/>
+          <a:chOff x="0" y="0"/>
+          <a:chExt cx="0" cy="0"/>
+        </a:xfrm>
+      </p:grpSpPr>
+      <p:sp>
+        <p:nvSpPr>
+          <p:cNvPr id="3" name="Title 2"/>
+          <p:cNvSpPr>
+            <a:spLocks noGrp="1"/>
+          </p:cNvSpPr>
+          <p:nvPr>
+            <p:ph type="title"/>
+          </p:nvPr>
+        </p:nvSpPr>
+        <p:spPr>
+          <a:xfrm>
+            <a:off x="648929" y="629266"/>
+            <a:ext cx="3667039" cy="1676603"/>
+          </a:xfrm>
+        </p:spPr>
+        <p:txBody>
+          <a:bodyPr vert="horz" lIns="91440" tIns="45720" rIns="91440" bIns="45720" rtlCol="0" anchor="ctr">
+            <a:normAutofit/>
+          </a:bodyPr>
+          <a:lstStyle/>
+          <a:p>
+            <a:r>
+              <a:rPr lang="en-US" sz="2800">
+                <a:solidFill>
+                  <a:schemeClr val="tx1"/>
+                </a:solidFill>
+                <a:latin typeface="+mj-lt"/>
+                <a:ea typeface="+mj-ea"/>
+                <a:cs typeface="+mj-cs"/>
+              </a:rPr>
+              <a:t>Deep learning model:</a:t>
+            </a:r>
+            <a:br>
+              <a:rPr lang="en-US" sz="2800">
+                <a:solidFill>
+                  <a:schemeClr val="tx1"/>
+                </a:solidFill>
+                <a:latin typeface="+mj-lt"/>
+                <a:ea typeface="+mj-ea"/>
+                <a:cs typeface="+mj-cs"/>
+              </a:rPr>
+            </a:br>
+            <a:r>
+              <a:rPr lang="en-US" sz="2800" b="0">
+                <a:solidFill>
+                  <a:schemeClr val="tx1"/>
+                </a:solidFill>
+                <a:latin typeface="+mj-lt"/>
+                <a:ea typeface="+mj-ea"/>
+                <a:cs typeface="+mj-cs"/>
+              </a:rPr>
+              <a:t>LSTM Neural Network</a:t>
+            </a:r>
+            <a:br>
+              <a:rPr lang="en-US" sz="2800" b="0">
+                <a:solidFill>
+                  <a:schemeClr val="tx1"/>
+                </a:solidFill>
+                <a:latin typeface="+mj-lt"/>
+                <a:ea typeface="+mj-ea"/>
+                <a:cs typeface="+mj-cs"/>
+              </a:rPr>
+            </a:br>
+            <a:br>
+              <a:rPr lang="en-US" sz="2800">
+                <a:solidFill>
+                  <a:schemeClr val="tx1"/>
+                </a:solidFill>
+                <a:latin typeface="+mj-lt"/>
+                <a:ea typeface="+mj-ea"/>
+                <a:cs typeface="+mj-cs"/>
+              </a:rPr>
+            </a:br>
+            <a:endParaRPr lang="en-US" sz="2800">
+              <a:solidFill>
+                <a:schemeClr val="tx1"/>
+              </a:solidFill>
+              <a:latin typeface="+mj-lt"/>
+              <a:ea typeface="+mj-ea"/>
+              <a:cs typeface="+mj-cs"/>
+            </a:endParaRPr>
+          </a:p>
+        </p:txBody>
+      </p:sp>
+      <p:sp>
+        <p:nvSpPr>
+          <p:cNvPr id="4" name="Content Placeholder 3"/>
+          <p:cNvSpPr>
+            <a:spLocks noGrp="1"/>
+          </p:cNvSpPr>
+          <p:nvPr>
+            <p:ph idx="1"/>
+          </p:nvPr>
+        </p:nvSpPr>
+        <p:spPr>
+          <a:xfrm>
+            <a:off x="648931" y="2438401"/>
+            <a:ext cx="3667036" cy="3779520"/>
+          </a:xfrm>
+        </p:spPr>
+        <p:txBody>
+          <a:bodyPr vert="horz" lIns="91440" tIns="45720" rIns="91440" bIns="45720" rtlCol="0">
+            <a:normAutofit/>
+          </a:bodyPr>
+          <a:lstStyle/>
+          <a:p>
+            <a:pPr>
+              <a:buFont typeface="Arial" panose="020B0604020202020204" pitchFamily="34" charset="0"/>
+              <a:buChar char="•"/>
+            </a:pPr>
+            <a:r>
+              <a:rPr lang="en-US" sz="1700">
+                <a:solidFill>
+                  <a:schemeClr val="tx1"/>
+                </a:solidFill>
+                <a:latin typeface="+mn-lt"/>
+                <a:ea typeface="+mn-ea"/>
+                <a:cs typeface="+mn-cs"/>
+              </a:rPr>
+              <a:t>Long Short Term Memory (LSTM) networks are special kind of Recurrent Neural Network (RNN) that are capable of learning long-term dependencies.</a:t>
+            </a:r>
+          </a:p>
+          <a:p>
+            <a:pPr>
+              <a:buFont typeface="Arial" panose="020B0604020202020204" pitchFamily="34" charset="0"/>
+              <a:buChar char="•"/>
+            </a:pPr>
+            <a:r>
+              <a:rPr lang="en-US" sz="1700">
+                <a:solidFill>
+                  <a:schemeClr val="tx1"/>
+                </a:solidFill>
+                <a:latin typeface="+mn-lt"/>
+                <a:ea typeface="+mn-ea"/>
+                <a:cs typeface="+mn-cs"/>
+              </a:rPr>
+              <a:t>Steps: </a:t>
+            </a:r>
+          </a:p>
+          <a:p>
+            <a:pPr fontAlgn="base">
+              <a:buFont typeface="Arial" panose="020B0604020202020204" pitchFamily="34" charset="0"/>
+              <a:buChar char="•"/>
+            </a:pPr>
+            <a:r>
+              <a:rPr lang="en-US" sz="1700">
+                <a:solidFill>
+                  <a:schemeClr val="tx1"/>
+                </a:solidFill>
+                <a:latin typeface="+mn-lt"/>
+                <a:ea typeface="+mn-ea"/>
+                <a:cs typeface="+mn-cs"/>
+              </a:rPr>
+              <a:t>1. </a:t>
+            </a:r>
+            <a:r>
+              <a:rPr lang="en-US" sz="1700" b="1">
+                <a:solidFill>
+                  <a:schemeClr val="tx1"/>
+                </a:solidFill>
+                <a:latin typeface="+mn-lt"/>
+                <a:ea typeface="+mn-ea"/>
+                <a:cs typeface="+mn-cs"/>
+              </a:rPr>
+              <a:t>Transform data to stationary</a:t>
+            </a:r>
+          </a:p>
+          <a:p>
+            <a:pPr fontAlgn="base">
+              <a:buFont typeface="Arial" panose="020B0604020202020204" pitchFamily="34" charset="0"/>
+              <a:buChar char="•"/>
+            </a:pPr>
+            <a:r>
+              <a:rPr lang="en-US" sz="1700" b="1">
+                <a:solidFill>
+                  <a:schemeClr val="tx1"/>
+                </a:solidFill>
+                <a:latin typeface="+mn-lt"/>
+                <a:ea typeface="+mn-ea"/>
+                <a:cs typeface="+mn-cs"/>
+              </a:rPr>
+              <a:t>2. Lagged dataset</a:t>
+            </a:r>
+          </a:p>
+          <a:p>
+            <a:pPr fontAlgn="base">
+              <a:buFont typeface="Arial" panose="020B0604020202020204" pitchFamily="34" charset="0"/>
+              <a:buChar char="•"/>
+            </a:pPr>
+            <a:r>
+              <a:rPr lang="en-US" sz="1700" b="1">
+                <a:solidFill>
+                  <a:schemeClr val="tx1"/>
+                </a:solidFill>
+                <a:latin typeface="+mn-lt"/>
+                <a:ea typeface="+mn-ea"/>
+                <a:cs typeface="+mn-cs"/>
+              </a:rPr>
+              <a:t>3. Compile the model</a:t>
+            </a:r>
+          </a:p>
+          <a:p>
+            <a:pPr fontAlgn="base">
+              <a:buFont typeface="Arial" panose="020B0604020202020204" pitchFamily="34" charset="0"/>
+              <a:buChar char="•"/>
+            </a:pPr>
+            <a:r>
+              <a:rPr lang="en-US" sz="1700" b="1">
+                <a:solidFill>
+                  <a:schemeClr val="tx1"/>
+                </a:solidFill>
+                <a:latin typeface="+mn-lt"/>
+                <a:ea typeface="+mn-ea"/>
+                <a:cs typeface="+mn-cs"/>
+              </a:rPr>
+              <a:t>4. Normalize the data</a:t>
+            </a:r>
+          </a:p>
+          <a:p>
+            <a:pPr>
+              <a:buFont typeface="Arial" panose="020B0604020202020204" pitchFamily="34" charset="0"/>
+              <a:buChar char="•"/>
+            </a:pPr>
+            <a:r>
+              <a:rPr lang="en-US" sz="1700" b="1">
+                <a:solidFill>
+                  <a:schemeClr val="tx1"/>
+                </a:solidFill>
+                <a:latin typeface="+mn-lt"/>
+                <a:ea typeface="+mn-ea"/>
+                <a:cs typeface="+mn-cs"/>
+              </a:rPr>
+              <a:t>5. Make predictions</a:t>
+            </a:r>
+            <a:br>
+              <a:rPr lang="en-US" sz="1700">
+                <a:solidFill>
+                  <a:schemeClr val="tx1"/>
+                </a:solidFill>
+                <a:latin typeface="+mn-lt"/>
+                <a:ea typeface="+mn-ea"/>
+                <a:cs typeface="+mn-cs"/>
+              </a:rPr>
+            </a:br>
+            <a:endParaRPr lang="en-US" sz="1700">
+              <a:solidFill>
+                <a:schemeClr val="tx1"/>
+              </a:solidFill>
+              <a:latin typeface="+mn-lt"/>
+              <a:ea typeface="+mn-ea"/>
+              <a:cs typeface="+mn-cs"/>
+            </a:endParaRPr>
+          </a:p>
+        </p:txBody>
+      </p:sp>
+      <p:sp>
+        <p:nvSpPr>
+          <p:cNvPr id="14" name="Rectangle 13">
+            <a:extLst>
+              <a:ext uri="{FF2B5EF4-FFF2-40B4-BE49-F238E27FC236}">
+                <a16:creationId xmlns:a16="http://schemas.microsoft.com/office/drawing/2014/main" id="{F2B38F72-8FC4-4001-8C67-FA6B86DEC767}"/>
+              </a:ext>
+              <a:ext uri="{C183D7F6-B498-43B3-948B-1728B52AA6E4}">
+                <adec:decorative xmlns:adec="http://schemas.microsoft.com/office/drawing/2017/decorative" val="1"/>
+              </a:ext>
+            </a:extLst>
+          </p:cNvPr>
+          <p:cNvSpPr>
+            <a:spLocks noGrp="1" noRot="1" noChangeAspect="1" noMove="1" noResize="1" noEditPoints="1" noAdjustHandles="1" noChangeArrowheads="1" noChangeShapeType="1" noTextEdit="1"/>
+          </p:cNvSpPr>
+          <p:nvPr>
+            <p:extLst>
+              <p:ext uri="{386F3935-93C4-4BCD-93E2-E3B085C9AB24}">
+                <p16:designElem xmlns:p16="http://schemas.microsoft.com/office/powerpoint/2015/main" val="1"/>
+              </p:ext>
+            </p:extLst>
+          </p:nvPr>
+        </p:nvSpPr>
+        <p:spPr>
+          <a:xfrm>
+            <a:off x="4636008" y="2"/>
+            <a:ext cx="7555992" cy="6857998"/>
+          </a:xfrm>
+          <a:prstGeom prst="rect">
+            <a:avLst/>
+          </a:prstGeom>
+          <a:solidFill>
+            <a:schemeClr val="tx1"/>
+          </a:solidFill>
+          <a:ln>
+            <a:noFill/>
+          </a:ln>
+        </p:spPr>
+        <p:style>
+          <a:lnRef idx="2">
+            <a:schemeClr val="accent1">
+              <a:shade val="50000"/>
+            </a:schemeClr>
+          </a:lnRef>
+          <a:fillRef idx="1">
+            <a:schemeClr val="accent1"/>
+          </a:fillRef>
+          <a:effectRef idx="0">
+            <a:schemeClr val="accent1"/>
+          </a:effectRef>
+          <a:fontRef idx="minor">
+            <a:schemeClr val="lt1"/>
+          </a:fontRef>
+        </p:style>
+        <p:txBody>
+          <a:bodyPr rtlCol="0" anchor="ctr"/>
+          <a:lstStyle/>
+          <a:p>
+            <a:pPr algn="ctr"/>
+            <a:endParaRPr lang="en-US"/>
+          </a:p>
+        </p:txBody>
+      </p:sp>
+      <p:pic>
+        <p:nvPicPr>
+          <p:cNvPr id="9" name="Picture Placeholder 8" descr="Chart, line chart&#10;&#10;Description automatically generated">
+            <a:extLst>
+              <a:ext uri="{FF2B5EF4-FFF2-40B4-BE49-F238E27FC236}">
+                <a16:creationId xmlns:a16="http://schemas.microsoft.com/office/drawing/2014/main" id="{C4346FD6-8FF2-7A4A-8A4F-C4C2C6D29FCC}"/>
+              </a:ext>
+            </a:extLst>
+          </p:cNvPr>
+          <p:cNvPicPr>
+            <a:picLocks noGrp="1" noChangeAspect="1"/>
+          </p:cNvPicPr>
+          <p:nvPr>
+            <p:ph type="pic" sz="quarter" idx="13"/>
+          </p:nvPr>
+        </p:nvPicPr>
+        <p:blipFill rotWithShape="1">
+          <a:blip r:embed="rId2"/>
+          <a:srcRect t="3226" r="-3" b="2191"/>
+          <a:stretch/>
+        </p:blipFill>
+        <p:spPr>
+          <a:xfrm>
+            <a:off x="5276088" y="640082"/>
+            <a:ext cx="6276250" cy="5577838"/>
+          </a:xfrm>
+          <a:prstGeom prst="rect">
+            <a:avLst/>
+          </a:prstGeom>
+          <a:effectLst/>
+        </p:spPr>
+      </p:pic>
+      <p:sp>
+        <p:nvSpPr>
+          <p:cNvPr id="6" name="Slide Number Placeholder 5"/>
+          <p:cNvSpPr>
+            <a:spLocks noGrp="1"/>
+          </p:cNvSpPr>
+          <p:nvPr>
+            <p:ph type="sldNum" sz="quarter" idx="12"/>
+          </p:nvPr>
+        </p:nvSpPr>
+        <p:spPr>
+          <a:xfrm>
+            <a:off x="288635" y="6356350"/>
+            <a:ext cx="685800" cy="365125"/>
+          </a:xfrm>
+        </p:spPr>
+        <p:txBody>
+          <a:bodyPr vert="horz" lIns="91440" tIns="45720" rIns="91440" bIns="45720" rtlCol="0" anchor="ctr">
+            <a:normAutofit/>
+          </a:bodyPr>
+          <a:lstStyle/>
+          <a:p>
+            <a:pPr>
+              <a:spcAft>
+                <a:spcPts val="600"/>
+              </a:spcAft>
+              <a:defRPr/>
+            </a:pPr>
+            <a:fld id="{ACECC8D6-1311-6F42-B063-A331488CED07}" type="slidenum">
+              <a:rPr lang="en-US" sz="1200" smtClean="0">
+                <a:solidFill>
+                  <a:prstClr val="black">
+                    <a:tint val="75000"/>
+                  </a:prstClr>
+                </a:solidFill>
+                <a:latin typeface="Calibri" panose="020F0502020204030204"/>
+                <a:ea typeface="+mn-ea"/>
+                <a:cs typeface="+mn-cs"/>
+              </a:rPr>
+              <a:pPr>
+                <a:spcAft>
+                  <a:spcPts val="600"/>
+                </a:spcAft>
+                <a:defRPr/>
+              </a:pPr>
+              <a:t>7</a:t>
+            </a:fld>
+            <a:endParaRPr lang="en-US" sz="1200">
+              <a:solidFill>
+                <a:prstClr val="black">
+                  <a:tint val="75000"/>
+                </a:prstClr>
+              </a:solidFill>
+              <a:latin typeface="Calibri" panose="020F0502020204030204"/>
+              <a:ea typeface="+mn-ea"/>
+              <a:cs typeface="+mn-cs"/>
+            </a:endParaRPr>
+          </a:p>
+        </p:txBody>
+      </p:sp>
+      <p:sp>
+        <p:nvSpPr>
+          <p:cNvPr id="5" name="Date Placeholder 4"/>
+          <p:cNvSpPr>
+            <a:spLocks noGrp="1"/>
+          </p:cNvSpPr>
+          <p:nvPr>
+            <p:ph type="dt" sz="half" idx="10"/>
+          </p:nvPr>
+        </p:nvSpPr>
+        <p:spPr>
+          <a:xfrm>
+            <a:off x="1162051" y="6356350"/>
+            <a:ext cx="2860541" cy="365125"/>
+          </a:xfrm>
+        </p:spPr>
+        <p:txBody>
+          <a:bodyPr vert="horz" lIns="91440" tIns="45720" rIns="91440" bIns="45720" rtlCol="0" anchor="ctr">
+            <a:normAutofit/>
+          </a:bodyPr>
+          <a:lstStyle/>
+          <a:p>
+            <a:pPr>
+              <a:spcAft>
+                <a:spcPts val="600"/>
+              </a:spcAft>
+              <a:defRPr/>
+            </a:pPr>
+            <a:fld id="{7836101D-EE4F-E14F-B986-E9B4B91F2B37}" type="datetime1">
+              <a:rPr lang="en-US" sz="1200" smtClean="0">
+                <a:solidFill>
+                  <a:prstClr val="black">
+                    <a:tint val="75000"/>
+                  </a:prstClr>
+                </a:solidFill>
+                <a:latin typeface="Calibri" panose="020F0502020204030204"/>
+                <a:ea typeface="+mn-ea"/>
+                <a:cs typeface="+mn-cs"/>
+              </a:rPr>
+              <a:pPr>
+                <a:spcAft>
+                  <a:spcPts val="600"/>
+                </a:spcAft>
+                <a:defRPr/>
+              </a:pPr>
+              <a:t>6/4/21</a:t>
+            </a:fld>
+            <a:endParaRPr lang="en-US" sz="1200">
+              <a:solidFill>
+                <a:prstClr val="black">
+                  <a:tint val="75000"/>
+                </a:prstClr>
+              </a:solidFill>
+              <a:latin typeface="Calibri" panose="020F0502020204030204"/>
+              <a:ea typeface="+mn-ea"/>
+              <a:cs typeface="+mn-cs"/>
+            </a:endParaRPr>
+          </a:p>
+        </p:txBody>
+      </p:sp>
+      <p:sp>
+        <p:nvSpPr>
+          <p:cNvPr id="7" name="Footer Placeholder 6"/>
+          <p:cNvSpPr>
+            <a:spLocks noGrp="1"/>
+          </p:cNvSpPr>
+          <p:nvPr>
+            <p:ph type="ftr" sz="quarter" idx="11"/>
+          </p:nvPr>
+        </p:nvSpPr>
+        <p:spPr>
+          <a:xfrm>
+            <a:off x="4956048" y="6356350"/>
+            <a:ext cx="6620179" cy="365125"/>
+          </a:xfrm>
+        </p:spPr>
+        <p:txBody>
+          <a:bodyPr vert="horz" lIns="91440" tIns="45720" rIns="91440" bIns="45720" rtlCol="0" anchor="ctr">
+            <a:normAutofit/>
+          </a:bodyPr>
+          <a:lstStyle/>
+          <a:p>
+            <a:pPr algn="r">
+              <a:spcAft>
+                <a:spcPts val="600"/>
+              </a:spcAft>
+              <a:defRPr/>
+            </a:pPr>
+            <a:r>
+              <a:rPr lang="en-US" sz="1200" kern="1200">
+                <a:solidFill>
+                  <a:schemeClr val="bg1">
+                    <a:lumMod val="75000"/>
+                    <a:lumOff val="25000"/>
+                  </a:schemeClr>
+                </a:solidFill>
+                <a:latin typeface="Calibri" panose="020F0502020204030204"/>
+                <a:ea typeface="+mn-ea"/>
+                <a:cs typeface="+mn-cs"/>
+              </a:rPr>
+              <a:t>[Click “View &gt; Header and Footer” to Edit]</a:t>
+            </a:r>
+          </a:p>
+        </p:txBody>
+      </p:sp>
+    </p:spTree>
+    <p:extLst>
+      <p:ext uri="{BB962C8B-B14F-4D97-AF65-F5344CB8AC3E}">
+        <p14:creationId xmlns:p14="http://schemas.microsoft.com/office/powerpoint/2010/main" val="355481658"/>
+      </p:ext>
+    </p:extLst>
+  </p:cSld>
+  <p:clrMapOvr>
+    <a:overrideClrMapping bg1="dk1" tx1="lt1" bg2="dk2" tx2="lt2" accent1="accent1" accent2="accent2" accent3="accent3" accent4="accent4" accent5="accent5" accent6="accent6" hlink="hlink" folHlink="folHlink"/>
+  </p:clrMapOvr>
+</p:sld>
+</file>
+
+<file path=ppt/slides/slide9.xml><?xml version="1.0" encoding="utf-8"?>
+<p:sld xmlns:a="http://schemas.openxmlformats.org/drawingml/2006/main" xmlns:r="http://schemas.openxmlformats.org/officeDocument/2006/relationships" xmlns:p="http://schemas.openxmlformats.org/presentationml/2006/main">
+  <p:cSld>
+    <p:bg>
+      <p:bgPr>
+        <a:solidFill>
+          <a:schemeClr val="bg1"/>
+        </a:solidFill>
+        <a:effectLst/>
+      </p:bgPr>
+    </p:bg>
+    <p:spTree>
+      <p:nvGrpSpPr>
+        <p:cNvPr id="1" name=""/>
+        <p:cNvGrpSpPr/>
+        <p:nvPr/>
+      </p:nvGrpSpPr>
+      <p:grpSpPr>
+        <a:xfrm>
+          <a:off x="0" y="0"/>
+          <a:ext cx="0" cy="0"/>
+          <a:chOff x="0" y="0"/>
+          <a:chExt cx="0" cy="0"/>
+        </a:xfrm>
+      </p:grpSpPr>
+      <p:sp>
+        <p:nvSpPr>
+          <p:cNvPr id="3" name="Title 2">
+            <a:extLst>
+              <a:ext uri="{FF2B5EF4-FFF2-40B4-BE49-F238E27FC236}">
+                <a16:creationId xmlns:a16="http://schemas.microsoft.com/office/drawing/2014/main" id="{60FC50D2-BACE-6041-B66C-EC767D6E7E25}"/>
+              </a:ext>
+            </a:extLst>
+          </p:cNvPr>
+          <p:cNvSpPr>
+            <a:spLocks noGrp="1"/>
+          </p:cNvSpPr>
+          <p:nvPr>
+            <p:ph type="title"/>
+          </p:nvPr>
+        </p:nvSpPr>
+        <p:spPr>
+          <a:xfrm>
+            <a:off x="648929" y="629266"/>
+            <a:ext cx="3505495" cy="1622321"/>
+          </a:xfrm>
+        </p:spPr>
+        <p:txBody>
+          <a:bodyPr vert="horz" lIns="91440" tIns="45720" rIns="91440" bIns="45720" rtlCol="0" anchor="ctr">
+            <a:normAutofit/>
+          </a:bodyPr>
+          <a:lstStyle/>
+          <a:p>
+            <a:r>
+              <a:rPr lang="en-US" sz="3700" kern="1200">
+                <a:solidFill>
+                  <a:schemeClr val="tx1"/>
+                </a:solidFill>
+                <a:latin typeface="+mj-lt"/>
+                <a:ea typeface="+mj-ea"/>
+                <a:cs typeface="+mj-cs"/>
+              </a:rPr>
+              <a:t>Prediction for the next 5 month</a:t>
+            </a:r>
+          </a:p>
+        </p:txBody>
+      </p:sp>
+      <p:sp>
+        <p:nvSpPr>
+          <p:cNvPr id="4" name="Content Placeholder 3">
+            <a:extLst>
+              <a:ext uri="{FF2B5EF4-FFF2-40B4-BE49-F238E27FC236}">
+                <a16:creationId xmlns:a16="http://schemas.microsoft.com/office/drawing/2014/main" id="{7C75F66A-1CB9-F941-B65F-301786170924}"/>
+              </a:ext>
+            </a:extLst>
+          </p:cNvPr>
+          <p:cNvSpPr>
+            <a:spLocks noGrp="1"/>
+          </p:cNvSpPr>
+          <p:nvPr>
+            <p:ph idx="1"/>
+          </p:nvPr>
+        </p:nvSpPr>
+        <p:spPr>
+          <a:xfrm>
+            <a:off x="648931" y="2438400"/>
+            <a:ext cx="3505494" cy="3785419"/>
+          </a:xfrm>
+        </p:spPr>
+        <p:txBody>
+          <a:bodyPr vert="horz" lIns="91440" tIns="45720" rIns="91440" bIns="45720" rtlCol="0">
+            <a:normAutofit/>
+          </a:bodyPr>
+          <a:lstStyle/>
+          <a:p>
+            <a:pPr>
+              <a:buFont typeface="Arial" panose="020B0604020202020204" pitchFamily="34" charset="0"/>
+              <a:buChar char="•"/>
+            </a:pPr>
+            <a:r>
+              <a:rPr lang="en-US" sz="1700">
+                <a:solidFill>
+                  <a:schemeClr val="tx1"/>
+                </a:solidFill>
+                <a:latin typeface="+mn-lt"/>
+                <a:ea typeface="+mn-ea"/>
+                <a:cs typeface="+mn-cs"/>
+              </a:rPr>
+              <a:t>&gt; head(predictions)   &gt;Difference</a:t>
+            </a:r>
+          </a:p>
+          <a:p>
+            <a:pPr>
+              <a:buFont typeface="Arial" panose="020B0604020202020204" pitchFamily="34" charset="0"/>
+              <a:buChar char="•"/>
+            </a:pPr>
+            <a:r>
+              <a:rPr lang="en-US" sz="1700">
+                <a:solidFill>
+                  <a:schemeClr val="tx1"/>
+                </a:solidFill>
+                <a:latin typeface="+mn-lt"/>
+                <a:ea typeface="+mn-ea"/>
+                <a:cs typeface="+mn-cs"/>
+              </a:rPr>
+              <a:t>5/1/21 - 144360.2 	+52,000</a:t>
+            </a:r>
+          </a:p>
+          <a:p>
+            <a:pPr>
+              <a:buFont typeface="Arial" panose="020B0604020202020204" pitchFamily="34" charset="0"/>
+              <a:buChar char="•"/>
+            </a:pPr>
+            <a:r>
+              <a:rPr lang="en-US" sz="1700">
+                <a:solidFill>
+                  <a:schemeClr val="tx1"/>
+                </a:solidFill>
+                <a:latin typeface="+mn-lt"/>
+                <a:ea typeface="+mn-ea"/>
+                <a:cs typeface="+mn-cs"/>
+              </a:rPr>
+              <a:t>6/1/21 - 144571.2 	+211,000</a:t>
+            </a:r>
+          </a:p>
+          <a:p>
+            <a:pPr>
+              <a:buFont typeface="Arial" panose="020B0604020202020204" pitchFamily="34" charset="0"/>
+              <a:buChar char="•"/>
+            </a:pPr>
+            <a:r>
+              <a:rPr lang="en-US" sz="1700">
+                <a:solidFill>
+                  <a:schemeClr val="tx1"/>
+                </a:solidFill>
+                <a:latin typeface="+mn-lt"/>
+                <a:ea typeface="+mn-ea"/>
+                <a:cs typeface="+mn-cs"/>
+              </a:rPr>
+              <a:t>7/1/21 - 144826.2 	+255,000</a:t>
+            </a:r>
+          </a:p>
+          <a:p>
+            <a:pPr>
+              <a:buFont typeface="Arial" panose="020B0604020202020204" pitchFamily="34" charset="0"/>
+              <a:buChar char="•"/>
+            </a:pPr>
+            <a:r>
+              <a:rPr lang="en-US" sz="1700">
+                <a:solidFill>
+                  <a:schemeClr val="tx1"/>
+                </a:solidFill>
+                <a:latin typeface="+mn-lt"/>
+                <a:ea typeface="+mn-ea"/>
+                <a:cs typeface="+mn-cs"/>
+              </a:rPr>
+              <a:t>8/1/21 - 145122.2 	+296,000</a:t>
+            </a:r>
+          </a:p>
+          <a:p>
+            <a:pPr>
+              <a:buFont typeface="Arial" panose="020B0604020202020204" pitchFamily="34" charset="0"/>
+              <a:buChar char="•"/>
+            </a:pPr>
+            <a:r>
+              <a:rPr lang="en-US" sz="1700">
+                <a:solidFill>
+                  <a:schemeClr val="tx1"/>
+                </a:solidFill>
+                <a:latin typeface="+mn-lt"/>
+                <a:ea typeface="+mn-ea"/>
+                <a:cs typeface="+mn-cs"/>
+              </a:rPr>
+              <a:t>9/1/21 - 145304.2	+182,000</a:t>
+            </a:r>
+          </a:p>
+        </p:txBody>
+      </p:sp>
+      <p:sp>
+        <p:nvSpPr>
+          <p:cNvPr id="24" name="Rectangle 13">
+            <a:extLst>
+              <a:ext uri="{FF2B5EF4-FFF2-40B4-BE49-F238E27FC236}">
+                <a16:creationId xmlns:a16="http://schemas.microsoft.com/office/drawing/2014/main" id="{5E39A796-BE83-48B1-B33F-35C4A32AAB57}"/>
+              </a:ext>
+              <a:ext uri="{C183D7F6-B498-43B3-948B-1728B52AA6E4}">
+                <adec:decorative xmlns:adec="http://schemas.microsoft.com/office/drawing/2017/decorative" val="1"/>
+              </a:ext>
+            </a:extLst>
+          </p:cNvPr>
+          <p:cNvSpPr>
+            <a:spLocks noGrp="1" noRot="1" noChangeAspect="1" noMove="1" noResize="1" noEditPoints="1" noAdjustHandles="1" noChangeArrowheads="1" noChangeShapeType="1" noTextEdit="1"/>
+          </p:cNvSpPr>
+          <p:nvPr>
+            <p:extLst>
+              <p:ext uri="{386F3935-93C4-4BCD-93E2-E3B085C9AB24}">
+                <p16:designElem xmlns:p16="http://schemas.microsoft.com/office/powerpoint/2015/main" val="1"/>
+              </p:ext>
+            </p:extLst>
+          </p:nvPr>
+        </p:nvSpPr>
+        <p:spPr>
+          <a:xfrm>
+            <a:off x="4639056" y="0"/>
+            <a:ext cx="7552944" cy="6858000"/>
+          </a:xfrm>
+          <a:prstGeom prst="rect">
+            <a:avLst/>
+          </a:prstGeom>
+          <a:solidFill>
+            <a:srgbClr val="C8CACA"/>
+          </a:solidFill>
+          <a:ln>
+            <a:noFill/>
+          </a:ln>
+        </p:spPr>
+        <p:style>
+          <a:lnRef idx="2">
+            <a:schemeClr val="accent1">
+              <a:shade val="50000"/>
+            </a:schemeClr>
+          </a:lnRef>
+          <a:fillRef idx="1">
+            <a:schemeClr val="accent1"/>
+          </a:fillRef>
+          <a:effectRef idx="0">
+            <a:schemeClr val="accent1"/>
+          </a:effectRef>
+          <a:fontRef idx="minor">
+            <a:schemeClr val="lt1"/>
+          </a:fontRef>
+        </p:style>
+        <p:txBody>
+          <a:bodyPr rtlCol="0" anchor="ctr"/>
+          <a:lstStyle/>
+          <a:p>
+            <a:pPr algn="ctr"/>
+            <a:endParaRPr lang="en-US"/>
+          </a:p>
+        </p:txBody>
+      </p:sp>
+      <p:sp>
+        <p:nvSpPr>
+          <p:cNvPr id="25" name="Rounded Rectangle 9">
+            <a:extLst>
+              <a:ext uri="{FF2B5EF4-FFF2-40B4-BE49-F238E27FC236}">
+                <a16:creationId xmlns:a16="http://schemas.microsoft.com/office/drawing/2014/main" id="{72F84B47-E267-4194-8194-831DB7B5547F}"/>
+              </a:ext>
+              <a:ext uri="{C183D7F6-B498-43B3-948B-1728B52AA6E4}">
+                <adec:decorative xmlns:adec="http://schemas.microsoft.com/office/drawing/2017/decorative" val="1"/>
+              </a:ext>
+            </a:extLst>
+          </p:cNvPr>
+          <p:cNvSpPr>
+            <a:spLocks noGrp="1" noRot="1" noChangeAspect="1" noMove="1" noResize="1" noEditPoints="1" noAdjustHandles="1" noChangeArrowheads="1" noChangeShapeType="1" noTextEdit="1"/>
+          </p:cNvSpPr>
+          <p:nvPr>
+            <p:extLst>
+              <p:ext uri="{386F3935-93C4-4BCD-93E2-E3B085C9AB24}">
+                <p16:designElem xmlns:p16="http://schemas.microsoft.com/office/powerpoint/2015/main" val="1"/>
+              </p:ext>
+            </p:extLst>
+          </p:nvPr>
+        </p:nvSpPr>
+        <p:spPr>
+          <a:xfrm>
+            <a:off x="5123688" y="557784"/>
+            <a:ext cx="6584098" cy="5739187"/>
+          </a:xfrm>
+          <a:prstGeom prst="roundRect">
+            <a:avLst>
+              <a:gd name="adj" fmla="val 0"/>
+            </a:avLst>
+          </a:prstGeom>
+          <a:solidFill>
+            <a:srgbClr val="FFFFFF"/>
+          </a:solidFill>
+          <a:ln w="9525">
+            <a:solidFill>
+              <a:srgbClr val="C8CACA"/>
+            </a:solidFill>
+          </a:ln>
+          <a:effectLst>
+            <a:outerShdw blurRad="57150" dist="19050" dir="5400000" algn="t" rotWithShape="0">
+              <a:prstClr val="black">
+                <a:alpha val="63000"/>
+              </a:prstClr>
+            </a:outerShdw>
+          </a:effectLst>
+        </p:spPr>
+        <p:style>
+          <a:lnRef idx="2">
+            <a:schemeClr val="accent1">
+              <a:shade val="50000"/>
+            </a:schemeClr>
+          </a:lnRef>
+          <a:fillRef idx="1">
+            <a:schemeClr val="accent1"/>
+          </a:fillRef>
+          <a:effectRef idx="0">
+            <a:schemeClr val="accent1"/>
+          </a:effectRef>
+          <a:fontRef idx="minor">
+            <a:schemeClr val="lt1"/>
+          </a:fontRef>
+        </p:style>
+        <p:txBody>
+          <a:bodyPr rtlCol="0" anchor="ctr"/>
+          <a:lstStyle/>
+          <a:p>
+            <a:pPr algn="ctr"/>
+            <a:endParaRPr lang="en-US"/>
+          </a:p>
+        </p:txBody>
+      </p:sp>
+      <p:pic>
+        <p:nvPicPr>
+          <p:cNvPr id="9" name="Picture Placeholder 8">
+            <a:extLst>
+              <a:ext uri="{FF2B5EF4-FFF2-40B4-BE49-F238E27FC236}">
+                <a16:creationId xmlns:a16="http://schemas.microsoft.com/office/drawing/2014/main" id="{B27EEEC6-4984-684D-A7BE-649B5FB8EE4F}"/>
+              </a:ext>
+            </a:extLst>
+          </p:cNvPr>
+          <p:cNvPicPr>
+            <a:picLocks noGrp="1" noChangeAspect="1"/>
+          </p:cNvPicPr>
+          <p:nvPr>
+            <p:ph type="pic" sz="quarter" idx="13"/>
+          </p:nvPr>
+        </p:nvPicPr>
+        <p:blipFill>
+          <a:blip r:embed="rId2"/>
+          <a:srcRect l="29534" r="29534"/>
+          <a:stretch>
+            <a:fillRect/>
+          </a:stretch>
+        </p:blipFill>
+        <p:spPr>
+          <a:xfrm>
+            <a:off x="6699800" y="807593"/>
+            <a:ext cx="3431454" cy="5239568"/>
+          </a:xfrm>
+          <a:prstGeom prst="rect">
+            <a:avLst/>
+          </a:prstGeom>
+          <a:effectLst/>
+        </p:spPr>
+      </p:pic>
+      <p:sp>
+        <p:nvSpPr>
+          <p:cNvPr id="5" name="Date Placeholder 4">
+            <a:extLst>
+              <a:ext uri="{FF2B5EF4-FFF2-40B4-BE49-F238E27FC236}">
+                <a16:creationId xmlns:a16="http://schemas.microsoft.com/office/drawing/2014/main" id="{B25B6F77-AA0C-9B41-AA11-DAF4C50659E7}"/>
+              </a:ext>
+            </a:extLst>
+          </p:cNvPr>
+          <p:cNvSpPr>
+            <a:spLocks noGrp="1"/>
+          </p:cNvSpPr>
+          <p:nvPr>
+            <p:ph type="dt" sz="half" idx="10"/>
+          </p:nvPr>
+        </p:nvSpPr>
+        <p:spPr>
+          <a:xfrm>
+            <a:off x="838200" y="6356350"/>
+            <a:ext cx="2743200" cy="365125"/>
+          </a:xfrm>
+        </p:spPr>
+        <p:txBody>
+          <a:bodyPr vert="horz" lIns="91440" tIns="45720" rIns="91440" bIns="45720" rtlCol="0" anchor="ctr">
+            <a:normAutofit/>
+          </a:bodyPr>
+          <a:lstStyle/>
+          <a:p>
+            <a:pPr>
+              <a:spcAft>
+                <a:spcPts val="600"/>
+              </a:spcAft>
+            </a:pPr>
+            <a:fld id="{7836101D-EE4F-E14F-B986-E9B4B91F2B37}" type="datetime1">
+              <a:rPr lang="en-US" sz="1200" smtClean="0">
+                <a:solidFill>
+                  <a:schemeClr val="tx1">
+                    <a:tint val="75000"/>
+                  </a:schemeClr>
+                </a:solidFill>
+                <a:latin typeface="+mn-lt"/>
+                <a:ea typeface="+mn-ea"/>
+                <a:cs typeface="+mn-cs"/>
+              </a:rPr>
+              <a:pPr>
+                <a:spcAft>
+                  <a:spcPts val="600"/>
+                </a:spcAft>
+              </a:pPr>
+              <a:t>6/4/21</a:t>
+            </a:fld>
+            <a:endParaRPr lang="en-US" sz="1200">
+              <a:solidFill>
+                <a:schemeClr val="tx1">
+                  <a:tint val="75000"/>
+                </a:schemeClr>
+              </a:solidFill>
+              <a:latin typeface="+mn-lt"/>
+              <a:ea typeface="+mn-ea"/>
+              <a:cs typeface="+mn-cs"/>
+            </a:endParaRPr>
+          </a:p>
+        </p:txBody>
+      </p:sp>
+      <p:sp>
+        <p:nvSpPr>
+          <p:cNvPr id="7" name="Footer Placeholder 6">
+            <a:extLst>
+              <a:ext uri="{FF2B5EF4-FFF2-40B4-BE49-F238E27FC236}">
+                <a16:creationId xmlns:a16="http://schemas.microsoft.com/office/drawing/2014/main" id="{5E9E2368-0867-2640-9834-9B627FEDA7AD}"/>
+              </a:ext>
+            </a:extLst>
+          </p:cNvPr>
+          <p:cNvSpPr>
+            <a:spLocks noGrp="1"/>
+          </p:cNvSpPr>
+          <p:nvPr>
+            <p:ph type="ftr" sz="quarter" idx="11"/>
+          </p:nvPr>
+        </p:nvSpPr>
+        <p:spPr>
+          <a:xfrm>
+            <a:off x="5123688" y="6356350"/>
+            <a:ext cx="4114800" cy="365125"/>
+          </a:xfrm>
+        </p:spPr>
+        <p:txBody>
+          <a:bodyPr vert="horz" lIns="91440" tIns="45720" rIns="91440" bIns="45720" rtlCol="0" anchor="ctr">
+            <a:normAutofit/>
+          </a:bodyPr>
+          <a:lstStyle/>
+          <a:p>
+            <a:pPr algn="l">
+              <a:spcAft>
+                <a:spcPts val="600"/>
+              </a:spcAft>
+            </a:pPr>
+            <a:r>
+              <a:rPr lang="en-US" sz="1200" kern="1200">
+                <a:solidFill>
+                  <a:srgbClr val="303030"/>
+                </a:solidFill>
+                <a:latin typeface="+mn-lt"/>
+                <a:ea typeface="+mn-ea"/>
+                <a:cs typeface="+mn-cs"/>
+              </a:rPr>
+              <a:t>[Click “View &gt; Header and Footer” to Edit]</a:t>
+            </a:r>
+          </a:p>
+        </p:txBody>
+      </p:sp>
+      <p:sp>
+        <p:nvSpPr>
+          <p:cNvPr id="6" name="Slide Number Placeholder 5">
+            <a:extLst>
+              <a:ext uri="{FF2B5EF4-FFF2-40B4-BE49-F238E27FC236}">
+                <a16:creationId xmlns:a16="http://schemas.microsoft.com/office/drawing/2014/main" id="{62B1295B-23A4-044C-9736-E0CCEA3BEEDF}"/>
+              </a:ext>
+            </a:extLst>
+          </p:cNvPr>
+          <p:cNvSpPr>
+            <a:spLocks noGrp="1"/>
+          </p:cNvSpPr>
+          <p:nvPr>
+            <p:ph type="sldNum" sz="quarter" idx="12"/>
+          </p:nvPr>
+        </p:nvSpPr>
+        <p:spPr>
+          <a:xfrm>
+            <a:off x="8610600" y="6356350"/>
+            <a:ext cx="2743200" cy="365125"/>
+          </a:xfrm>
+        </p:spPr>
+        <p:txBody>
+          <a:bodyPr vert="horz" lIns="91440" tIns="45720" rIns="91440" bIns="45720" rtlCol="0" anchor="ctr">
+            <a:normAutofit/>
+          </a:bodyPr>
+          <a:lstStyle/>
+          <a:p>
+            <a:pPr>
+              <a:spcAft>
+                <a:spcPts val="600"/>
+              </a:spcAft>
+            </a:pPr>
+            <a:fld id="{ACECC8D6-1311-6F42-B063-A331488CED07}" type="slidenum">
+              <a:rPr lang="en-US" sz="1200">
+                <a:solidFill>
+                  <a:srgbClr val="303030"/>
+                </a:solidFill>
+                <a:latin typeface="+mn-lt"/>
+                <a:ea typeface="+mn-ea"/>
+                <a:cs typeface="+mn-cs"/>
+              </a:rPr>
+              <a:pPr>
+                <a:spcAft>
+                  <a:spcPts val="600"/>
+                </a:spcAft>
+              </a:pPr>
+              <a:t>8</a:t>
+            </a:fld>
+            <a:endParaRPr lang="en-US" sz="1200">
+              <a:solidFill>
+                <a:srgbClr val="303030"/>
+              </a:solidFill>
+              <a:latin typeface="+mn-lt"/>
+              <a:ea typeface="+mn-ea"/>
+              <a:cs typeface="+mn-cs"/>
+            </a:endParaRPr>
+          </a:p>
+        </p:txBody>
+      </p:sp>
+    </p:spTree>
+    <p:extLst>
+      <p:ext uri="{BB962C8B-B14F-4D97-AF65-F5344CB8AC3E}">
+        <p14:creationId xmlns:p14="http://schemas.microsoft.com/office/powerpoint/2010/main" val="3677225688"/>
       </p:ext>
     </p:extLst>
   </p:cSld>
@@ -7174,12 +8075,6 @@
 </file>
 
 <file path=customXml/item1.xml><?xml version="1.0" encoding="utf-8"?>
-<p:properties xmlns:p="http://schemas.microsoft.com/office/2006/metadata/properties" xmlns:xsi="http://www.w3.org/2001/XMLSchema-instance" xmlns:pc="http://schemas.microsoft.com/office/infopath/2007/PartnerControls">
-  <documentManagement/>
-</p:properties>
-</file>
-
-<file path=customXml/item2.xml><?xml version="1.0" encoding="utf-8"?>
 <ct:contentTypeSchema xmlns:ct="http://schemas.microsoft.com/office/2006/metadata/contentType" xmlns:ma="http://schemas.microsoft.com/office/2006/metadata/properties/metaAttributes" ct:_="" ma:_="" ma:contentTypeName="Document" ma:contentTypeID="0x01010071431AB0C9779A43BD885F94626F2265" ma:contentTypeVersion="4" ma:contentTypeDescription="Create a new document." ma:contentTypeScope="" ma:versionID="9d54a7e8d952f0d899b5faef706f4bec">
   <xsd:schema xmlns:xsd="http://www.w3.org/2001/XMLSchema" xmlns:xs="http://www.w3.org/2001/XMLSchema" xmlns:p="http://schemas.microsoft.com/office/2006/metadata/properties" xmlns:ns2="edb7b4ce-fc58-4455-a047-7dd82c0d9b47" targetNamespace="http://schemas.microsoft.com/office/2006/metadata/properties" ma:root="true" ma:fieldsID="332970e168b43bc8cb68fdee2bf610ec" ns2:_="">
     <xsd:import namespace="edb7b4ce-fc58-4455-a047-7dd82c0d9b47"/>
@@ -7325,6 +8220,12 @@
 </ct:contentTypeSchema>
 </file>
 
+<file path=customXml/item2.xml><?xml version="1.0" encoding="utf-8"?>
+<p:properties xmlns:p="http://schemas.microsoft.com/office/2006/metadata/properties" xmlns:xsi="http://www.w3.org/2001/XMLSchema-instance" xmlns:pc="http://schemas.microsoft.com/office/infopath/2007/PartnerControls">
+  <documentManagement/>
+</p:properties>
+</file>
+
 <file path=customXml/item3.xml><?xml version="1.0" encoding="utf-8"?>
 <?mso-contentType ?>
 <FormTemplates xmlns="http://schemas.microsoft.com/sharepoint/v3/contenttype/forms">
@@ -7335,15 +8236,6 @@
 </file>
 
 <file path=customXml/itemProps1.xml><?xml version="1.0" encoding="utf-8"?>
-<ds:datastoreItem xmlns:ds="http://schemas.openxmlformats.org/officeDocument/2006/customXml" ds:itemID="{241841E5-2874-4A44-BAA6-A7911A1F892F}">
-  <ds:schemaRefs>
-    <ds:schemaRef ds:uri="http://schemas.microsoft.com/office/2006/metadata/properties"/>
-    <ds:schemaRef ds:uri="http://schemas.microsoft.com/office/infopath/2007/PartnerControls"/>
-  </ds:schemaRefs>
-</ds:datastoreItem>
-</file>
-
-<file path=customXml/itemProps2.xml><?xml version="1.0" encoding="utf-8"?>
 <ds:datastoreItem xmlns:ds="http://schemas.openxmlformats.org/officeDocument/2006/customXml" ds:itemID="{B11726AF-0388-424A-A6D5-9D83C71D67D1}">
   <ds:schemaRefs>
     <ds:schemaRef ds:uri="edb7b4ce-fc58-4455-a047-7dd82c0d9b47"/>
@@ -7361,6 +8253,15 @@
 </ds:datastoreItem>
 </file>
 
+<file path=customXml/itemProps2.xml><?xml version="1.0" encoding="utf-8"?>
+<ds:datastoreItem xmlns:ds="http://schemas.openxmlformats.org/officeDocument/2006/customXml" ds:itemID="{241841E5-2874-4A44-BAA6-A7911A1F892F}">
+  <ds:schemaRefs>
+    <ds:schemaRef ds:uri="http://schemas.microsoft.com/office/2006/metadata/properties"/>
+    <ds:schemaRef ds:uri="http://schemas.microsoft.com/office/infopath/2007/PartnerControls"/>
+  </ds:schemaRefs>
+</ds:datastoreItem>
+</file>
+
 <file path=customXml/itemProps3.xml><?xml version="1.0" encoding="utf-8"?>
 <ds:datastoreItem xmlns:ds="http://schemas.openxmlformats.org/officeDocument/2006/customXml" ds:itemID="{E42083E8-1515-4842-ADC3-57EEB8B8282F}">
   <ds:schemaRefs>
